--- a/PENETRATION TESTING.pptx
+++ b/PENETRATION TESTING.pptx
@@ -26,6 +26,37 @@
     <p:sldId id="278" r:id="rId20"/>
     <p:sldId id="279" r:id="rId21"/>
     <p:sldId id="280" r:id="rId22"/>
+    <p:sldId id="281" r:id="rId23"/>
+    <p:sldId id="282" r:id="rId24"/>
+    <p:sldId id="283" r:id="rId25"/>
+    <p:sldId id="284" r:id="rId26"/>
+    <p:sldId id="289" r:id="rId27"/>
+    <p:sldId id="285" r:id="rId28"/>
+    <p:sldId id="286" r:id="rId29"/>
+    <p:sldId id="287" r:id="rId30"/>
+    <p:sldId id="288" r:id="rId31"/>
+    <p:sldId id="290" r:id="rId32"/>
+    <p:sldId id="295" r:id="rId33"/>
+    <p:sldId id="291" r:id="rId34"/>
+    <p:sldId id="292" r:id="rId35"/>
+    <p:sldId id="293" r:id="rId36"/>
+    <p:sldId id="294" r:id="rId37"/>
+    <p:sldId id="296" r:id="rId38"/>
+    <p:sldId id="297" r:id="rId39"/>
+    <p:sldId id="298" r:id="rId40"/>
+    <p:sldId id="299" r:id="rId41"/>
+    <p:sldId id="300" r:id="rId42"/>
+    <p:sldId id="301" r:id="rId43"/>
+    <p:sldId id="302" r:id="rId44"/>
+    <p:sldId id="303" r:id="rId45"/>
+    <p:sldId id="304" r:id="rId46"/>
+    <p:sldId id="305" r:id="rId47"/>
+    <p:sldId id="306" r:id="rId48"/>
+    <p:sldId id="307" r:id="rId49"/>
+    <p:sldId id="308" r:id="rId50"/>
+    <p:sldId id="309" r:id="rId51"/>
+    <p:sldId id="310" r:id="rId52"/>
+    <p:sldId id="311" r:id="rId53"/>
   </p:sldIdLst>
   <p:sldSz cx="12192000" cy="6858000"/>
   <p:notesSz cx="6858000" cy="9144000"/>
@@ -124,6 +155,11 @@
       </a:defRPr>
     </a:lvl9pPr>
   </p:defaultTextStyle>
+  <p:extLst>
+    <p:ext uri="{EFAFB233-063F-42B5-8137-9DF3F51BA10A}">
+      <p15:sldGuideLst xmlns:p15="http://schemas.microsoft.com/office/powerpoint/2012/main"/>
+    </p:ext>
+  </p:extLst>
 </p:presentation>
 </file>
 
@@ -852,7 +888,7 @@
             <a:fld id="{B61BEF0D-F0BB-DE4B-95CE-6DB70DBA9567}" type="datetimeFigureOut">
               <a:rPr lang="en-US" dirty="0"/>
               <a:pPr/>
-              <a:t>7/3/2020</a:t>
+              <a:t>7/7/2020</a:t>
             </a:fld>
             <a:endParaRPr lang="en-US" dirty="0"/>
           </a:p>
@@ -1100,7 +1136,7 @@
             <a:fld id="{B61BEF0D-F0BB-DE4B-95CE-6DB70DBA9567}" type="datetimeFigureOut">
               <a:rPr lang="en-US" dirty="0"/>
               <a:pPr/>
-              <a:t>7/3/2020</a:t>
+              <a:t>7/7/2020</a:t>
             </a:fld>
             <a:endParaRPr lang="en-US" dirty="0"/>
           </a:p>
@@ -1411,7 +1447,7 @@
             <a:fld id="{B61BEF0D-F0BB-DE4B-95CE-6DB70DBA9567}" type="datetimeFigureOut">
               <a:rPr lang="en-US" dirty="0"/>
               <a:pPr/>
-              <a:t>7/3/2020</a:t>
+              <a:t>7/7/2020</a:t>
             </a:fld>
             <a:endParaRPr lang="en-US" dirty="0"/>
           </a:p>
@@ -1735,7 +1771,7 @@
             <a:fld id="{B61BEF0D-F0BB-DE4B-95CE-6DB70DBA9567}" type="datetimeFigureOut">
               <a:rPr lang="en-US" dirty="0"/>
               <a:pPr/>
-              <a:t>7/3/2020</a:t>
+              <a:t>7/7/2020</a:t>
             </a:fld>
             <a:endParaRPr lang="en-US" dirty="0"/>
           </a:p>
@@ -2046,7 +2082,7 @@
             <a:fld id="{B61BEF0D-F0BB-DE4B-95CE-6DB70DBA9567}" type="datetimeFigureOut">
               <a:rPr lang="en-US" dirty="0"/>
               <a:pPr/>
-              <a:t>7/3/2020</a:t>
+              <a:t>7/7/2020</a:t>
             </a:fld>
             <a:endParaRPr lang="en-US" dirty="0"/>
           </a:p>
@@ -2430,7 +2466,7 @@
             <a:fld id="{B61BEF0D-F0BB-DE4B-95CE-6DB70DBA9567}" type="datetimeFigureOut">
               <a:rPr lang="en-US" dirty="0"/>
               <a:pPr/>
-              <a:t>7/3/2020</a:t>
+              <a:t>7/7/2020</a:t>
             </a:fld>
             <a:endParaRPr lang="en-US" dirty="0"/>
           </a:p>
@@ -2596,7 +2632,7 @@
           <a:p>
             <a:fld id="{55C6B4A9-1611-4792-9094-5F34BCA07E0B}" type="datetimeFigureOut">
               <a:rPr lang="en-US" dirty="0"/>
-              <a:t>7/3/2020</a:t>
+              <a:t>7/7/2020</a:t>
             </a:fld>
             <a:endParaRPr lang="en-US" dirty="0"/>
           </a:p>
@@ -2772,7 +2808,7 @@
             <a:fld id="{B61BEF0D-F0BB-DE4B-95CE-6DB70DBA9567}" type="datetimeFigureOut">
               <a:rPr lang="en-US" dirty="0"/>
               <a:pPr/>
-              <a:t>7/3/2020</a:t>
+              <a:t>7/7/2020</a:t>
             </a:fld>
             <a:endParaRPr lang="en-US" dirty="0"/>
           </a:p>
@@ -2945,7 +2981,7 @@
             <a:fld id="{B61BEF0D-F0BB-DE4B-95CE-6DB70DBA9567}" type="datetimeFigureOut">
               <a:rPr lang="en-US" dirty="0"/>
               <a:pPr/>
-              <a:t>7/3/2020</a:t>
+              <a:t>7/7/2020</a:t>
             </a:fld>
             <a:endParaRPr lang="en-US" dirty="0"/>
           </a:p>
@@ -3189,7 +3225,7 @@
             <a:fld id="{B61BEF0D-F0BB-DE4B-95CE-6DB70DBA9567}" type="datetimeFigureOut">
               <a:rPr lang="en-US" dirty="0"/>
               <a:pPr/>
-              <a:t>7/3/2020</a:t>
+              <a:t>7/7/2020</a:t>
             </a:fld>
             <a:endParaRPr lang="en-US" dirty="0"/>
           </a:p>
@@ -3417,7 +3453,7 @@
           <a:p>
             <a:fld id="{EB712588-04B1-427B-82EE-E8DB90309F08}" type="datetimeFigureOut">
               <a:rPr lang="en-US" dirty="0"/>
-              <a:t>7/3/2020</a:t>
+              <a:t>7/7/2020</a:t>
             </a:fld>
             <a:endParaRPr lang="en-US" dirty="0"/>
           </a:p>
@@ -3787,7 +3823,7 @@
             <a:fld id="{B61BEF0D-F0BB-DE4B-95CE-6DB70DBA9567}" type="datetimeFigureOut">
               <a:rPr lang="en-US" dirty="0"/>
               <a:pPr/>
-              <a:t>7/3/2020</a:t>
+              <a:t>7/7/2020</a:t>
             </a:fld>
             <a:endParaRPr lang="en-US" dirty="0"/>
           </a:p>
@@ -3907,7 +3943,7 @@
             <a:fld id="{B61BEF0D-F0BB-DE4B-95CE-6DB70DBA9567}" type="datetimeFigureOut">
               <a:rPr lang="en-US" dirty="0"/>
               <a:pPr/>
-              <a:t>7/3/2020</a:t>
+              <a:t>7/7/2020</a:t>
             </a:fld>
             <a:endParaRPr lang="en-US" dirty="0"/>
           </a:p>
@@ -3999,7 +4035,7 @@
             <a:fld id="{B61BEF0D-F0BB-DE4B-95CE-6DB70DBA9567}" type="datetimeFigureOut">
               <a:rPr lang="en-US" dirty="0"/>
               <a:pPr/>
-              <a:t>7/3/2020</a:t>
+              <a:t>7/7/2020</a:t>
             </a:fld>
             <a:endParaRPr lang="en-US" dirty="0"/>
           </a:p>
@@ -4250,7 +4286,7 @@
           <a:p>
             <a:fld id="{42A54C80-263E-416B-A8E0-580EDEADCBDC}" type="datetimeFigureOut">
               <a:rPr lang="en-US" dirty="0"/>
-              <a:t>7/3/2020</a:t>
+              <a:t>7/7/2020</a:t>
             </a:fld>
             <a:endParaRPr lang="en-US" dirty="0"/>
           </a:p>
@@ -4509,7 +4545,7 @@
             <a:fld id="{B61BEF0D-F0BB-DE4B-95CE-6DB70DBA9567}" type="datetimeFigureOut">
               <a:rPr lang="en-US" dirty="0"/>
               <a:pPr/>
-              <a:t>7/3/2020</a:t>
+              <a:t>7/7/2020</a:t>
             </a:fld>
             <a:endParaRPr lang="en-US" dirty="0"/>
           </a:p>
@@ -5251,7 +5287,7 @@
             <a:fld id="{B61BEF0D-F0BB-DE4B-95CE-6DB70DBA9567}" type="datetimeFigureOut">
               <a:rPr lang="en-US" dirty="0"/>
               <a:pPr/>
-              <a:t>7/3/2020</a:t>
+              <a:t>7/7/2020</a:t>
             </a:fld>
             <a:endParaRPr lang="en-US" dirty="0"/>
           </a:p>
@@ -5827,6 +5863,13 @@
   <p:clrMapOvr>
     <a:masterClrMapping/>
   </p:clrMapOvr>
+  <p:timing>
+    <p:tnLst>
+      <p:par>
+        <p:cTn id="1" dur="indefinite" restart="never" nodeType="tmRoot"/>
+      </p:par>
+    </p:tnLst>
+  </p:timing>
 </p:sld>
 </file>
 
@@ -5943,6 +5986,13 @@
   <p:clrMapOvr>
     <a:masterClrMapping/>
   </p:clrMapOvr>
+  <p:timing>
+    <p:tnLst>
+      <p:par>
+        <p:cTn id="1" dur="indefinite" restart="never" nodeType="tmRoot"/>
+      </p:par>
+    </p:tnLst>
+  </p:timing>
 </p:sld>
 </file>
 
@@ -6032,7 +6082,6 @@
               <a:rPr lang="en-US" dirty="0"/>
               <a:t>For those systems having very high integrity requirements, the potential vulnerability and risk needs to be carefully considered before conducting critical clean up procedures.</a:t>
             </a:r>
-            <a:endParaRPr lang="en-US" dirty="0"/>
           </a:p>
         </p:txBody>
       </p:sp>
@@ -6046,6 +6095,13 @@
   <p:clrMapOvr>
     <a:masterClrMapping/>
   </p:clrMapOvr>
+  <p:timing>
+    <p:tnLst>
+      <p:par>
+        <p:cTn id="1" dur="indefinite" restart="never" nodeType="tmRoot"/>
+      </p:par>
+    </p:tnLst>
+  </p:timing>
 </p:sld>
 </file>
 
@@ -6156,6 +6212,13 @@
   <p:clrMapOvr>
     <a:masterClrMapping/>
   </p:clrMapOvr>
+  <p:timing>
+    <p:tnLst>
+      <p:par>
+        <p:cTn id="1" dur="indefinite" restart="never" nodeType="tmRoot"/>
+      </p:par>
+    </p:tnLst>
+  </p:timing>
 </p:sld>
 </file>
 
@@ -6277,6 +6340,13 @@
   <p:clrMapOvr>
     <a:masterClrMapping/>
   </p:clrMapOvr>
+  <p:timing>
+    <p:tnLst>
+      <p:par>
+        <p:cTn id="1" dur="indefinite" restart="never" nodeType="tmRoot"/>
+      </p:par>
+    </p:tnLst>
+  </p:timing>
 </p:sld>
 </file>
 
@@ -6393,6 +6463,13 @@
   <p:clrMapOvr>
     <a:masterClrMapping/>
   </p:clrMapOvr>
+  <p:timing>
+    <p:tnLst>
+      <p:par>
+        <p:cTn id="1" dur="indefinite" restart="never" nodeType="tmRoot"/>
+      </p:par>
+    </p:tnLst>
+  </p:timing>
 </p:sld>
 </file>
 
@@ -6489,7 +6566,6 @@
               <a:rPr lang="en-US" dirty="0"/>
               <a:t>identifies the potential weaknesses and provides the proper mitigation measures (remediation) to either remove those weaknesses or reduce below the risk level.</a:t>
             </a:r>
-            <a:endParaRPr lang="en-US" dirty="0"/>
           </a:p>
         </p:txBody>
       </p:sp>
@@ -6503,6 +6579,13 @@
   <p:clrMapOvr>
     <a:masterClrMapping/>
   </p:clrMapOvr>
+  <p:timing>
+    <p:tnLst>
+      <p:par>
+        <p:cTn id="1" dur="indefinite" restart="never" nodeType="tmRoot"/>
+      </p:par>
+    </p:tnLst>
+  </p:timing>
 </p:sld>
 </file>
 
@@ -6689,8 +6772,8 @@
         </p:blipFill>
         <p:spPr>
           <a:xfrm>
-            <a:off x="5059680" y="3209379"/>
-            <a:ext cx="3676649" cy="2903902"/>
+            <a:off x="5059681" y="3209379"/>
+            <a:ext cx="3268860" cy="2581821"/>
           </a:xfrm>
           <a:prstGeom prst="rect">
             <a:avLst/>
@@ -6719,6 +6802,13 @@
   <p:clrMapOvr>
     <a:masterClrMapping/>
   </p:clrMapOvr>
+  <p:timing>
+    <p:tnLst>
+      <p:par>
+        <p:cTn id="1" dur="indefinite" restart="never" nodeType="tmRoot"/>
+      </p:par>
+    </p:tnLst>
+  </p:timing>
 </p:sld>
 </file>
 
@@ -6802,14 +6892,14 @@
           </a:p>
           <a:p>
             <a:r>
-              <a:rPr lang="en-US" dirty="0"/>
+              <a:rPr lang="en-US" b="1" dirty="0"/>
               <a:t>Advantages of Black Box Penetration </a:t>
             </a:r>
             <a:r>
-              <a:rPr lang="en-US" dirty="0" smtClean="0"/>
+              <a:rPr lang="en-US" b="1" dirty="0" smtClean="0"/>
               <a:t>Testing :</a:t>
             </a:r>
-            <a:endParaRPr lang="en-US" dirty="0"/>
+            <a:endParaRPr lang="en-US" b="1" dirty="0"/>
           </a:p>
           <a:p>
             <a:pPr marL="0" indent="0">
@@ -6852,14 +6942,14 @@
           </a:p>
           <a:p>
             <a:r>
-              <a:rPr lang="en-US" dirty="0"/>
+              <a:rPr lang="en-US" b="1" dirty="0"/>
               <a:t>Disadvantages of Black Box Penetration </a:t>
             </a:r>
             <a:r>
-              <a:rPr lang="en-US" dirty="0" smtClean="0"/>
+              <a:rPr lang="en-US" b="1" dirty="0" smtClean="0"/>
               <a:t>Testing :</a:t>
             </a:r>
-            <a:endParaRPr lang="en-US" dirty="0"/>
+            <a:endParaRPr lang="en-US" b="1" dirty="0"/>
           </a:p>
           <a:p>
             <a:pPr marL="0" indent="0">
@@ -6915,6 +7005,13 @@
   <p:clrMapOvr>
     <a:masterClrMapping/>
   </p:clrMapOvr>
+  <p:timing>
+    <p:tnLst>
+      <p:par>
+        <p:cTn id="1" dur="indefinite" restart="never" nodeType="tmRoot"/>
+      </p:par>
+    </p:tnLst>
+  </p:timing>
 </p:sld>
 </file>
 
@@ -6952,8 +7049,12 @@
           <a:p>
             <a:pPr algn="ctr"/>
             <a:r>
-              <a:rPr lang="en-US" dirty="0"/>
-              <a:t>White Box Penetration Testing</a:t>
+              <a:rPr lang="en-US" dirty="0" smtClean="0"/>
+              <a:t>White </a:t>
+            </a:r>
+            <a:r>
+              <a:rPr lang="en-US" dirty="0"/>
+              <a:t>Box Penetration Testing</a:t>
             </a:r>
             <a:br>
               <a:rPr lang="en-US" dirty="0"/>
@@ -6972,12 +7073,84 @@
             <p:ph idx="1"/>
           </p:nvPr>
         </p:nvSpPr>
-        <p:spPr/>
-        <p:txBody>
-          <a:bodyPr/>
-          <a:lstStyle/>
-          <a:p>
-            <a:endParaRPr lang="en-US"/>
+        <p:spPr>
+          <a:xfrm>
+            <a:off x="677334" y="1314995"/>
+            <a:ext cx="8596668" cy="4726368"/>
+          </a:xfrm>
+        </p:spPr>
+        <p:txBody>
+          <a:bodyPr>
+            <a:normAutofit lnSpcReduction="10000"/>
+          </a:bodyPr>
+          <a:lstStyle/>
+          <a:p>
+            <a:r>
+              <a:rPr lang="en-US" dirty="0"/>
+              <a:t>This is a comprehensive testing, as tester has been provided with whole range of information about the systems and/or network such as Schema, Source code, OS details, IP address, etc. </a:t>
+            </a:r>
+            <a:endParaRPr lang="en-US" dirty="0" smtClean="0"/>
+          </a:p>
+          <a:p>
+            <a:r>
+              <a:rPr lang="en-US" dirty="0" smtClean="0"/>
+              <a:t>It </a:t>
+            </a:r>
+            <a:r>
+              <a:rPr lang="en-US" dirty="0"/>
+              <a:t>is normally considered as a simulation of an attack by an internal source. It is also known as structural, glass box, clear box, and open box testing.</a:t>
+            </a:r>
+          </a:p>
+          <a:p>
+            <a:r>
+              <a:rPr lang="en-US" dirty="0"/>
+              <a:t>White box penetration testing examines the code coverage and does data flow testing, path testing, loop testing, etc.</a:t>
+            </a:r>
+          </a:p>
+          <a:p>
+            <a:pPr marL="0" indent="0">
+              <a:buNone/>
+            </a:pPr>
+            <a:r>
+              <a:rPr lang="en-US" b="1" dirty="0" smtClean="0"/>
+              <a:t>     Advantages </a:t>
+            </a:r>
+            <a:r>
+              <a:rPr lang="en-US" b="1" dirty="0"/>
+              <a:t>of White Box Penetration </a:t>
+            </a:r>
+            <a:r>
+              <a:rPr lang="en-US" b="1" dirty="0" smtClean="0"/>
+              <a:t>Testing :</a:t>
+            </a:r>
+            <a:endParaRPr lang="en-US" b="1" dirty="0"/>
+          </a:p>
+          <a:p>
+            <a:r>
+              <a:rPr lang="en-US" dirty="0"/>
+              <a:t>It ensures that all independent paths of a module have been exercised.</a:t>
+            </a:r>
+          </a:p>
+          <a:p>
+            <a:r>
+              <a:rPr lang="en-US" dirty="0"/>
+              <a:t>It ensures that all logical decisions have been verified along with their true and false value.</a:t>
+            </a:r>
+          </a:p>
+          <a:p>
+            <a:r>
+              <a:rPr lang="en-US" dirty="0"/>
+              <a:t>It discovers the typographical errors and does syntax checking.</a:t>
+            </a:r>
+          </a:p>
+          <a:p>
+            <a:r>
+              <a:rPr lang="en-US" dirty="0"/>
+              <a:t>It finds the design errors that may have occurred because of the difference between logical flow of the program and the actual execution.</a:t>
+            </a:r>
+          </a:p>
+          <a:p>
+            <a:endParaRPr lang="en-US" dirty="0"/>
           </a:p>
         </p:txBody>
       </p:sp>
@@ -6991,6 +7164,13 @@
   <p:clrMapOvr>
     <a:masterClrMapping/>
   </p:clrMapOvr>
+  <p:timing>
+    <p:tnLst>
+      <p:par>
+        <p:cTn id="1" dur="indefinite" restart="never" nodeType="tmRoot"/>
+      </p:par>
+    </p:tnLst>
+  </p:timing>
 </p:sld>
 </file>
 
@@ -7028,8 +7208,12 @@
           <a:p>
             <a:pPr algn="ctr"/>
             <a:r>
-              <a:rPr lang="en-US" dirty="0"/>
-              <a:t>White Box Penetration Testing</a:t>
+              <a:rPr lang="en-US" dirty="0" smtClean="0"/>
+              <a:t>Grey </a:t>
+            </a:r>
+            <a:r>
+              <a:rPr lang="en-US" dirty="0"/>
+              <a:t>Box Penetration Testing</a:t>
             </a:r>
             <a:br>
               <a:rPr lang="en-US" dirty="0"/>
@@ -7048,12 +7232,62 @@
             <p:ph idx="1"/>
           </p:nvPr>
         </p:nvSpPr>
-        <p:spPr/>
-        <p:txBody>
-          <a:bodyPr/>
-          <a:lstStyle/>
-          <a:p>
-            <a:endParaRPr lang="en-US"/>
+        <p:spPr>
+          <a:xfrm>
+            <a:off x="677334" y="1410789"/>
+            <a:ext cx="8596668" cy="4630573"/>
+          </a:xfrm>
+        </p:spPr>
+        <p:txBody>
+          <a:bodyPr/>
+          <a:lstStyle/>
+          <a:p>
+            <a:r>
+              <a:rPr lang="en-US" dirty="0"/>
+              <a:t>In this type of testing, a tester usually provides partial or limited information about the internal details of the program of a system. It can be considered as an attack by an external hacker who had gained illegitimate access to an organization's network infrastructure documents.</a:t>
+            </a:r>
+          </a:p>
+          <a:p>
+            <a:pPr marL="0" indent="0">
+              <a:buNone/>
+            </a:pPr>
+            <a:r>
+              <a:rPr lang="en-US" dirty="0" smtClean="0"/>
+              <a:t>  </a:t>
+            </a:r>
+            <a:r>
+              <a:rPr lang="en-US" b="1" dirty="0" smtClean="0"/>
+              <a:t>Advantages </a:t>
+            </a:r>
+            <a:r>
+              <a:rPr lang="en-US" b="1" dirty="0"/>
+              <a:t>of Grey Box Penetration Testing</a:t>
+            </a:r>
+          </a:p>
+          <a:p>
+            <a:r>
+              <a:rPr lang="en-US" dirty="0" smtClean="0"/>
+              <a:t>As </a:t>
+            </a:r>
+            <a:r>
+              <a:rPr lang="en-US" dirty="0"/>
+              <a:t>the tester does not require the access of source code, it is non-intrusive and unbiased</a:t>
+            </a:r>
+          </a:p>
+          <a:p>
+            <a:r>
+              <a:rPr lang="en-US" dirty="0"/>
+              <a:t>As there is clear difference between a developer and a tester, so there is least risk of personal conflict</a:t>
+            </a:r>
+          </a:p>
+          <a:p>
+            <a:r>
+              <a:rPr lang="en-US" dirty="0"/>
+              <a:t>You don’t need to provide the internal information about the program functions and other operations</a:t>
+            </a:r>
+          </a:p>
+          <a:p>
+            <a:endParaRPr lang="en-US" dirty="0"/>
           </a:p>
         </p:txBody>
       </p:sp>
@@ -7163,6 +7397,13 @@
   <p:clrMapOvr>
     <a:masterClrMapping/>
   </p:clrMapOvr>
+  <p:timing>
+    <p:tnLst>
+      <p:par>
+        <p:cTn id="1" dur="indefinite" restart="never" nodeType="tmRoot"/>
+      </p:par>
+    </p:tnLst>
+  </p:timing>
 </p:sld>
 </file>
 
@@ -7195,10 +7436,35 @@
         </p:nvSpPr>
         <p:spPr/>
         <p:txBody>
-          <a:bodyPr/>
-          <a:lstStyle/>
-          <a:p>
-            <a:endParaRPr lang="en-US"/>
+          <a:bodyPr>
+            <a:normAutofit fontScale="90000"/>
+          </a:bodyPr>
+          <a:lstStyle/>
+          <a:p>
+            <a:r>
+              <a:rPr lang="en-US" dirty="0"/>
+              <a:t>Areas </a:t>
+            </a:r>
+            <a:r>
+              <a:rPr lang="en-US" dirty="0" smtClean="0"/>
+              <a:t>Where </a:t>
+            </a:r>
+            <a:r>
+              <a:rPr lang="en-US" dirty="0"/>
+              <a:t>Penetration </a:t>
+            </a:r>
+            <a:r>
+              <a:rPr lang="en-US" dirty="0" smtClean="0"/>
+              <a:t>Testing Performed</a:t>
+            </a:r>
+            <a:r>
+              <a:rPr lang="en-US" dirty="0"/>
+              <a:t/>
+            </a:r>
+            <a:br>
+              <a:rPr lang="en-US" dirty="0"/>
+            </a:br>
+            <a:endParaRPr lang="en-US" dirty="0"/>
           </a:p>
         </p:txBody>
       </p:sp>
@@ -7212,12 +7478,50 @@
             <p:ph idx="1"/>
           </p:nvPr>
         </p:nvSpPr>
-        <p:spPr/>
-        <p:txBody>
-          <a:bodyPr/>
-          <a:lstStyle/>
-          <a:p>
-            <a:endParaRPr lang="en-US"/>
+        <p:spPr>
+          <a:xfrm>
+            <a:off x="677334" y="2160590"/>
+            <a:ext cx="8596668" cy="2977468"/>
+          </a:xfrm>
+        </p:spPr>
+        <p:txBody>
+          <a:bodyPr/>
+          <a:lstStyle/>
+          <a:p>
+            <a:r>
+              <a:rPr lang="en-US" b="1" dirty="0"/>
+              <a:t>Network Penetration </a:t>
+            </a:r>
+            <a:r>
+              <a:rPr lang="en-US" b="1" dirty="0" smtClean="0"/>
+              <a:t>Testing</a:t>
+            </a:r>
+          </a:p>
+          <a:p>
+            <a:endParaRPr lang="en-US" b="1" dirty="0"/>
+          </a:p>
+          <a:p>
+            <a:r>
+              <a:rPr lang="en-US" b="1" dirty="0"/>
+              <a:t>Application Penetration </a:t>
+            </a:r>
+            <a:r>
+              <a:rPr lang="en-US" b="1" dirty="0" smtClean="0"/>
+              <a:t>Testing</a:t>
+            </a:r>
+          </a:p>
+          <a:p>
+            <a:endParaRPr lang="en-US" b="1" dirty="0"/>
+          </a:p>
+          <a:p>
+            <a:r>
+              <a:rPr lang="en-US" b="1" dirty="0"/>
+              <a:t>The response or workflow of the system</a:t>
+            </a:r>
+            <a:r>
+              <a:rPr lang="en-US" dirty="0"/>
+              <a:t> </a:t>
+            </a:r>
           </a:p>
         </p:txBody>
       </p:sp>
@@ -7266,7 +7570,22 @@
           <a:bodyPr/>
           <a:lstStyle/>
           <a:p>
-            <a:endParaRPr lang="en-US"/>
+            <a:r>
+              <a:rPr lang="en-US" b="1" dirty="0"/>
+              <a:t>Network Penetration </a:t>
+            </a:r>
+            <a:r>
+              <a:rPr lang="en-US" b="1" dirty="0" smtClean="0"/>
+              <a:t>Testing :</a:t>
+            </a:r>
+            <a:r>
+              <a:rPr lang="en-US" b="1" dirty="0"/>
+              <a:t/>
+            </a:r>
+            <a:br>
+              <a:rPr lang="en-US" b="1" dirty="0"/>
+            </a:br>
+            <a:endParaRPr lang="en-US" dirty="0"/>
           </a:p>
         </p:txBody>
       </p:sp>
@@ -7285,7 +7604,56 @@
           <a:bodyPr/>
           <a:lstStyle/>
           <a:p>
-            <a:endParaRPr lang="en-US"/>
+            <a:r>
+              <a:rPr lang="en-US" dirty="0"/>
+              <a:t>In this testing, the physical structure of a system needs to be tested to identify the vulnerability and risk which ensures the security in a network</a:t>
+            </a:r>
+            <a:r>
+              <a:rPr lang="en-US" dirty="0" smtClean="0"/>
+              <a:t>.</a:t>
+            </a:r>
+          </a:p>
+          <a:p>
+            <a:pPr marL="0" indent="0">
+              <a:buNone/>
+            </a:pPr>
+            <a:endParaRPr lang="en-US" dirty="0" smtClean="0"/>
+          </a:p>
+          <a:p>
+            <a:r>
+              <a:rPr lang="en-US" dirty="0" smtClean="0"/>
+              <a:t> </a:t>
+            </a:r>
+            <a:r>
+              <a:rPr lang="en-US" dirty="0"/>
+              <a:t>In the networking environment, a tester identities security flaws in design, implementation, or operation of the respective company/organization’s network. </a:t>
+            </a:r>
+            <a:endParaRPr lang="en-US" dirty="0" smtClean="0"/>
+          </a:p>
+          <a:p>
+            <a:pPr marL="0" indent="0">
+              <a:buNone/>
+            </a:pPr>
+            <a:endParaRPr lang="en-US" dirty="0" smtClean="0"/>
+          </a:p>
+          <a:p>
+            <a:r>
+              <a:rPr lang="en-US" dirty="0"/>
+              <a:t> </a:t>
+            </a:r>
+            <a:r>
+              <a:rPr lang="en-US" dirty="0" smtClean="0"/>
+              <a:t>The </a:t>
+            </a:r>
+            <a:r>
+              <a:rPr lang="en-US" dirty="0"/>
+              <a:t>devices, which are tested by a tester can be computers, modems, or even remote access devices, </a:t>
+            </a:r>
+            <a:r>
+              <a:rPr lang="en-US" dirty="0" smtClean="0"/>
+              <a:t>etc…</a:t>
+            </a:r>
+            <a:endParaRPr lang="en-US" dirty="0"/>
           </a:p>
         </p:txBody>
       </p:sp>
@@ -7293,6 +7661,956 @@
     <p:extLst>
       <p:ext uri="{BB962C8B-B14F-4D97-AF65-F5344CB8AC3E}">
         <p14:creationId xmlns:p14="http://schemas.microsoft.com/office/powerpoint/2010/main" val="2916609951"/>
+      </p:ext>
+    </p:extLst>
+  </p:cSld>
+  <p:clrMapOvr>
+    <a:masterClrMapping/>
+  </p:clrMapOvr>
+</p:sld>
+</file>
+
+<file path=ppt/slides/slide22.xml><?xml version="1.0" encoding="utf-8"?>
+<p:sld xmlns:a="http://schemas.openxmlformats.org/drawingml/2006/main" xmlns:r="http://schemas.openxmlformats.org/officeDocument/2006/relationships" xmlns:p="http://schemas.openxmlformats.org/presentationml/2006/main">
+  <p:cSld>
+    <p:spTree>
+      <p:nvGrpSpPr>
+        <p:cNvPr id="1" name=""/>
+        <p:cNvGrpSpPr/>
+        <p:nvPr/>
+      </p:nvGrpSpPr>
+      <p:grpSpPr>
+        <a:xfrm>
+          <a:off x="0" y="0"/>
+          <a:ext cx="0" cy="0"/>
+          <a:chOff x="0" y="0"/>
+          <a:chExt cx="0" cy="0"/>
+        </a:xfrm>
+      </p:grpSpPr>
+      <p:sp>
+        <p:nvSpPr>
+          <p:cNvPr id="2" name="Title 1"/>
+          <p:cNvSpPr>
+            <a:spLocks noGrp="1"/>
+          </p:cNvSpPr>
+          <p:nvPr>
+            <p:ph type="title"/>
+          </p:nvPr>
+        </p:nvSpPr>
+        <p:spPr/>
+        <p:txBody>
+          <a:bodyPr/>
+          <a:lstStyle/>
+          <a:p>
+            <a:r>
+              <a:rPr lang="en-US" b="1" dirty="0"/>
+              <a:t>Application Penetration </a:t>
+            </a:r>
+            <a:r>
+              <a:rPr lang="en-US" b="1" dirty="0" smtClean="0"/>
+              <a:t>Testing:</a:t>
+            </a:r>
+            <a:r>
+              <a:rPr lang="en-US" b="1" dirty="0"/>
+              <a:t/>
+            </a:r>
+            <a:br>
+              <a:rPr lang="en-US" b="1" dirty="0"/>
+            </a:br>
+            <a:endParaRPr lang="en-US" dirty="0"/>
+          </a:p>
+        </p:txBody>
+      </p:sp>
+      <p:sp>
+        <p:nvSpPr>
+          <p:cNvPr id="3" name="Content Placeholder 2"/>
+          <p:cNvSpPr>
+            <a:spLocks noGrp="1"/>
+          </p:cNvSpPr>
+          <p:nvPr>
+            <p:ph idx="1"/>
+          </p:nvPr>
+        </p:nvSpPr>
+        <p:spPr>
+          <a:xfrm>
+            <a:off x="677334" y="2160589"/>
+            <a:ext cx="8596668" cy="4309880"/>
+          </a:xfrm>
+        </p:spPr>
+        <p:txBody>
+          <a:bodyPr/>
+          <a:lstStyle/>
+          <a:p>
+            <a:r>
+              <a:rPr lang="en-US" dirty="0"/>
+              <a:t>In this testing, the logical structure of the system needs to be tested. It is an attack simulation designed to expose the efficiency of an application’s security controls by identifying vulnerability and risk</a:t>
+            </a:r>
+            <a:r>
+              <a:rPr lang="en-US" dirty="0" smtClean="0"/>
+              <a:t>.</a:t>
+            </a:r>
+          </a:p>
+          <a:p>
+            <a:pPr marL="0" indent="0">
+              <a:buNone/>
+            </a:pPr>
+            <a:endParaRPr lang="en-US" dirty="0" smtClean="0"/>
+          </a:p>
+          <a:p>
+            <a:r>
+              <a:rPr lang="en-US" dirty="0" smtClean="0"/>
+              <a:t> </a:t>
+            </a:r>
+            <a:r>
+              <a:rPr lang="en-US" dirty="0"/>
+              <a:t>The firewall and other monitoring systems are used to protect the security system, but sometime, it needs focused testing especially when traffic is allowed to pass through the firewall.</a:t>
+            </a:r>
+          </a:p>
+        </p:txBody>
+      </p:sp>
+    </p:spTree>
+    <p:extLst>
+      <p:ext uri="{BB962C8B-B14F-4D97-AF65-F5344CB8AC3E}">
+        <p14:creationId xmlns:p14="http://schemas.microsoft.com/office/powerpoint/2010/main" val="667728811"/>
+      </p:ext>
+    </p:extLst>
+  </p:cSld>
+  <p:clrMapOvr>
+    <a:masterClrMapping/>
+  </p:clrMapOvr>
+</p:sld>
+</file>
+
+<file path=ppt/slides/slide23.xml><?xml version="1.0" encoding="utf-8"?>
+<p:sld xmlns:a="http://schemas.openxmlformats.org/drawingml/2006/main" xmlns:r="http://schemas.openxmlformats.org/officeDocument/2006/relationships" xmlns:p="http://schemas.openxmlformats.org/presentationml/2006/main">
+  <p:cSld>
+    <p:spTree>
+      <p:nvGrpSpPr>
+        <p:cNvPr id="1" name=""/>
+        <p:cNvGrpSpPr/>
+        <p:nvPr/>
+      </p:nvGrpSpPr>
+      <p:grpSpPr>
+        <a:xfrm>
+          <a:off x="0" y="0"/>
+          <a:ext cx="0" cy="0"/>
+          <a:chOff x="0" y="0"/>
+          <a:chExt cx="0" cy="0"/>
+        </a:xfrm>
+      </p:grpSpPr>
+      <p:sp>
+        <p:nvSpPr>
+          <p:cNvPr id="2" name="Title 1"/>
+          <p:cNvSpPr>
+            <a:spLocks noGrp="1"/>
+          </p:cNvSpPr>
+          <p:nvPr>
+            <p:ph type="title"/>
+          </p:nvPr>
+        </p:nvSpPr>
+        <p:spPr/>
+        <p:txBody>
+          <a:bodyPr>
+            <a:normAutofit fontScale="90000"/>
+          </a:bodyPr>
+          <a:lstStyle/>
+          <a:p>
+            <a:r>
+              <a:rPr lang="en-US" b="1" dirty="0"/>
+              <a:t>The response or workflow of the system</a:t>
+            </a:r>
+            <a:r>
+              <a:rPr lang="en-US" dirty="0"/>
+              <a:t> </a:t>
+            </a:r>
+            <a:br>
+              <a:rPr lang="en-US" dirty="0"/>
+            </a:br>
+            <a:endParaRPr lang="en-US" dirty="0"/>
+          </a:p>
+        </p:txBody>
+      </p:sp>
+      <p:sp>
+        <p:nvSpPr>
+          <p:cNvPr id="3" name="Content Placeholder 2"/>
+          <p:cNvSpPr>
+            <a:spLocks noGrp="1"/>
+          </p:cNvSpPr>
+          <p:nvPr>
+            <p:ph idx="1"/>
+          </p:nvPr>
+        </p:nvSpPr>
+        <p:spPr>
+          <a:xfrm>
+            <a:off x="677334" y="2160589"/>
+            <a:ext cx="8596668" cy="3526108"/>
+          </a:xfrm>
+        </p:spPr>
+        <p:txBody>
+          <a:bodyPr>
+            <a:normAutofit/>
+          </a:bodyPr>
+          <a:lstStyle/>
+          <a:p>
+            <a:r>
+              <a:rPr lang="en-US" dirty="0"/>
+              <a:t> This is the third area that needs to be tested. Social engineering gathers information on human interaction to obtain information about an organization and its computers. </a:t>
+            </a:r>
+            <a:endParaRPr lang="en-US" dirty="0" smtClean="0"/>
+          </a:p>
+          <a:p>
+            <a:pPr marL="0" indent="0">
+              <a:buNone/>
+            </a:pPr>
+            <a:endParaRPr lang="en-US" dirty="0" smtClean="0"/>
+          </a:p>
+          <a:p>
+            <a:r>
+              <a:rPr lang="en-US" dirty="0" smtClean="0"/>
+              <a:t>It </a:t>
+            </a:r>
+            <a:r>
+              <a:rPr lang="en-US" dirty="0"/>
+              <a:t>is beneficial to test the ability of the respective organization to prevent unauthorized access to its information systems</a:t>
+            </a:r>
+            <a:r>
+              <a:rPr lang="en-US" dirty="0" smtClean="0"/>
+              <a:t>.</a:t>
+            </a:r>
+          </a:p>
+          <a:p>
+            <a:pPr marL="0" indent="0">
+              <a:buNone/>
+            </a:pPr>
+            <a:endParaRPr lang="en-US" dirty="0" smtClean="0"/>
+          </a:p>
+          <a:p>
+            <a:r>
+              <a:rPr lang="en-US" dirty="0" smtClean="0"/>
+              <a:t> </a:t>
+            </a:r>
+            <a:r>
+              <a:rPr lang="en-US" dirty="0"/>
+              <a:t>Likewise, this test is exclusively designed for the workflow of the organization/company.</a:t>
+            </a:r>
+          </a:p>
+        </p:txBody>
+      </p:sp>
+    </p:spTree>
+    <p:extLst>
+      <p:ext uri="{BB962C8B-B14F-4D97-AF65-F5344CB8AC3E}">
+        <p14:creationId xmlns:p14="http://schemas.microsoft.com/office/powerpoint/2010/main" val="825734568"/>
+      </p:ext>
+    </p:extLst>
+  </p:cSld>
+  <p:clrMapOvr>
+    <a:masterClrMapping/>
+  </p:clrMapOvr>
+</p:sld>
+</file>
+
+<file path=ppt/slides/slide24.xml><?xml version="1.0" encoding="utf-8"?>
+<p:sld xmlns:a="http://schemas.openxmlformats.org/drawingml/2006/main" xmlns:r="http://schemas.openxmlformats.org/officeDocument/2006/relationships" xmlns:p="http://schemas.openxmlformats.org/presentationml/2006/main">
+  <p:cSld>
+    <p:spTree>
+      <p:nvGrpSpPr>
+        <p:cNvPr id="1" name=""/>
+        <p:cNvGrpSpPr/>
+        <p:nvPr/>
+      </p:nvGrpSpPr>
+      <p:grpSpPr>
+        <a:xfrm>
+          <a:off x="0" y="0"/>
+          <a:ext cx="0" cy="0"/>
+          <a:chOff x="0" y="0"/>
+          <a:chExt cx="0" cy="0"/>
+        </a:xfrm>
+      </p:grpSpPr>
+      <p:sp>
+        <p:nvSpPr>
+          <p:cNvPr id="2" name="Title 1"/>
+          <p:cNvSpPr>
+            <a:spLocks noGrp="1"/>
+          </p:cNvSpPr>
+          <p:nvPr>
+            <p:ph type="title"/>
+          </p:nvPr>
+        </p:nvSpPr>
+        <p:spPr/>
+        <p:txBody>
+          <a:bodyPr/>
+          <a:lstStyle/>
+          <a:p>
+            <a:r>
+              <a:rPr lang="en-US" dirty="0" smtClean="0"/>
+              <a:t>Categories In Penetration </a:t>
+            </a:r>
+            <a:r>
+              <a:rPr lang="en-US" dirty="0"/>
+              <a:t>Testing</a:t>
+            </a:r>
+            <a:br>
+              <a:rPr lang="en-US" dirty="0"/>
+            </a:br>
+            <a:endParaRPr lang="en-US" dirty="0"/>
+          </a:p>
+        </p:txBody>
+      </p:sp>
+      <p:sp>
+        <p:nvSpPr>
+          <p:cNvPr id="3" name="Content Placeholder 2"/>
+          <p:cNvSpPr>
+            <a:spLocks noGrp="1"/>
+          </p:cNvSpPr>
+          <p:nvPr>
+            <p:ph idx="1"/>
+          </p:nvPr>
+        </p:nvSpPr>
+        <p:spPr>
+          <a:xfrm>
+            <a:off x="677334" y="2160590"/>
+            <a:ext cx="8596668" cy="4571136"/>
+          </a:xfrm>
+        </p:spPr>
+        <p:txBody>
+          <a:bodyPr>
+            <a:normAutofit/>
+          </a:bodyPr>
+          <a:lstStyle/>
+          <a:p>
+            <a:r>
+              <a:rPr lang="en-US" sz="2800" b="1" dirty="0"/>
+              <a:t>Manual Penetration Testing</a:t>
+            </a:r>
+          </a:p>
+          <a:p>
+            <a:endParaRPr lang="en-US" dirty="0" smtClean="0"/>
+          </a:p>
+          <a:p>
+            <a:r>
+              <a:rPr lang="en-US" sz="2800" b="1" dirty="0"/>
+              <a:t> Automated Penetration </a:t>
+            </a:r>
+            <a:r>
+              <a:rPr lang="en-US" sz="2800" b="1" dirty="0" smtClean="0"/>
+              <a:t>Testing</a:t>
+            </a:r>
+          </a:p>
+          <a:p>
+            <a:endParaRPr lang="en-US" sz="2800" b="1" dirty="0"/>
+          </a:p>
+          <a:p>
+            <a:r>
+              <a:rPr lang="en-US" dirty="0"/>
+              <a:t>Both manual penetration testing and automated penetration testing are conducted for the same purpose. </a:t>
+            </a:r>
+            <a:endParaRPr lang="en-US" dirty="0" smtClean="0"/>
+          </a:p>
+          <a:p>
+            <a:r>
+              <a:rPr lang="en-US" dirty="0" smtClean="0"/>
+              <a:t>The </a:t>
+            </a:r>
+            <a:r>
+              <a:rPr lang="en-US" dirty="0"/>
+              <a:t>only difference between them is the way they are conducted. As the name suggests, manual penetration testing is done by human beings (experts of this field) and automated penetration testing is done by machine itself.</a:t>
+            </a:r>
+            <a:endParaRPr lang="en-US" sz="2800" b="1" dirty="0"/>
+          </a:p>
+          <a:p>
+            <a:endParaRPr lang="en-US" dirty="0"/>
+          </a:p>
+        </p:txBody>
+      </p:sp>
+    </p:spTree>
+    <p:extLst>
+      <p:ext uri="{BB962C8B-B14F-4D97-AF65-F5344CB8AC3E}">
+        <p14:creationId xmlns:p14="http://schemas.microsoft.com/office/powerpoint/2010/main" val="4218610339"/>
+      </p:ext>
+    </p:extLst>
+  </p:cSld>
+  <p:clrMapOvr>
+    <a:masterClrMapping/>
+  </p:clrMapOvr>
+</p:sld>
+</file>
+
+<file path=ppt/slides/slide25.xml><?xml version="1.0" encoding="utf-8"?>
+<p:sld xmlns:a="http://schemas.openxmlformats.org/drawingml/2006/main" xmlns:r="http://schemas.openxmlformats.org/officeDocument/2006/relationships" xmlns:p="http://schemas.openxmlformats.org/presentationml/2006/main">
+  <p:cSld>
+    <p:spTree>
+      <p:nvGrpSpPr>
+        <p:cNvPr id="1" name=""/>
+        <p:cNvGrpSpPr/>
+        <p:nvPr/>
+      </p:nvGrpSpPr>
+      <p:grpSpPr>
+        <a:xfrm>
+          <a:off x="0" y="0"/>
+          <a:ext cx="0" cy="0"/>
+          <a:chOff x="0" y="0"/>
+          <a:chExt cx="0" cy="0"/>
+        </a:xfrm>
+      </p:grpSpPr>
+      <p:sp>
+        <p:nvSpPr>
+          <p:cNvPr id="2" name="Title 1"/>
+          <p:cNvSpPr>
+            <a:spLocks noGrp="1"/>
+          </p:cNvSpPr>
+          <p:nvPr>
+            <p:ph type="title"/>
+          </p:nvPr>
+        </p:nvSpPr>
+        <p:spPr/>
+        <p:txBody>
+          <a:bodyPr/>
+          <a:lstStyle/>
+          <a:p>
+            <a:r>
+              <a:rPr lang="en-US" dirty="0"/>
+              <a:t>Manual Penetration Testing</a:t>
+            </a:r>
+            <a:br>
+              <a:rPr lang="en-US" dirty="0"/>
+            </a:br>
+            <a:endParaRPr lang="en-US" dirty="0"/>
+          </a:p>
+        </p:txBody>
+      </p:sp>
+      <p:sp>
+        <p:nvSpPr>
+          <p:cNvPr id="3" name="Content Placeholder 2"/>
+          <p:cNvSpPr>
+            <a:spLocks noGrp="1"/>
+          </p:cNvSpPr>
+          <p:nvPr>
+            <p:ph idx="1"/>
+          </p:nvPr>
+        </p:nvSpPr>
+        <p:spPr/>
+        <p:txBody>
+          <a:bodyPr/>
+          <a:lstStyle/>
+          <a:p>
+            <a:r>
+              <a:rPr lang="en-US" dirty="0"/>
+              <a:t>Manual penetration testing is </a:t>
+            </a:r>
+            <a:r>
+              <a:rPr lang="en-US" dirty="0" smtClean="0"/>
+              <a:t>s </a:t>
+            </a:r>
+            <a:r>
+              <a:rPr lang="en-US" dirty="0"/>
+              <a:t>done by human </a:t>
+            </a:r>
+            <a:r>
+              <a:rPr lang="en-US" dirty="0" smtClean="0"/>
+              <a:t>beings Manually. </a:t>
+            </a:r>
+          </a:p>
+          <a:p>
+            <a:r>
+              <a:rPr lang="en-US" dirty="0" smtClean="0"/>
+              <a:t>In </a:t>
+            </a:r>
+            <a:r>
+              <a:rPr lang="en-US" dirty="0"/>
+              <a:t>such type of testing, vulnerability and risk of a machine is tested by an expert engineer</a:t>
+            </a:r>
+            <a:r>
+              <a:rPr lang="en-US" dirty="0" smtClean="0"/>
+              <a:t>.</a:t>
+            </a:r>
+          </a:p>
+          <a:p>
+            <a:endParaRPr lang="en-US" dirty="0"/>
+          </a:p>
+        </p:txBody>
+      </p:sp>
+      <p:pic>
+        <p:nvPicPr>
+          <p:cNvPr id="4" name="Picture 3"/>
+          <p:cNvPicPr>
+            <a:picLocks noChangeAspect="1"/>
+          </p:cNvPicPr>
+          <p:nvPr/>
+        </p:nvPicPr>
+        <p:blipFill>
+          <a:blip r:embed="rId2">
+            <a:extLst>
+              <a:ext uri="{28A0092B-C50C-407E-A947-70E740481C1C}">
+                <a14:useLocalDpi xmlns:a14="http://schemas.microsoft.com/office/drawing/2010/main" val="0"/>
+              </a:ext>
+            </a:extLst>
+          </a:blip>
+          <a:stretch>
+            <a:fillRect/>
+          </a:stretch>
+        </p:blipFill>
+        <p:spPr>
+          <a:xfrm>
+            <a:off x="2632519" y="3600993"/>
+            <a:ext cx="4686298" cy="2772727"/>
+          </a:xfrm>
+          <a:prstGeom prst="rect">
+            <a:avLst/>
+          </a:prstGeom>
+          <a:ln w="228600" cap="sq" cmpd="thickThin">
+            <a:solidFill>
+              <a:srgbClr val="000000"/>
+            </a:solidFill>
+            <a:prstDash val="solid"/>
+            <a:miter lim="800000"/>
+          </a:ln>
+          <a:effectLst>
+            <a:innerShdw blurRad="76200">
+              <a:srgbClr val="000000"/>
+            </a:innerShdw>
+          </a:effectLst>
+        </p:spPr>
+      </p:pic>
+    </p:spTree>
+    <p:extLst>
+      <p:ext uri="{BB962C8B-B14F-4D97-AF65-F5344CB8AC3E}">
+        <p14:creationId xmlns:p14="http://schemas.microsoft.com/office/powerpoint/2010/main" val="1772329690"/>
+      </p:ext>
+    </p:extLst>
+  </p:cSld>
+  <p:clrMapOvr>
+    <a:masterClrMapping/>
+  </p:clrMapOvr>
+</p:sld>
+</file>
+
+<file path=ppt/slides/slide26.xml><?xml version="1.0" encoding="utf-8"?>
+<p:sld xmlns:a="http://schemas.openxmlformats.org/drawingml/2006/main" xmlns:r="http://schemas.openxmlformats.org/officeDocument/2006/relationships" xmlns:p="http://schemas.openxmlformats.org/presentationml/2006/main">
+  <p:cSld>
+    <p:spTree>
+      <p:nvGrpSpPr>
+        <p:cNvPr id="1" name=""/>
+        <p:cNvGrpSpPr/>
+        <p:nvPr/>
+      </p:nvGrpSpPr>
+      <p:grpSpPr>
+        <a:xfrm>
+          <a:off x="0" y="0"/>
+          <a:ext cx="0" cy="0"/>
+          <a:chOff x="0" y="0"/>
+          <a:chExt cx="0" cy="0"/>
+        </a:xfrm>
+      </p:grpSpPr>
+      <p:sp>
+        <p:nvSpPr>
+          <p:cNvPr id="2" name="Title 1"/>
+          <p:cNvSpPr>
+            <a:spLocks noGrp="1"/>
+          </p:cNvSpPr>
+          <p:nvPr>
+            <p:ph type="title"/>
+          </p:nvPr>
+        </p:nvSpPr>
+        <p:spPr/>
+        <p:txBody>
+          <a:bodyPr/>
+          <a:lstStyle/>
+          <a:p>
+            <a:r>
+              <a:rPr lang="en-US" dirty="0" smtClean="0"/>
+              <a:t>Methods Performed By Test Engineers in MPT :</a:t>
+            </a:r>
+            <a:endParaRPr lang="en-US" dirty="0"/>
+          </a:p>
+        </p:txBody>
+      </p:sp>
+      <p:sp>
+        <p:nvSpPr>
+          <p:cNvPr id="3" name="Content Placeholder 2"/>
+          <p:cNvSpPr>
+            <a:spLocks noGrp="1"/>
+          </p:cNvSpPr>
+          <p:nvPr>
+            <p:ph idx="1"/>
+          </p:nvPr>
+        </p:nvSpPr>
+        <p:spPr/>
+        <p:txBody>
+          <a:bodyPr/>
+          <a:lstStyle/>
+          <a:p>
+            <a:r>
+              <a:rPr lang="en-US" b="1" dirty="0"/>
+              <a:t>Data </a:t>
+            </a:r>
+            <a:r>
+              <a:rPr lang="en-US" b="1" dirty="0" smtClean="0"/>
+              <a:t>Collection</a:t>
+            </a:r>
+          </a:p>
+          <a:p>
+            <a:endParaRPr lang="en-US" b="1" dirty="0"/>
+          </a:p>
+          <a:p>
+            <a:r>
+              <a:rPr lang="en-US" b="1" dirty="0"/>
+              <a:t>Vulnerability </a:t>
+            </a:r>
+            <a:r>
+              <a:rPr lang="en-US" b="1" dirty="0" smtClean="0"/>
+              <a:t>Assessment</a:t>
+            </a:r>
+          </a:p>
+          <a:p>
+            <a:endParaRPr lang="en-US" b="1" dirty="0"/>
+          </a:p>
+          <a:p>
+            <a:r>
+              <a:rPr lang="en-US" b="1" dirty="0" smtClean="0"/>
+              <a:t>Actual Exploit</a:t>
+            </a:r>
+          </a:p>
+          <a:p>
+            <a:endParaRPr lang="en-US" b="1" dirty="0"/>
+          </a:p>
+          <a:p>
+            <a:r>
+              <a:rPr lang="en-US" b="1" dirty="0" smtClean="0"/>
+              <a:t>Report Preparation</a:t>
+            </a:r>
+          </a:p>
+          <a:p>
+            <a:endParaRPr lang="en-US" b="1" dirty="0"/>
+          </a:p>
+          <a:p>
+            <a:endParaRPr lang="en-US" b="1" dirty="0" smtClean="0"/>
+          </a:p>
+          <a:p>
+            <a:endParaRPr lang="en-US" b="1" dirty="0"/>
+          </a:p>
+          <a:p>
+            <a:endParaRPr lang="en-US" b="1" dirty="0" smtClean="0"/>
+          </a:p>
+          <a:p>
+            <a:endParaRPr lang="en-US" b="1" dirty="0"/>
+          </a:p>
+          <a:p>
+            <a:endParaRPr lang="en-US" b="1" dirty="0" smtClean="0"/>
+          </a:p>
+          <a:p>
+            <a:endParaRPr lang="en-US" b="1" dirty="0"/>
+          </a:p>
+          <a:p>
+            <a:endParaRPr lang="en-US" b="1" dirty="0" smtClean="0"/>
+          </a:p>
+          <a:p>
+            <a:endParaRPr lang="en-US" b="1" dirty="0"/>
+          </a:p>
+          <a:p>
+            <a:endParaRPr lang="en-US" b="1" dirty="0" smtClean="0"/>
+          </a:p>
+          <a:p>
+            <a:endParaRPr lang="en-US" b="1" dirty="0"/>
+          </a:p>
+          <a:p>
+            <a:endParaRPr lang="en-US" b="1" dirty="0" smtClean="0"/>
+          </a:p>
+          <a:p>
+            <a:endParaRPr lang="en-US" b="1" dirty="0"/>
+          </a:p>
+          <a:p>
+            <a:endParaRPr lang="en-US" dirty="0"/>
+          </a:p>
+        </p:txBody>
+      </p:sp>
+    </p:spTree>
+    <p:extLst>
+      <p:ext uri="{BB962C8B-B14F-4D97-AF65-F5344CB8AC3E}">
+        <p14:creationId xmlns:p14="http://schemas.microsoft.com/office/powerpoint/2010/main" val="1474326306"/>
+      </p:ext>
+    </p:extLst>
+  </p:cSld>
+  <p:clrMapOvr>
+    <a:masterClrMapping/>
+  </p:clrMapOvr>
+</p:sld>
+</file>
+
+<file path=ppt/slides/slide27.xml><?xml version="1.0" encoding="utf-8"?>
+<p:sld xmlns:a="http://schemas.openxmlformats.org/drawingml/2006/main" xmlns:r="http://schemas.openxmlformats.org/officeDocument/2006/relationships" xmlns:p="http://schemas.openxmlformats.org/presentationml/2006/main">
+  <p:cSld>
+    <p:spTree>
+      <p:nvGrpSpPr>
+        <p:cNvPr id="1" name=""/>
+        <p:cNvGrpSpPr/>
+        <p:nvPr/>
+      </p:nvGrpSpPr>
+      <p:grpSpPr>
+        <a:xfrm>
+          <a:off x="0" y="0"/>
+          <a:ext cx="0" cy="0"/>
+          <a:chOff x="0" y="0"/>
+          <a:chExt cx="0" cy="0"/>
+        </a:xfrm>
+      </p:grpSpPr>
+      <p:sp>
+        <p:nvSpPr>
+          <p:cNvPr id="2" name="Title 1"/>
+          <p:cNvSpPr>
+            <a:spLocks noGrp="1"/>
+          </p:cNvSpPr>
+          <p:nvPr>
+            <p:ph type="title"/>
+          </p:nvPr>
+        </p:nvSpPr>
+        <p:spPr/>
+        <p:txBody>
+          <a:bodyPr/>
+          <a:lstStyle/>
+          <a:p>
+            <a:r>
+              <a:rPr lang="en-US" b="1" dirty="0"/>
+              <a:t>Data </a:t>
+            </a:r>
+            <a:r>
+              <a:rPr lang="en-US" b="1" dirty="0" smtClean="0"/>
+              <a:t>Collection :</a:t>
+            </a:r>
+            <a:endParaRPr lang="en-US" dirty="0"/>
+          </a:p>
+        </p:txBody>
+      </p:sp>
+      <p:sp>
+        <p:nvSpPr>
+          <p:cNvPr id="3" name="Content Placeholder 2"/>
+          <p:cNvSpPr>
+            <a:spLocks noGrp="1"/>
+          </p:cNvSpPr>
+          <p:nvPr>
+            <p:ph idx="1"/>
+          </p:nvPr>
+        </p:nvSpPr>
+        <p:spPr>
+          <a:xfrm>
+            <a:off x="677334" y="1820091"/>
+            <a:ext cx="8596668" cy="4221271"/>
+          </a:xfrm>
+        </p:spPr>
+        <p:txBody>
+          <a:bodyPr/>
+          <a:lstStyle/>
+          <a:p>
+            <a:r>
+              <a:rPr lang="en-US" dirty="0"/>
+              <a:t>Data collection plays a key role for testing. </a:t>
+            </a:r>
+            <a:endParaRPr lang="en-US" dirty="0" smtClean="0"/>
+          </a:p>
+          <a:p>
+            <a:pPr marL="0" indent="0">
+              <a:buNone/>
+            </a:pPr>
+            <a:endParaRPr lang="en-US" dirty="0" smtClean="0"/>
+          </a:p>
+          <a:p>
+            <a:r>
+              <a:rPr lang="en-US" dirty="0" smtClean="0"/>
+              <a:t>One </a:t>
+            </a:r>
+            <a:r>
+              <a:rPr lang="en-US" dirty="0"/>
+              <a:t>can either collect data manually or can use tool services (such as webpage source code analysis technique, etc.) freely available online</a:t>
+            </a:r>
+            <a:r>
+              <a:rPr lang="en-US" dirty="0" smtClean="0"/>
+              <a:t>.</a:t>
+            </a:r>
+          </a:p>
+          <a:p>
+            <a:pPr marL="0" indent="0">
+              <a:buNone/>
+            </a:pPr>
+            <a:endParaRPr lang="en-US" dirty="0" smtClean="0"/>
+          </a:p>
+          <a:p>
+            <a:r>
+              <a:rPr lang="en-US" dirty="0" smtClean="0"/>
+              <a:t> </a:t>
+            </a:r>
+            <a:r>
+              <a:rPr lang="en-US" dirty="0"/>
+              <a:t>These tools help to collect information like table names, DB versions, database, software, hardware, or even about different third party plugins, </a:t>
+            </a:r>
+            <a:r>
+              <a:rPr lang="en-US" dirty="0" smtClean="0"/>
+              <a:t>etc…</a:t>
+            </a:r>
+            <a:endParaRPr lang="en-US" dirty="0"/>
+          </a:p>
+        </p:txBody>
+      </p:sp>
+    </p:spTree>
+    <p:extLst>
+      <p:ext uri="{BB962C8B-B14F-4D97-AF65-F5344CB8AC3E}">
+        <p14:creationId xmlns:p14="http://schemas.microsoft.com/office/powerpoint/2010/main" val="1736825841"/>
+      </p:ext>
+    </p:extLst>
+  </p:cSld>
+  <p:clrMapOvr>
+    <a:masterClrMapping/>
+  </p:clrMapOvr>
+</p:sld>
+</file>
+
+<file path=ppt/slides/slide28.xml><?xml version="1.0" encoding="utf-8"?>
+<p:sld xmlns:a="http://schemas.openxmlformats.org/drawingml/2006/main" xmlns:r="http://schemas.openxmlformats.org/officeDocument/2006/relationships" xmlns:p="http://schemas.openxmlformats.org/presentationml/2006/main">
+  <p:cSld>
+    <p:spTree>
+      <p:nvGrpSpPr>
+        <p:cNvPr id="1" name=""/>
+        <p:cNvGrpSpPr/>
+        <p:nvPr/>
+      </p:nvGrpSpPr>
+      <p:grpSpPr>
+        <a:xfrm>
+          <a:off x="0" y="0"/>
+          <a:ext cx="0" cy="0"/>
+          <a:chOff x="0" y="0"/>
+          <a:chExt cx="0" cy="0"/>
+        </a:xfrm>
+      </p:grpSpPr>
+      <p:sp>
+        <p:nvSpPr>
+          <p:cNvPr id="2" name="Title 1"/>
+          <p:cNvSpPr>
+            <a:spLocks noGrp="1"/>
+          </p:cNvSpPr>
+          <p:nvPr>
+            <p:ph type="title"/>
+          </p:nvPr>
+        </p:nvSpPr>
+        <p:spPr/>
+        <p:txBody>
+          <a:bodyPr/>
+          <a:lstStyle/>
+          <a:p>
+            <a:r>
+              <a:rPr lang="en-US" b="1" dirty="0"/>
+              <a:t>Vulnerability </a:t>
+            </a:r>
+            <a:r>
+              <a:rPr lang="en-US" b="1" dirty="0" smtClean="0"/>
+              <a:t>Assessment :</a:t>
+            </a:r>
+            <a:endParaRPr lang="en-US" dirty="0"/>
+          </a:p>
+        </p:txBody>
+      </p:sp>
+      <p:sp>
+        <p:nvSpPr>
+          <p:cNvPr id="3" name="Content Placeholder 2"/>
+          <p:cNvSpPr>
+            <a:spLocks noGrp="1"/>
+          </p:cNvSpPr>
+          <p:nvPr>
+            <p:ph type="body" idx="1"/>
+          </p:nvPr>
+        </p:nvSpPr>
+        <p:spPr/>
+        <p:txBody>
+          <a:bodyPr/>
+          <a:lstStyle/>
+          <a:p>
+            <a:r>
+              <a:rPr lang="en-US" dirty="0"/>
+              <a:t>Once the data is collected, it helps the testers to identify the security weakness and take preventive steps accordingly.</a:t>
+            </a:r>
+          </a:p>
+        </p:txBody>
+      </p:sp>
+    </p:spTree>
+    <p:extLst>
+      <p:ext uri="{BB962C8B-B14F-4D97-AF65-F5344CB8AC3E}">
+        <p14:creationId xmlns:p14="http://schemas.microsoft.com/office/powerpoint/2010/main" val="3284188451"/>
+      </p:ext>
+    </p:extLst>
+  </p:cSld>
+  <p:clrMapOvr>
+    <a:masterClrMapping/>
+  </p:clrMapOvr>
+</p:sld>
+</file>
+
+<file path=ppt/slides/slide29.xml><?xml version="1.0" encoding="utf-8"?>
+<p:sld xmlns:a="http://schemas.openxmlformats.org/drawingml/2006/main" xmlns:r="http://schemas.openxmlformats.org/officeDocument/2006/relationships" xmlns:p="http://schemas.openxmlformats.org/presentationml/2006/main">
+  <p:cSld>
+    <p:spTree>
+      <p:nvGrpSpPr>
+        <p:cNvPr id="1" name=""/>
+        <p:cNvGrpSpPr/>
+        <p:nvPr/>
+      </p:nvGrpSpPr>
+      <p:grpSpPr>
+        <a:xfrm>
+          <a:off x="0" y="0"/>
+          <a:ext cx="0" cy="0"/>
+          <a:chOff x="0" y="0"/>
+          <a:chExt cx="0" cy="0"/>
+        </a:xfrm>
+      </p:grpSpPr>
+      <p:sp>
+        <p:nvSpPr>
+          <p:cNvPr id="2" name="Title 1"/>
+          <p:cNvSpPr>
+            <a:spLocks noGrp="1"/>
+          </p:cNvSpPr>
+          <p:nvPr>
+            <p:ph type="title"/>
+          </p:nvPr>
+        </p:nvSpPr>
+        <p:spPr/>
+        <p:txBody>
+          <a:bodyPr/>
+          <a:lstStyle/>
+          <a:p>
+            <a:r>
+              <a:rPr lang="en-US" b="1" dirty="0"/>
+              <a:t>Actual </a:t>
+            </a:r>
+            <a:r>
+              <a:rPr lang="en-US" b="1" dirty="0" smtClean="0"/>
+              <a:t>Exploit:</a:t>
+            </a:r>
+            <a:endParaRPr lang="en-US" dirty="0"/>
+          </a:p>
+        </p:txBody>
+      </p:sp>
+      <p:sp>
+        <p:nvSpPr>
+          <p:cNvPr id="3" name="Content Placeholder 2"/>
+          <p:cNvSpPr>
+            <a:spLocks noGrp="1"/>
+          </p:cNvSpPr>
+          <p:nvPr>
+            <p:ph type="body" idx="1"/>
+          </p:nvPr>
+        </p:nvSpPr>
+        <p:spPr/>
+        <p:txBody>
+          <a:bodyPr/>
+          <a:lstStyle/>
+          <a:p>
+            <a:r>
+              <a:rPr lang="en-US" dirty="0"/>
+              <a:t>This is a typical method that an expert tester uses to launch an attack on a target system and likewise, reduces the risk of attack.</a:t>
+            </a:r>
+          </a:p>
+        </p:txBody>
+      </p:sp>
+    </p:spTree>
+    <p:extLst>
+      <p:ext uri="{BB962C8B-B14F-4D97-AF65-F5344CB8AC3E}">
+        <p14:creationId xmlns:p14="http://schemas.microsoft.com/office/powerpoint/2010/main" val="1135323490"/>
       </p:ext>
     </p:extLst>
   </p:cSld>
@@ -7444,6 +8762,1589 @@
   <p:clrMapOvr>
     <a:masterClrMapping/>
   </p:clrMapOvr>
+  <p:timing>
+    <p:tnLst>
+      <p:par>
+        <p:cTn id="1" dur="indefinite" restart="never" nodeType="tmRoot"/>
+      </p:par>
+    </p:tnLst>
+  </p:timing>
+</p:sld>
+</file>
+
+<file path=ppt/slides/slide30.xml><?xml version="1.0" encoding="utf-8"?>
+<p:sld xmlns:a="http://schemas.openxmlformats.org/drawingml/2006/main" xmlns:r="http://schemas.openxmlformats.org/officeDocument/2006/relationships" xmlns:p="http://schemas.openxmlformats.org/presentationml/2006/main">
+  <p:cSld>
+    <p:spTree>
+      <p:nvGrpSpPr>
+        <p:cNvPr id="1" name=""/>
+        <p:cNvGrpSpPr/>
+        <p:nvPr/>
+      </p:nvGrpSpPr>
+      <p:grpSpPr>
+        <a:xfrm>
+          <a:off x="0" y="0"/>
+          <a:ext cx="0" cy="0"/>
+          <a:chOff x="0" y="0"/>
+          <a:chExt cx="0" cy="0"/>
+        </a:xfrm>
+      </p:grpSpPr>
+      <p:sp>
+        <p:nvSpPr>
+          <p:cNvPr id="2" name="Title 1"/>
+          <p:cNvSpPr>
+            <a:spLocks noGrp="1"/>
+          </p:cNvSpPr>
+          <p:nvPr>
+            <p:ph type="title"/>
+          </p:nvPr>
+        </p:nvSpPr>
+        <p:spPr/>
+        <p:txBody>
+          <a:bodyPr/>
+          <a:lstStyle/>
+          <a:p>
+            <a:r>
+              <a:rPr lang="en-US" b="1" dirty="0"/>
+              <a:t>Report Preparation</a:t>
+            </a:r>
+            <a:endParaRPr lang="en-US" dirty="0"/>
+          </a:p>
+        </p:txBody>
+      </p:sp>
+      <p:sp>
+        <p:nvSpPr>
+          <p:cNvPr id="3" name="Content Placeholder 2"/>
+          <p:cNvSpPr>
+            <a:spLocks noGrp="1"/>
+          </p:cNvSpPr>
+          <p:nvPr>
+            <p:ph type="body" idx="1"/>
+          </p:nvPr>
+        </p:nvSpPr>
+        <p:spPr/>
+        <p:txBody>
+          <a:bodyPr>
+            <a:normAutofit fontScale="85000" lnSpcReduction="20000"/>
+          </a:bodyPr>
+          <a:lstStyle/>
+          <a:p>
+            <a:r>
+              <a:rPr lang="en-US" dirty="0"/>
+              <a:t>Once the penetration is done, the tester prepares a final report that describes everything about the system</a:t>
+            </a:r>
+            <a:r>
+              <a:rPr lang="en-US" dirty="0" smtClean="0"/>
+              <a:t>.</a:t>
+            </a:r>
+          </a:p>
+          <a:p>
+            <a:r>
+              <a:rPr lang="en-US" dirty="0" smtClean="0"/>
+              <a:t> </a:t>
+            </a:r>
+            <a:r>
+              <a:rPr lang="en-US" dirty="0"/>
+              <a:t>Finally the report is analyzed to take corrective steps to protect the target system.</a:t>
+            </a:r>
+          </a:p>
+        </p:txBody>
+      </p:sp>
+    </p:spTree>
+    <p:extLst>
+      <p:ext uri="{BB962C8B-B14F-4D97-AF65-F5344CB8AC3E}">
+        <p14:creationId xmlns:p14="http://schemas.microsoft.com/office/powerpoint/2010/main" val="2318398886"/>
+      </p:ext>
+    </p:extLst>
+  </p:cSld>
+  <p:clrMapOvr>
+    <a:masterClrMapping/>
+  </p:clrMapOvr>
+</p:sld>
+</file>
+
+<file path=ppt/slides/slide31.xml><?xml version="1.0" encoding="utf-8"?>
+<p:sld xmlns:a="http://schemas.openxmlformats.org/drawingml/2006/main" xmlns:r="http://schemas.openxmlformats.org/officeDocument/2006/relationships" xmlns:p="http://schemas.openxmlformats.org/presentationml/2006/main">
+  <p:cSld>
+    <p:spTree>
+      <p:nvGrpSpPr>
+        <p:cNvPr id="1" name=""/>
+        <p:cNvGrpSpPr/>
+        <p:nvPr/>
+      </p:nvGrpSpPr>
+      <p:grpSpPr>
+        <a:xfrm>
+          <a:off x="0" y="0"/>
+          <a:ext cx="0" cy="0"/>
+          <a:chOff x="0" y="0"/>
+          <a:chExt cx="0" cy="0"/>
+        </a:xfrm>
+      </p:grpSpPr>
+      <p:sp>
+        <p:nvSpPr>
+          <p:cNvPr id="19" name="Title 18"/>
+          <p:cNvSpPr>
+            <a:spLocks noGrp="1"/>
+          </p:cNvSpPr>
+          <p:nvPr>
+            <p:ph type="title"/>
+          </p:nvPr>
+        </p:nvSpPr>
+        <p:spPr/>
+        <p:txBody>
+          <a:bodyPr/>
+          <a:lstStyle/>
+          <a:p>
+            <a:r>
+              <a:rPr lang="en-US" dirty="0"/>
+              <a:t>Types of Manual Penetration Testing</a:t>
+            </a:r>
+            <a:br>
+              <a:rPr lang="en-US" dirty="0"/>
+            </a:br>
+            <a:endParaRPr lang="en-US" dirty="0"/>
+          </a:p>
+        </p:txBody>
+      </p:sp>
+      <p:sp>
+        <p:nvSpPr>
+          <p:cNvPr id="20" name="Content Placeholder 19"/>
+          <p:cNvSpPr>
+            <a:spLocks noGrp="1"/>
+          </p:cNvSpPr>
+          <p:nvPr>
+            <p:ph idx="1"/>
+          </p:nvPr>
+        </p:nvSpPr>
+        <p:spPr/>
+        <p:txBody>
+          <a:bodyPr/>
+          <a:lstStyle/>
+          <a:p>
+            <a:r>
+              <a:rPr lang="en-US" b="1" dirty="0"/>
+              <a:t>Focused Manual Penetration </a:t>
+            </a:r>
+            <a:r>
+              <a:rPr lang="en-US" b="1" dirty="0" smtClean="0"/>
+              <a:t>Testing :</a:t>
+            </a:r>
+            <a:r>
+              <a:rPr lang="en-US" dirty="0"/>
+              <a:t> It is a much focused method that tests specific vulnerabilities and risks. Automated penetration testing cannot perform this testing; it is done only by human experts who examine specific application vulnerabilities within the given domains</a:t>
+            </a:r>
+            <a:r>
+              <a:rPr lang="en-US" dirty="0" smtClean="0"/>
+              <a:t>.</a:t>
+            </a:r>
+          </a:p>
+          <a:p>
+            <a:r>
+              <a:rPr lang="en-US" b="1" dirty="0"/>
+              <a:t>Comprehensive Manual Penetration </a:t>
+            </a:r>
+            <a:r>
+              <a:rPr lang="en-US" b="1" dirty="0" smtClean="0"/>
+              <a:t>Testing : </a:t>
+            </a:r>
+            <a:r>
+              <a:rPr lang="en-US" dirty="0"/>
+              <a:t>It is through testing of whole systems connected with each other to identify all sorts of risk and vulnerability. However, the function of this testing is more situational, such as investigating whether multiple lower-risk faults can bring more vulnerable attack scenario, </a:t>
+            </a:r>
+            <a:r>
+              <a:rPr lang="en-US" dirty="0" err="1"/>
+              <a:t>etc</a:t>
+            </a:r>
+            <a:endParaRPr lang="en-US" dirty="0"/>
+          </a:p>
+        </p:txBody>
+      </p:sp>
+    </p:spTree>
+    <p:extLst>
+      <p:ext uri="{BB962C8B-B14F-4D97-AF65-F5344CB8AC3E}">
+        <p14:creationId xmlns:p14="http://schemas.microsoft.com/office/powerpoint/2010/main" val="843341071"/>
+      </p:ext>
+    </p:extLst>
+  </p:cSld>
+  <p:clrMapOvr>
+    <a:masterClrMapping/>
+  </p:clrMapOvr>
+</p:sld>
+</file>
+
+<file path=ppt/slides/slide32.xml><?xml version="1.0" encoding="utf-8"?>
+<p:sld xmlns:a="http://schemas.openxmlformats.org/drawingml/2006/main" xmlns:r="http://schemas.openxmlformats.org/officeDocument/2006/relationships" xmlns:p="http://schemas.openxmlformats.org/presentationml/2006/main">
+  <p:cSld>
+    <p:spTree>
+      <p:nvGrpSpPr>
+        <p:cNvPr id="1" name=""/>
+        <p:cNvGrpSpPr/>
+        <p:nvPr/>
+      </p:nvGrpSpPr>
+      <p:grpSpPr>
+        <a:xfrm>
+          <a:off x="0" y="0"/>
+          <a:ext cx="0" cy="0"/>
+          <a:chOff x="0" y="0"/>
+          <a:chExt cx="0" cy="0"/>
+        </a:xfrm>
+      </p:grpSpPr>
+      <p:sp>
+        <p:nvSpPr>
+          <p:cNvPr id="2" name="Title 1"/>
+          <p:cNvSpPr>
+            <a:spLocks noGrp="1"/>
+          </p:cNvSpPr>
+          <p:nvPr>
+            <p:ph type="title"/>
+          </p:nvPr>
+        </p:nvSpPr>
+        <p:spPr/>
+        <p:txBody>
+          <a:bodyPr/>
+          <a:lstStyle/>
+          <a:p>
+            <a:r>
+              <a:rPr lang="en-US" dirty="0"/>
+              <a:t>Automated Penetration Testing</a:t>
+            </a:r>
+            <a:br>
+              <a:rPr lang="en-US" dirty="0"/>
+            </a:br>
+            <a:endParaRPr lang="en-US" dirty="0"/>
+          </a:p>
+        </p:txBody>
+      </p:sp>
+      <p:sp>
+        <p:nvSpPr>
+          <p:cNvPr id="3" name="Content Placeholder 2"/>
+          <p:cNvSpPr>
+            <a:spLocks noGrp="1"/>
+          </p:cNvSpPr>
+          <p:nvPr>
+            <p:ph idx="1"/>
+          </p:nvPr>
+        </p:nvSpPr>
+        <p:spPr/>
+        <p:txBody>
+          <a:bodyPr/>
+          <a:lstStyle/>
+          <a:p>
+            <a:r>
+              <a:rPr lang="en-US" dirty="0"/>
+              <a:t>Automated penetration testing is much faster, efficient, easy, and reliable that tests the vulnerability and risk of a machine automatically. This technology does not require any expert engineer, rather it can be run by any person having least knowledge of this field.</a:t>
+            </a:r>
+          </a:p>
+          <a:p>
+            <a:r>
+              <a:rPr lang="en-US" dirty="0"/>
+              <a:t>Tools for automated penetration testing are Nessus, Metasploit, </a:t>
+            </a:r>
+            <a:r>
+              <a:rPr lang="en-US" dirty="0" err="1"/>
+              <a:t>OpenVAs</a:t>
+            </a:r>
+            <a:r>
+              <a:rPr lang="en-US" dirty="0"/>
+              <a:t>, backtract (series 5), etc. These are very efficient tools that changed the efficiency and meaning of penetration testing.</a:t>
+            </a:r>
+          </a:p>
+          <a:p>
+            <a:endParaRPr lang="en-US" dirty="0"/>
+          </a:p>
+        </p:txBody>
+      </p:sp>
+    </p:spTree>
+    <p:extLst>
+      <p:ext uri="{BB962C8B-B14F-4D97-AF65-F5344CB8AC3E}">
+        <p14:creationId xmlns:p14="http://schemas.microsoft.com/office/powerpoint/2010/main" val="1739574175"/>
+      </p:ext>
+    </p:extLst>
+  </p:cSld>
+  <p:clrMapOvr>
+    <a:masterClrMapping/>
+  </p:clrMapOvr>
+</p:sld>
+</file>
+
+<file path=ppt/slides/slide33.xml><?xml version="1.0" encoding="utf-8"?>
+<p:sld xmlns:a="http://schemas.openxmlformats.org/drawingml/2006/main" xmlns:r="http://schemas.openxmlformats.org/officeDocument/2006/relationships" xmlns:p="http://schemas.openxmlformats.org/presentationml/2006/main">
+  <p:cSld>
+    <p:spTree>
+      <p:nvGrpSpPr>
+        <p:cNvPr id="1" name=""/>
+        <p:cNvGrpSpPr/>
+        <p:nvPr/>
+      </p:nvGrpSpPr>
+      <p:grpSpPr>
+        <a:xfrm>
+          <a:off x="0" y="0"/>
+          <a:ext cx="0" cy="0"/>
+          <a:chOff x="0" y="0"/>
+          <a:chExt cx="0" cy="0"/>
+        </a:xfrm>
+      </p:grpSpPr>
+      <p:sp>
+        <p:nvSpPr>
+          <p:cNvPr id="4" name="Title 3"/>
+          <p:cNvSpPr>
+            <a:spLocks noGrp="1"/>
+          </p:cNvSpPr>
+          <p:nvPr>
+            <p:ph type="title"/>
+          </p:nvPr>
+        </p:nvSpPr>
+        <p:spPr>
+          <a:xfrm>
+            <a:off x="677334" y="609600"/>
+            <a:ext cx="8596668" cy="644434"/>
+          </a:xfrm>
+        </p:spPr>
+        <p:txBody>
+          <a:bodyPr/>
+          <a:lstStyle/>
+          <a:p>
+            <a:r>
+              <a:rPr lang="en-US" dirty="0" smtClean="0"/>
+              <a:t>Difference Between MPT vs APT</a:t>
+            </a:r>
+            <a:endParaRPr lang="en-US" dirty="0"/>
+          </a:p>
+        </p:txBody>
+      </p:sp>
+      <p:graphicFrame>
+        <p:nvGraphicFramePr>
+          <p:cNvPr id="6" name="Content Placeholder 5"/>
+          <p:cNvGraphicFramePr>
+            <a:graphicFrameLocks noGrp="1"/>
+          </p:cNvGraphicFramePr>
+          <p:nvPr>
+            <p:ph idx="1"/>
+            <p:extLst>
+              <p:ext uri="{D42A27DB-BD31-4B8C-83A1-F6EECF244321}">
+                <p14:modId xmlns:p14="http://schemas.microsoft.com/office/powerpoint/2010/main" val="1186204901"/>
+              </p:ext>
+            </p:extLst>
+          </p:nvPr>
+        </p:nvGraphicFramePr>
+        <p:xfrm>
+          <a:off x="2290355" y="1384663"/>
+          <a:ext cx="5355771" cy="5199019"/>
+        </p:xfrm>
+        <a:graphic>
+          <a:graphicData uri="http://schemas.openxmlformats.org/drawingml/2006/table">
+            <a:tbl>
+              <a:tblPr>
+                <a:tableStyleId>{3C2FFA5D-87B4-456A-9821-1D502468CF0F}</a:tableStyleId>
+              </a:tblPr>
+              <a:tblGrid>
+                <a:gridCol w="2549226">
+                  <a:extLst>
+                    <a:ext uri="{9D8B030D-6E8A-4147-A177-3AD203B41FA5}">
+                      <a16:colId xmlns:a16="http://schemas.microsoft.com/office/drawing/2014/main" val="2260381968"/>
+                    </a:ext>
+                  </a:extLst>
+                </a:gridCol>
+                <a:gridCol w="2806545">
+                  <a:extLst>
+                    <a:ext uri="{9D8B030D-6E8A-4147-A177-3AD203B41FA5}">
+                      <a16:colId xmlns:a16="http://schemas.microsoft.com/office/drawing/2014/main" val="3329549506"/>
+                    </a:ext>
+                  </a:extLst>
+                </a:gridCol>
+              </a:tblGrid>
+              <a:tr h="353020">
+                <a:tc>
+                  <a:txBody>
+                    <a:bodyPr/>
+                    <a:lstStyle/>
+                    <a:p>
+                      <a:pPr algn="ctr" fontAlgn="t"/>
+                      <a:r>
+                        <a:rPr lang="en-US" sz="700" dirty="0">
+                          <a:effectLst/>
+                        </a:rPr>
+                        <a:t>Manual Penetration Testing</a:t>
+                      </a:r>
+                    </a:p>
+                  </a:txBody>
+                  <a:tcPr marL="23959" marR="23959" marT="23959" marB="23959"/>
+                </a:tc>
+                <a:tc>
+                  <a:txBody>
+                    <a:bodyPr/>
+                    <a:lstStyle/>
+                    <a:p>
+                      <a:pPr algn="ctr" fontAlgn="t"/>
+                      <a:r>
+                        <a:rPr lang="en-US" sz="700" dirty="0">
+                          <a:effectLst/>
+                        </a:rPr>
+                        <a:t>Automated Penetration Testing</a:t>
+                      </a:r>
+                    </a:p>
+                  </a:txBody>
+                  <a:tcPr marL="23959" marR="23959" marT="23959" marB="23959"/>
+                </a:tc>
+                <a:extLst>
+                  <a:ext uri="{0D108BD9-81ED-4DB2-BD59-A6C34878D82A}">
+                    <a16:rowId xmlns:a16="http://schemas.microsoft.com/office/drawing/2014/main" val="2735675551"/>
+                  </a:ext>
+                </a:extLst>
+              </a:tr>
+              <a:tr h="497437">
+                <a:tc>
+                  <a:txBody>
+                    <a:bodyPr/>
+                    <a:lstStyle/>
+                    <a:p>
+                      <a:pPr fontAlgn="t"/>
+                      <a:r>
+                        <a:rPr lang="en-US" sz="700" dirty="0">
+                          <a:effectLst/>
+                        </a:rPr>
+                        <a:t>It requires expert engineer to perform the test.</a:t>
+                      </a:r>
+                    </a:p>
+                  </a:txBody>
+                  <a:tcPr marL="23959" marR="23959" marT="23959" marB="23959"/>
+                </a:tc>
+                <a:tc>
+                  <a:txBody>
+                    <a:bodyPr/>
+                    <a:lstStyle/>
+                    <a:p>
+                      <a:pPr fontAlgn="t"/>
+                      <a:r>
+                        <a:rPr lang="en-US" sz="700" dirty="0">
+                          <a:effectLst/>
+                        </a:rPr>
+                        <a:t>It is automated so even a learner can run the test.</a:t>
+                      </a:r>
+                    </a:p>
+                  </a:txBody>
+                  <a:tcPr marL="23959" marR="23959" marT="23959" marB="23959"/>
+                </a:tc>
+                <a:extLst>
+                  <a:ext uri="{0D108BD9-81ED-4DB2-BD59-A6C34878D82A}">
+                    <a16:rowId xmlns:a16="http://schemas.microsoft.com/office/drawing/2014/main" val="3299460200"/>
+                  </a:ext>
+                </a:extLst>
+              </a:tr>
+              <a:tr h="497437">
+                <a:tc>
+                  <a:txBody>
+                    <a:bodyPr/>
+                    <a:lstStyle/>
+                    <a:p>
+                      <a:pPr fontAlgn="t"/>
+                      <a:r>
+                        <a:rPr lang="en-US" sz="700">
+                          <a:effectLst/>
+                        </a:rPr>
+                        <a:t>It requires different tools for the testing.</a:t>
+                      </a:r>
+                    </a:p>
+                  </a:txBody>
+                  <a:tcPr marL="23959" marR="23959" marT="23959" marB="23959"/>
+                </a:tc>
+                <a:tc>
+                  <a:txBody>
+                    <a:bodyPr/>
+                    <a:lstStyle/>
+                    <a:p>
+                      <a:pPr fontAlgn="t"/>
+                      <a:r>
+                        <a:rPr lang="en-US" sz="700">
+                          <a:effectLst/>
+                        </a:rPr>
+                        <a:t>It has integrated tools does required anything from outside.</a:t>
+                      </a:r>
+                    </a:p>
+                  </a:txBody>
+                  <a:tcPr marL="23959" marR="23959" marT="23959" marB="23959"/>
+                </a:tc>
+                <a:extLst>
+                  <a:ext uri="{0D108BD9-81ED-4DB2-BD59-A6C34878D82A}">
+                    <a16:rowId xmlns:a16="http://schemas.microsoft.com/office/drawing/2014/main" val="3579242636"/>
+                  </a:ext>
+                </a:extLst>
+              </a:tr>
+              <a:tr h="497437">
+                <a:tc>
+                  <a:txBody>
+                    <a:bodyPr/>
+                    <a:lstStyle/>
+                    <a:p>
+                      <a:pPr fontAlgn="t"/>
+                      <a:r>
+                        <a:rPr lang="en-US" sz="700">
+                          <a:effectLst/>
+                        </a:rPr>
+                        <a:t>In this type of testing, results can vary from test to test.</a:t>
+                      </a:r>
+                    </a:p>
+                  </a:txBody>
+                  <a:tcPr marL="23959" marR="23959" marT="23959" marB="23959"/>
+                </a:tc>
+                <a:tc>
+                  <a:txBody>
+                    <a:bodyPr/>
+                    <a:lstStyle/>
+                    <a:p>
+                      <a:pPr fontAlgn="ctr"/>
+                      <a:r>
+                        <a:rPr lang="en-US" sz="700">
+                          <a:effectLst/>
+                        </a:rPr>
+                        <a:t>It has fixed result.</a:t>
+                      </a:r>
+                    </a:p>
+                  </a:txBody>
+                  <a:tcPr marL="23959" marR="23959" marT="23959" marB="23959" anchor="ctr"/>
+                </a:tc>
+                <a:extLst>
+                  <a:ext uri="{0D108BD9-81ED-4DB2-BD59-A6C34878D82A}">
+                    <a16:rowId xmlns:a16="http://schemas.microsoft.com/office/drawing/2014/main" val="3550304028"/>
+                  </a:ext>
+                </a:extLst>
+              </a:tr>
+              <a:tr h="497437">
+                <a:tc>
+                  <a:txBody>
+                    <a:bodyPr/>
+                    <a:lstStyle/>
+                    <a:p>
+                      <a:pPr fontAlgn="t"/>
+                      <a:r>
+                        <a:rPr lang="en-US" sz="700">
+                          <a:effectLst/>
+                        </a:rPr>
+                        <a:t>This test requires to remember cleaning up memory by the tester.</a:t>
+                      </a:r>
+                    </a:p>
+                  </a:txBody>
+                  <a:tcPr marL="23959" marR="23959" marT="23959" marB="23959"/>
+                </a:tc>
+                <a:tc>
+                  <a:txBody>
+                    <a:bodyPr/>
+                    <a:lstStyle/>
+                    <a:p>
+                      <a:pPr fontAlgn="ctr"/>
+                      <a:r>
+                        <a:rPr lang="en-US" sz="700">
+                          <a:effectLst/>
+                        </a:rPr>
+                        <a:t>It does not.</a:t>
+                      </a:r>
+                    </a:p>
+                  </a:txBody>
+                  <a:tcPr marL="23959" marR="23959" marT="23959" marB="23959" anchor="ctr"/>
+                </a:tc>
+                <a:extLst>
+                  <a:ext uri="{0D108BD9-81ED-4DB2-BD59-A6C34878D82A}">
+                    <a16:rowId xmlns:a16="http://schemas.microsoft.com/office/drawing/2014/main" val="2532608009"/>
+                  </a:ext>
+                </a:extLst>
+              </a:tr>
+              <a:tr h="353020">
+                <a:tc>
+                  <a:txBody>
+                    <a:bodyPr/>
+                    <a:lstStyle/>
+                    <a:p>
+                      <a:pPr fontAlgn="t"/>
+                      <a:r>
+                        <a:rPr lang="en-US" sz="700">
+                          <a:effectLst/>
+                        </a:rPr>
+                        <a:t>It is exhaustive and time taking.</a:t>
+                      </a:r>
+                    </a:p>
+                  </a:txBody>
+                  <a:tcPr marL="23959" marR="23959" marT="23959" marB="23959"/>
+                </a:tc>
+                <a:tc>
+                  <a:txBody>
+                    <a:bodyPr/>
+                    <a:lstStyle/>
+                    <a:p>
+                      <a:pPr fontAlgn="t"/>
+                      <a:r>
+                        <a:rPr lang="en-US" sz="700">
+                          <a:effectLst/>
+                        </a:rPr>
+                        <a:t>It is more efficient and fast.</a:t>
+                      </a:r>
+                    </a:p>
+                  </a:txBody>
+                  <a:tcPr marL="23959" marR="23959" marT="23959" marB="23959"/>
+                </a:tc>
+                <a:extLst>
+                  <a:ext uri="{0D108BD9-81ED-4DB2-BD59-A6C34878D82A}">
+                    <a16:rowId xmlns:a16="http://schemas.microsoft.com/office/drawing/2014/main" val="2234861182"/>
+                  </a:ext>
+                </a:extLst>
+              </a:tr>
+              <a:tr h="1508357">
+                <a:tc>
+                  <a:txBody>
+                    <a:bodyPr/>
+                    <a:lstStyle/>
+                    <a:p>
+                      <a:pPr fontAlgn="t"/>
+                      <a:r>
+                        <a:rPr lang="en-US" sz="700" dirty="0">
+                          <a:effectLst/>
+                        </a:rPr>
+                        <a:t>It has additional advantages i.e. if an expert does pen test, then he can analyze better, he can think what a hacker can think and where he can attack. Hence, he can put security accordingly.</a:t>
+                      </a:r>
+                    </a:p>
+                  </a:txBody>
+                  <a:tcPr marL="23959" marR="23959" marT="23959" marB="23959"/>
+                </a:tc>
+                <a:tc>
+                  <a:txBody>
+                    <a:bodyPr/>
+                    <a:lstStyle/>
+                    <a:p>
+                      <a:pPr fontAlgn="ctr"/>
+                      <a:r>
+                        <a:rPr lang="en-US" sz="700">
+                          <a:effectLst/>
+                        </a:rPr>
+                        <a:t>It cannot analyze the situation.</a:t>
+                      </a:r>
+                    </a:p>
+                  </a:txBody>
+                  <a:tcPr marL="23959" marR="23959" marT="23959" marB="23959" anchor="ctr"/>
+                </a:tc>
+                <a:extLst>
+                  <a:ext uri="{0D108BD9-81ED-4DB2-BD59-A6C34878D82A}">
+                    <a16:rowId xmlns:a16="http://schemas.microsoft.com/office/drawing/2014/main" val="385608151"/>
+                  </a:ext>
+                </a:extLst>
+              </a:tr>
+              <a:tr h="641854">
+                <a:tc>
+                  <a:txBody>
+                    <a:bodyPr/>
+                    <a:lstStyle/>
+                    <a:p>
+                      <a:pPr fontAlgn="t"/>
+                      <a:r>
+                        <a:rPr lang="en-US" sz="700">
+                          <a:effectLst/>
+                        </a:rPr>
+                        <a:t>As per the requirement, an expert can run multiple testing.</a:t>
+                      </a:r>
+                    </a:p>
+                  </a:txBody>
+                  <a:tcPr marL="23959" marR="23959" marT="23959" marB="23959"/>
+                </a:tc>
+                <a:tc>
+                  <a:txBody>
+                    <a:bodyPr/>
+                    <a:lstStyle/>
+                    <a:p>
+                      <a:pPr fontAlgn="ctr"/>
+                      <a:r>
+                        <a:rPr lang="en-US" sz="700">
+                          <a:effectLst/>
+                        </a:rPr>
+                        <a:t>It cannot.</a:t>
+                      </a:r>
+                    </a:p>
+                  </a:txBody>
+                  <a:tcPr marL="23959" marR="23959" marT="23959" marB="23959" anchor="ctr"/>
+                </a:tc>
+                <a:extLst>
+                  <a:ext uri="{0D108BD9-81ED-4DB2-BD59-A6C34878D82A}">
+                    <a16:rowId xmlns:a16="http://schemas.microsoft.com/office/drawing/2014/main" val="1017076177"/>
+                  </a:ext>
+                </a:extLst>
+              </a:tr>
+              <a:tr h="353020">
+                <a:tc>
+                  <a:txBody>
+                    <a:bodyPr/>
+                    <a:lstStyle/>
+                    <a:p>
+                      <a:pPr fontAlgn="t"/>
+                      <a:r>
+                        <a:rPr lang="en-US" sz="700">
+                          <a:effectLst/>
+                        </a:rPr>
+                        <a:t>For critical condition, it is more reliable.</a:t>
+                      </a:r>
+                    </a:p>
+                  </a:txBody>
+                  <a:tcPr marL="23959" marR="23959" marT="23959" marB="23959"/>
+                </a:tc>
+                <a:tc>
+                  <a:txBody>
+                    <a:bodyPr/>
+                    <a:lstStyle/>
+                    <a:p>
+                      <a:pPr fontAlgn="t"/>
+                      <a:r>
+                        <a:rPr lang="en-US" sz="700" dirty="0">
+                          <a:effectLst/>
+                        </a:rPr>
+                        <a:t>It is not.</a:t>
+                      </a:r>
+                    </a:p>
+                  </a:txBody>
+                  <a:tcPr marL="23959" marR="23959" marT="23959" marB="23959"/>
+                </a:tc>
+                <a:extLst>
+                  <a:ext uri="{0D108BD9-81ED-4DB2-BD59-A6C34878D82A}">
+                    <a16:rowId xmlns:a16="http://schemas.microsoft.com/office/drawing/2014/main" val="1726886016"/>
+                  </a:ext>
+                </a:extLst>
+              </a:tr>
+            </a:tbl>
+          </a:graphicData>
+        </a:graphic>
+      </p:graphicFrame>
+    </p:spTree>
+    <p:extLst>
+      <p:ext uri="{BB962C8B-B14F-4D97-AF65-F5344CB8AC3E}">
+        <p14:creationId xmlns:p14="http://schemas.microsoft.com/office/powerpoint/2010/main" val="3584842629"/>
+      </p:ext>
+    </p:extLst>
+  </p:cSld>
+  <p:clrMapOvr>
+    <a:masterClrMapping/>
+  </p:clrMapOvr>
+</p:sld>
+</file>
+
+<file path=ppt/slides/slide34.xml><?xml version="1.0" encoding="utf-8"?>
+<p:sld xmlns:a="http://schemas.openxmlformats.org/drawingml/2006/main" xmlns:r="http://schemas.openxmlformats.org/officeDocument/2006/relationships" xmlns:p="http://schemas.openxmlformats.org/presentationml/2006/main">
+  <p:cSld>
+    <p:spTree>
+      <p:nvGrpSpPr>
+        <p:cNvPr id="1" name=""/>
+        <p:cNvGrpSpPr/>
+        <p:nvPr/>
+      </p:nvGrpSpPr>
+      <p:grpSpPr>
+        <a:xfrm>
+          <a:off x="0" y="0"/>
+          <a:ext cx="0" cy="0"/>
+          <a:chOff x="0" y="0"/>
+          <a:chExt cx="0" cy="0"/>
+        </a:xfrm>
+      </p:grpSpPr>
+      <p:sp>
+        <p:nvSpPr>
+          <p:cNvPr id="4" name="Title 3"/>
+          <p:cNvSpPr>
+            <a:spLocks noGrp="1"/>
+          </p:cNvSpPr>
+          <p:nvPr>
+            <p:ph type="title"/>
+          </p:nvPr>
+        </p:nvSpPr>
+        <p:spPr/>
+        <p:txBody>
+          <a:bodyPr/>
+          <a:lstStyle/>
+          <a:p>
+            <a:r>
+              <a:rPr lang="en-US" dirty="0" smtClean="0"/>
+              <a:t>What Does Penetration Testing Consists of ?</a:t>
+            </a:r>
+            <a:endParaRPr lang="en-US" dirty="0"/>
+          </a:p>
+        </p:txBody>
+      </p:sp>
+      <p:sp>
+        <p:nvSpPr>
+          <p:cNvPr id="5" name="Content Placeholder 4"/>
+          <p:cNvSpPr>
+            <a:spLocks noGrp="1"/>
+          </p:cNvSpPr>
+          <p:nvPr>
+            <p:ph idx="1"/>
+          </p:nvPr>
+        </p:nvSpPr>
+        <p:spPr/>
+        <p:txBody>
+          <a:bodyPr/>
+          <a:lstStyle/>
+          <a:p>
+            <a:r>
+              <a:rPr lang="en-US" dirty="0"/>
+              <a:t>Penetration testing, normally consists </a:t>
+            </a:r>
+            <a:r>
+              <a:rPr lang="en-US" dirty="0" smtClean="0"/>
+              <a:t>of :</a:t>
+            </a:r>
+          </a:p>
+          <a:p>
+            <a:r>
+              <a:rPr lang="en-US" dirty="0" smtClean="0"/>
+              <a:t> </a:t>
+            </a:r>
+            <a:r>
+              <a:rPr lang="en-US" dirty="0"/>
+              <a:t>information </a:t>
+            </a:r>
+            <a:r>
+              <a:rPr lang="en-US" dirty="0" smtClean="0"/>
+              <a:t>gathering</a:t>
+            </a:r>
+          </a:p>
+          <a:p>
+            <a:r>
+              <a:rPr lang="en-US" dirty="0" smtClean="0"/>
+              <a:t> </a:t>
+            </a:r>
+            <a:r>
+              <a:rPr lang="en-US" dirty="0"/>
+              <a:t>vulnerability and risk </a:t>
+            </a:r>
+            <a:r>
+              <a:rPr lang="en-US" dirty="0" smtClean="0"/>
+              <a:t>analysis</a:t>
+            </a:r>
+          </a:p>
+          <a:p>
+            <a:r>
+              <a:rPr lang="en-US" dirty="0" smtClean="0"/>
+              <a:t>vulnerability exploits</a:t>
+            </a:r>
+          </a:p>
+          <a:p>
+            <a:r>
+              <a:rPr lang="en-US" dirty="0" smtClean="0"/>
+              <a:t> </a:t>
+            </a:r>
+            <a:r>
+              <a:rPr lang="en-US" dirty="0"/>
+              <a:t>final report preparation.</a:t>
+            </a:r>
+          </a:p>
+        </p:txBody>
+      </p:sp>
+    </p:spTree>
+    <p:extLst>
+      <p:ext uri="{BB962C8B-B14F-4D97-AF65-F5344CB8AC3E}">
+        <p14:creationId xmlns:p14="http://schemas.microsoft.com/office/powerpoint/2010/main" val="3811555710"/>
+      </p:ext>
+    </p:extLst>
+  </p:cSld>
+  <p:clrMapOvr>
+    <a:masterClrMapping/>
+  </p:clrMapOvr>
+</p:sld>
+</file>
+
+<file path=ppt/slides/slide35.xml><?xml version="1.0" encoding="utf-8"?>
+<p:sld xmlns:a="http://schemas.openxmlformats.org/drawingml/2006/main" xmlns:r="http://schemas.openxmlformats.org/officeDocument/2006/relationships" xmlns:p="http://schemas.openxmlformats.org/presentationml/2006/main">
+  <p:cSld>
+    <p:spTree>
+      <p:nvGrpSpPr>
+        <p:cNvPr id="1" name=""/>
+        <p:cNvGrpSpPr/>
+        <p:nvPr/>
+      </p:nvGrpSpPr>
+      <p:grpSpPr>
+        <a:xfrm>
+          <a:off x="0" y="0"/>
+          <a:ext cx="0" cy="0"/>
+          <a:chOff x="0" y="0"/>
+          <a:chExt cx="0" cy="0"/>
+        </a:xfrm>
+      </p:grpSpPr>
+      <p:sp>
+        <p:nvSpPr>
+          <p:cNvPr id="2" name="Title 1"/>
+          <p:cNvSpPr>
+            <a:spLocks noGrp="1"/>
+          </p:cNvSpPr>
+          <p:nvPr>
+            <p:ph type="title"/>
+          </p:nvPr>
+        </p:nvSpPr>
+        <p:spPr>
+          <a:xfrm>
+            <a:off x="677334" y="139337"/>
+            <a:ext cx="8596668" cy="1166949"/>
+          </a:xfrm>
+        </p:spPr>
+        <p:txBody>
+          <a:bodyPr>
+            <a:normAutofit fontScale="90000"/>
+          </a:bodyPr>
+          <a:lstStyle/>
+          <a:p>
+            <a:r>
+              <a:rPr lang="en-US" dirty="0" smtClean="0"/>
+              <a:t>Penetration Testing Tools</a:t>
+            </a:r>
+            <a:br>
+              <a:rPr lang="en-US" dirty="0" smtClean="0"/>
+            </a:br>
+            <a:endParaRPr lang="en-US" dirty="0"/>
+          </a:p>
+        </p:txBody>
+      </p:sp>
+      <p:sp>
+        <p:nvSpPr>
+          <p:cNvPr id="11" name="Content Placeholder 10"/>
+          <p:cNvSpPr>
+            <a:spLocks noGrp="1"/>
+          </p:cNvSpPr>
+          <p:nvPr>
+            <p:ph idx="1"/>
+          </p:nvPr>
+        </p:nvSpPr>
+        <p:spPr>
+          <a:xfrm>
+            <a:off x="677334" y="1123407"/>
+            <a:ext cx="8596668" cy="5199016"/>
+          </a:xfrm>
+        </p:spPr>
+        <p:txBody>
+          <a:bodyPr>
+            <a:normAutofit/>
+          </a:bodyPr>
+          <a:lstStyle/>
+          <a:p>
+            <a:r>
+              <a:rPr lang="en-US" dirty="0" smtClean="0"/>
+              <a:t>Hping</a:t>
+            </a:r>
+          </a:p>
+          <a:p>
+            <a:r>
+              <a:rPr lang="en-US" dirty="0" smtClean="0"/>
+              <a:t>Nmap</a:t>
+            </a:r>
+          </a:p>
+          <a:p>
+            <a:r>
+              <a:rPr lang="en-US" dirty="0" smtClean="0"/>
+              <a:t>SuperScan</a:t>
+            </a:r>
+          </a:p>
+          <a:p>
+            <a:r>
+              <a:rPr lang="en-US" dirty="0" smtClean="0"/>
+              <a:t>P0f</a:t>
+            </a:r>
+          </a:p>
+          <a:p>
+            <a:r>
+              <a:rPr lang="en-US" dirty="0" smtClean="0"/>
+              <a:t>Xprobe</a:t>
+            </a:r>
+          </a:p>
+          <a:p>
+            <a:r>
+              <a:rPr lang="en-US" dirty="0" smtClean="0"/>
+              <a:t>Httprint</a:t>
+            </a:r>
+          </a:p>
+          <a:p>
+            <a:r>
+              <a:rPr lang="en-US" dirty="0" smtClean="0"/>
+              <a:t>Nessus</a:t>
+            </a:r>
+          </a:p>
+          <a:p>
+            <a:r>
+              <a:rPr lang="en-US" dirty="0"/>
+              <a:t>GFI </a:t>
+            </a:r>
+            <a:r>
+              <a:rPr lang="en-US" dirty="0" smtClean="0"/>
+              <a:t>LANguard</a:t>
+            </a:r>
+          </a:p>
+          <a:p>
+            <a:r>
+              <a:rPr lang="en-US" dirty="0" err="1"/>
+              <a:t>Iss</a:t>
+            </a:r>
+            <a:r>
+              <a:rPr lang="en-US" dirty="0"/>
+              <a:t> </a:t>
+            </a:r>
+            <a:r>
+              <a:rPr lang="en-US" dirty="0" smtClean="0"/>
+              <a:t>Scanner</a:t>
+            </a:r>
+          </a:p>
+          <a:p>
+            <a:r>
+              <a:rPr lang="en-US" dirty="0"/>
+              <a:t>Shadow Security </a:t>
+            </a:r>
+            <a:r>
+              <a:rPr lang="en-US" dirty="0" smtClean="0"/>
+              <a:t>Scanner</a:t>
+            </a:r>
+          </a:p>
+          <a:p>
+            <a:r>
+              <a:rPr lang="en-US" dirty="0"/>
+              <a:t>Metasploit </a:t>
+            </a:r>
+            <a:r>
+              <a:rPr lang="en-US" dirty="0" smtClean="0"/>
+              <a:t>Framework</a:t>
+            </a:r>
+          </a:p>
+          <a:p>
+            <a:r>
+              <a:rPr lang="en-US" dirty="0"/>
+              <a:t>Brutus</a:t>
+            </a:r>
+          </a:p>
+        </p:txBody>
+      </p:sp>
+    </p:spTree>
+    <p:extLst>
+      <p:ext uri="{BB962C8B-B14F-4D97-AF65-F5344CB8AC3E}">
+        <p14:creationId xmlns:p14="http://schemas.microsoft.com/office/powerpoint/2010/main" val="1383468466"/>
+      </p:ext>
+    </p:extLst>
+  </p:cSld>
+  <p:clrMapOvr>
+    <a:masterClrMapping/>
+  </p:clrMapOvr>
+</p:sld>
+</file>
+
+<file path=ppt/slides/slide36.xml><?xml version="1.0" encoding="utf-8"?>
+<p:sld xmlns:a="http://schemas.openxmlformats.org/drawingml/2006/main" xmlns:r="http://schemas.openxmlformats.org/officeDocument/2006/relationships" xmlns:p="http://schemas.openxmlformats.org/presentationml/2006/main">
+  <p:cSld>
+    <p:spTree>
+      <p:nvGrpSpPr>
+        <p:cNvPr id="1" name=""/>
+        <p:cNvGrpSpPr/>
+        <p:nvPr/>
+      </p:nvGrpSpPr>
+      <p:grpSpPr>
+        <a:xfrm>
+          <a:off x="0" y="0"/>
+          <a:ext cx="0" cy="0"/>
+          <a:chOff x="0" y="0"/>
+          <a:chExt cx="0" cy="0"/>
+        </a:xfrm>
+      </p:grpSpPr>
+      <p:sp>
+        <p:nvSpPr>
+          <p:cNvPr id="2" name="Title 1"/>
+          <p:cNvSpPr>
+            <a:spLocks noGrp="1"/>
+          </p:cNvSpPr>
+          <p:nvPr>
+            <p:ph type="title"/>
+          </p:nvPr>
+        </p:nvSpPr>
+        <p:spPr>
+          <a:xfrm>
+            <a:off x="677334" y="609600"/>
+            <a:ext cx="7630643" cy="1236617"/>
+          </a:xfrm>
+        </p:spPr>
+        <p:txBody>
+          <a:bodyPr/>
+          <a:lstStyle/>
+          <a:p>
+            <a:r>
+              <a:rPr lang="en-US" dirty="0" smtClean="0"/>
+              <a:t>Hping :</a:t>
+            </a:r>
+            <a:r>
+              <a:rPr lang="en-US" dirty="0"/>
+              <a:t/>
+            </a:r>
+            <a:br>
+              <a:rPr lang="en-US" dirty="0"/>
+            </a:br>
+            <a:endParaRPr lang="en-US" dirty="0"/>
+          </a:p>
+        </p:txBody>
+      </p:sp>
+      <p:sp>
+        <p:nvSpPr>
+          <p:cNvPr id="3" name="Content Placeholder 2"/>
+          <p:cNvSpPr>
+            <a:spLocks noGrp="1"/>
+          </p:cNvSpPr>
+          <p:nvPr>
+            <p:ph idx="1"/>
+          </p:nvPr>
+        </p:nvSpPr>
+        <p:spPr>
+          <a:xfrm>
+            <a:off x="677334" y="2160589"/>
+            <a:ext cx="8596668" cy="3534817"/>
+          </a:xfrm>
+        </p:spPr>
+        <p:txBody>
+          <a:bodyPr/>
+          <a:lstStyle/>
+          <a:p>
+            <a:r>
+              <a:rPr lang="en-US" b="1" dirty="0" smtClean="0"/>
+              <a:t>Purpose :</a:t>
+            </a:r>
+          </a:p>
+          <a:p>
+            <a:r>
+              <a:rPr lang="en-US" b="1" dirty="0" smtClean="0"/>
+              <a:t> </a:t>
+            </a:r>
+            <a:r>
+              <a:rPr lang="en-US" dirty="0"/>
+              <a:t>Port </a:t>
+            </a:r>
+            <a:r>
+              <a:rPr lang="en-US" dirty="0" smtClean="0"/>
+              <a:t>Scanning </a:t>
+            </a:r>
+          </a:p>
+          <a:p>
+            <a:r>
+              <a:rPr lang="en-US" dirty="0" smtClean="0"/>
+              <a:t> Remote </a:t>
+            </a:r>
+            <a:r>
+              <a:rPr lang="en-US" dirty="0"/>
+              <a:t>OC </a:t>
+            </a:r>
+            <a:r>
+              <a:rPr lang="en-US" dirty="0" smtClean="0"/>
+              <a:t>fingerprinting</a:t>
+            </a:r>
+          </a:p>
+          <a:p>
+            <a:endParaRPr lang="en-US" dirty="0"/>
+          </a:p>
+          <a:p>
+            <a:r>
+              <a:rPr lang="en-US" b="1" dirty="0" smtClean="0"/>
+              <a:t>Portability : </a:t>
+            </a:r>
+          </a:p>
+          <a:p>
+            <a:r>
+              <a:rPr lang="en-US" dirty="0" smtClean="0"/>
+              <a:t>Linux</a:t>
+            </a:r>
+            <a:r>
+              <a:rPr lang="en-US" dirty="0"/>
+              <a:t>, </a:t>
+            </a:r>
+            <a:r>
+              <a:rPr lang="en-US" dirty="0" smtClean="0"/>
+              <a:t>NetBSD,FreeBSD,OpenBSD</a:t>
+            </a:r>
+            <a:r>
+              <a:rPr lang="en-US" dirty="0"/>
+              <a:t>,</a:t>
+            </a:r>
+          </a:p>
+          <a:p>
+            <a:endParaRPr lang="en-US" dirty="0"/>
+          </a:p>
+          <a:p>
+            <a:endParaRPr lang="en-US" dirty="0"/>
+          </a:p>
+        </p:txBody>
+      </p:sp>
+    </p:spTree>
+    <p:extLst>
+      <p:ext uri="{BB962C8B-B14F-4D97-AF65-F5344CB8AC3E}">
+        <p14:creationId xmlns:p14="http://schemas.microsoft.com/office/powerpoint/2010/main" val="3048211663"/>
+      </p:ext>
+    </p:extLst>
+  </p:cSld>
+  <p:clrMapOvr>
+    <a:masterClrMapping/>
+  </p:clrMapOvr>
+</p:sld>
+</file>
+
+<file path=ppt/slides/slide37.xml><?xml version="1.0" encoding="utf-8"?>
+<p:sld xmlns:a="http://schemas.openxmlformats.org/drawingml/2006/main" xmlns:r="http://schemas.openxmlformats.org/officeDocument/2006/relationships" xmlns:p="http://schemas.openxmlformats.org/presentationml/2006/main">
+  <p:cSld>
+    <p:spTree>
+      <p:nvGrpSpPr>
+        <p:cNvPr id="1" name=""/>
+        <p:cNvGrpSpPr/>
+        <p:nvPr/>
+      </p:nvGrpSpPr>
+      <p:grpSpPr>
+        <a:xfrm>
+          <a:off x="0" y="0"/>
+          <a:ext cx="0" cy="0"/>
+          <a:chOff x="0" y="0"/>
+          <a:chExt cx="0" cy="0"/>
+        </a:xfrm>
+      </p:grpSpPr>
+      <p:sp>
+        <p:nvSpPr>
+          <p:cNvPr id="2" name="Title 1"/>
+          <p:cNvSpPr>
+            <a:spLocks noGrp="1"/>
+          </p:cNvSpPr>
+          <p:nvPr>
+            <p:ph type="title"/>
+          </p:nvPr>
+        </p:nvSpPr>
+        <p:spPr/>
+        <p:txBody>
+          <a:bodyPr/>
+          <a:lstStyle/>
+          <a:p>
+            <a:r>
+              <a:rPr lang="en-US" dirty="0" smtClean="0"/>
+              <a:t>Nmap :</a:t>
+            </a:r>
+            <a:endParaRPr lang="en-US" dirty="0"/>
+          </a:p>
+        </p:txBody>
+      </p:sp>
+      <p:sp>
+        <p:nvSpPr>
+          <p:cNvPr id="3" name="Content Placeholder 2"/>
+          <p:cNvSpPr>
+            <a:spLocks noGrp="1"/>
+          </p:cNvSpPr>
+          <p:nvPr>
+            <p:ph idx="1"/>
+          </p:nvPr>
+        </p:nvSpPr>
+        <p:spPr>
+          <a:xfrm>
+            <a:off x="677334" y="2160590"/>
+            <a:ext cx="8596668" cy="4336004"/>
+          </a:xfrm>
+        </p:spPr>
+        <p:txBody>
+          <a:bodyPr>
+            <a:normAutofit/>
+          </a:bodyPr>
+          <a:lstStyle/>
+          <a:p>
+            <a:r>
+              <a:rPr lang="en-US" b="1" dirty="0" smtClean="0"/>
+              <a:t>Purpose : </a:t>
+            </a:r>
+          </a:p>
+          <a:p>
+            <a:r>
+              <a:rPr lang="en-US" dirty="0" smtClean="0"/>
+              <a:t>Network Scanning </a:t>
+            </a:r>
+          </a:p>
+          <a:p>
+            <a:r>
+              <a:rPr lang="en-US" dirty="0" smtClean="0"/>
+              <a:t>Port Scanning </a:t>
+            </a:r>
+          </a:p>
+          <a:p>
+            <a:r>
+              <a:rPr lang="en-US" dirty="0" smtClean="0"/>
+              <a:t>OS </a:t>
+            </a:r>
+            <a:r>
+              <a:rPr lang="en-US" dirty="0"/>
+              <a:t>Detection</a:t>
+            </a:r>
+          </a:p>
+          <a:p>
+            <a:endParaRPr lang="en-US" dirty="0" smtClean="0"/>
+          </a:p>
+          <a:p>
+            <a:r>
+              <a:rPr lang="en-US" b="1" dirty="0"/>
+              <a:t>Portability </a:t>
+            </a:r>
+            <a:r>
+              <a:rPr lang="en-US" b="1" dirty="0" smtClean="0"/>
+              <a:t>:</a:t>
+            </a:r>
+          </a:p>
+          <a:p>
+            <a:r>
+              <a:rPr lang="en-US" b="1" dirty="0" smtClean="0"/>
+              <a:t> </a:t>
+            </a:r>
+            <a:r>
+              <a:rPr lang="en-US" dirty="0"/>
+              <a:t>Linux, Windows, FreeBSD, OS X, HP-UX, </a:t>
+            </a:r>
+            <a:r>
+              <a:rPr lang="en-US" dirty="0" err="1"/>
+              <a:t>NetBSD</a:t>
+            </a:r>
+            <a:r>
+              <a:rPr lang="en-US" dirty="0"/>
+              <a:t>, Sun, </a:t>
+            </a:r>
+            <a:r>
+              <a:rPr lang="en-US" dirty="0" err="1"/>
+              <a:t>OpenBSD</a:t>
+            </a:r>
+            <a:r>
+              <a:rPr lang="en-US" dirty="0"/>
+              <a:t>, Solaris, IRIX, Mac, etc.</a:t>
+            </a:r>
+            <a:endParaRPr lang="en-US" dirty="0"/>
+          </a:p>
+        </p:txBody>
+      </p:sp>
+    </p:spTree>
+    <p:extLst>
+      <p:ext uri="{BB962C8B-B14F-4D97-AF65-F5344CB8AC3E}">
+        <p14:creationId xmlns:p14="http://schemas.microsoft.com/office/powerpoint/2010/main" val="133964744"/>
+      </p:ext>
+    </p:extLst>
+  </p:cSld>
+  <p:clrMapOvr>
+    <a:masterClrMapping/>
+  </p:clrMapOvr>
+</p:sld>
+</file>
+
+<file path=ppt/slides/slide38.xml><?xml version="1.0" encoding="utf-8"?>
+<p:sld xmlns:a="http://schemas.openxmlformats.org/drawingml/2006/main" xmlns:r="http://schemas.openxmlformats.org/officeDocument/2006/relationships" xmlns:p="http://schemas.openxmlformats.org/presentationml/2006/main">
+  <p:cSld>
+    <p:spTree>
+      <p:nvGrpSpPr>
+        <p:cNvPr id="1" name=""/>
+        <p:cNvGrpSpPr/>
+        <p:nvPr/>
+      </p:nvGrpSpPr>
+      <p:grpSpPr>
+        <a:xfrm>
+          <a:off x="0" y="0"/>
+          <a:ext cx="0" cy="0"/>
+          <a:chOff x="0" y="0"/>
+          <a:chExt cx="0" cy="0"/>
+        </a:xfrm>
+      </p:grpSpPr>
+      <p:sp>
+        <p:nvSpPr>
+          <p:cNvPr id="2" name="Title 1"/>
+          <p:cNvSpPr>
+            <a:spLocks noGrp="1"/>
+          </p:cNvSpPr>
+          <p:nvPr>
+            <p:ph type="title"/>
+          </p:nvPr>
+        </p:nvSpPr>
+        <p:spPr/>
+        <p:txBody>
+          <a:bodyPr/>
+          <a:lstStyle/>
+          <a:p>
+            <a:r>
+              <a:rPr lang="en-US" dirty="0" smtClean="0"/>
+              <a:t>SuperScan :</a:t>
+            </a:r>
+            <a:endParaRPr lang="en-US" dirty="0"/>
+          </a:p>
+        </p:txBody>
+      </p:sp>
+      <p:sp>
+        <p:nvSpPr>
+          <p:cNvPr id="3" name="Content Placeholder 2"/>
+          <p:cNvSpPr>
+            <a:spLocks noGrp="1"/>
+          </p:cNvSpPr>
+          <p:nvPr>
+            <p:ph idx="1"/>
+          </p:nvPr>
+        </p:nvSpPr>
+        <p:spPr/>
+        <p:txBody>
+          <a:bodyPr/>
+          <a:lstStyle/>
+          <a:p>
+            <a:r>
+              <a:rPr lang="en-US" b="1" dirty="0" smtClean="0"/>
+              <a:t>Purpose  : </a:t>
+            </a:r>
+            <a:r>
+              <a:rPr lang="en-US" dirty="0"/>
+              <a:t>Runs queries including ping, </a:t>
+            </a:r>
+            <a:r>
+              <a:rPr lang="en-US" dirty="0" err="1"/>
+              <a:t>whois</a:t>
+            </a:r>
+            <a:r>
+              <a:rPr lang="en-US" dirty="0"/>
+              <a:t>, hostname lookups, etc.</a:t>
+            </a:r>
+          </a:p>
+          <a:p>
+            <a:r>
+              <a:rPr lang="en-US" dirty="0"/>
+              <a:t>Detects open UDP/TCP ports and determines which services are running on those ports.</a:t>
+            </a:r>
+          </a:p>
+          <a:p>
+            <a:endParaRPr lang="en-US" dirty="0" smtClean="0"/>
+          </a:p>
+          <a:p>
+            <a:r>
+              <a:rPr lang="en-US" b="1" dirty="0" smtClean="0"/>
+              <a:t>Portability :</a:t>
+            </a:r>
+            <a:endParaRPr lang="en-US" dirty="0"/>
+          </a:p>
+        </p:txBody>
+      </p:sp>
+    </p:spTree>
+    <p:extLst>
+      <p:ext uri="{BB962C8B-B14F-4D97-AF65-F5344CB8AC3E}">
+        <p14:creationId xmlns:p14="http://schemas.microsoft.com/office/powerpoint/2010/main" val="631772641"/>
+      </p:ext>
+    </p:extLst>
+  </p:cSld>
+  <p:clrMapOvr>
+    <a:masterClrMapping/>
+  </p:clrMapOvr>
+</p:sld>
+</file>
+
+<file path=ppt/slides/slide39.xml><?xml version="1.0" encoding="utf-8"?>
+<p:sld xmlns:a="http://schemas.openxmlformats.org/drawingml/2006/main" xmlns:r="http://schemas.openxmlformats.org/officeDocument/2006/relationships" xmlns:p="http://schemas.openxmlformats.org/presentationml/2006/main">
+  <p:cSld>
+    <p:spTree>
+      <p:nvGrpSpPr>
+        <p:cNvPr id="1" name=""/>
+        <p:cNvGrpSpPr/>
+        <p:nvPr/>
+      </p:nvGrpSpPr>
+      <p:grpSpPr>
+        <a:xfrm>
+          <a:off x="0" y="0"/>
+          <a:ext cx="0" cy="0"/>
+          <a:chOff x="0" y="0"/>
+          <a:chExt cx="0" cy="0"/>
+        </a:xfrm>
+      </p:grpSpPr>
+      <p:sp>
+        <p:nvSpPr>
+          <p:cNvPr id="2" name="Title 1"/>
+          <p:cNvSpPr>
+            <a:spLocks noGrp="1"/>
+          </p:cNvSpPr>
+          <p:nvPr>
+            <p:ph type="title"/>
+          </p:nvPr>
+        </p:nvSpPr>
+        <p:spPr/>
+        <p:txBody>
+          <a:bodyPr/>
+          <a:lstStyle/>
+          <a:p>
+            <a:r>
+              <a:rPr lang="en-US" dirty="0"/>
+              <a:t>p0f</a:t>
+            </a:r>
+            <a:endParaRPr lang="en-US" dirty="0"/>
+          </a:p>
+        </p:txBody>
+      </p:sp>
+      <p:sp>
+        <p:nvSpPr>
+          <p:cNvPr id="3" name="Content Placeholder 2"/>
+          <p:cNvSpPr>
+            <a:spLocks noGrp="1"/>
+          </p:cNvSpPr>
+          <p:nvPr>
+            <p:ph idx="1"/>
+          </p:nvPr>
+        </p:nvSpPr>
+        <p:spPr/>
+        <p:txBody>
+          <a:bodyPr/>
+          <a:lstStyle/>
+          <a:p>
+            <a:r>
+              <a:rPr lang="en-US" b="1" dirty="0" smtClean="0"/>
+              <a:t>Purpose : </a:t>
+            </a:r>
+          </a:p>
+          <a:p>
+            <a:r>
+              <a:rPr lang="en-US" dirty="0" smtClean="0"/>
+              <a:t>OS </a:t>
+            </a:r>
+            <a:r>
+              <a:rPr lang="en-US" dirty="0"/>
+              <a:t>fingerprinting</a:t>
+            </a:r>
+          </a:p>
+          <a:p>
+            <a:r>
+              <a:rPr lang="en-US" dirty="0"/>
+              <a:t>Firewall detection</a:t>
+            </a:r>
+          </a:p>
+          <a:p>
+            <a:endParaRPr lang="en-US" dirty="0" smtClean="0"/>
+          </a:p>
+          <a:p>
+            <a:r>
+              <a:rPr lang="en-US" b="1" dirty="0" smtClean="0"/>
+              <a:t>Portability :</a:t>
+            </a:r>
+          </a:p>
+          <a:p>
+            <a:r>
+              <a:rPr lang="en-US" dirty="0"/>
+              <a:t>Linux, FreeBSD, </a:t>
+            </a:r>
+            <a:r>
+              <a:rPr lang="en-US" dirty="0" err="1"/>
+              <a:t>NetBSD</a:t>
+            </a:r>
+            <a:r>
+              <a:rPr lang="en-US" dirty="0"/>
+              <a:t>, </a:t>
+            </a:r>
+            <a:r>
+              <a:rPr lang="en-US" dirty="0" err="1"/>
+              <a:t>OpenBSD</a:t>
+            </a:r>
+            <a:r>
+              <a:rPr lang="en-US" dirty="0"/>
+              <a:t>, Mac OS X, Solaris, Windows, and AIX</a:t>
+            </a:r>
+            <a:endParaRPr lang="en-US" dirty="0" smtClean="0"/>
+          </a:p>
+          <a:p>
+            <a:endParaRPr lang="en-US" dirty="0"/>
+          </a:p>
+        </p:txBody>
+      </p:sp>
+    </p:spTree>
+    <p:extLst>
+      <p:ext uri="{BB962C8B-B14F-4D97-AF65-F5344CB8AC3E}">
+        <p14:creationId xmlns:p14="http://schemas.microsoft.com/office/powerpoint/2010/main" val="2574460072"/>
+      </p:ext>
+    </p:extLst>
+  </p:cSld>
+  <p:clrMapOvr>
+    <a:masterClrMapping/>
+  </p:clrMapOvr>
 </p:sld>
 </file>
 
@@ -7559,6 +10460,1212 @@
     <p:extLst>
       <p:ext uri="{BB962C8B-B14F-4D97-AF65-F5344CB8AC3E}">
         <p14:creationId xmlns:p14="http://schemas.microsoft.com/office/powerpoint/2010/main" val="3613376715"/>
+      </p:ext>
+    </p:extLst>
+  </p:cSld>
+  <p:clrMapOvr>
+    <a:masterClrMapping/>
+  </p:clrMapOvr>
+  <p:timing>
+    <p:tnLst>
+      <p:par>
+        <p:cTn id="1" dur="indefinite" restart="never" nodeType="tmRoot"/>
+      </p:par>
+    </p:tnLst>
+  </p:timing>
+</p:sld>
+</file>
+
+<file path=ppt/slides/slide40.xml><?xml version="1.0" encoding="utf-8"?>
+<p:sld xmlns:a="http://schemas.openxmlformats.org/drawingml/2006/main" xmlns:r="http://schemas.openxmlformats.org/officeDocument/2006/relationships" xmlns:p="http://schemas.openxmlformats.org/presentationml/2006/main">
+  <p:cSld>
+    <p:spTree>
+      <p:nvGrpSpPr>
+        <p:cNvPr id="1" name=""/>
+        <p:cNvGrpSpPr/>
+        <p:nvPr/>
+      </p:nvGrpSpPr>
+      <p:grpSpPr>
+        <a:xfrm>
+          <a:off x="0" y="0"/>
+          <a:ext cx="0" cy="0"/>
+          <a:chOff x="0" y="0"/>
+          <a:chExt cx="0" cy="0"/>
+        </a:xfrm>
+      </p:grpSpPr>
+      <p:sp>
+        <p:nvSpPr>
+          <p:cNvPr id="2" name="Title 1"/>
+          <p:cNvSpPr>
+            <a:spLocks noGrp="1"/>
+          </p:cNvSpPr>
+          <p:nvPr>
+            <p:ph type="title"/>
+          </p:nvPr>
+        </p:nvSpPr>
+        <p:spPr/>
+        <p:txBody>
+          <a:bodyPr/>
+          <a:lstStyle/>
+          <a:p>
+            <a:r>
+              <a:rPr lang="en-US" dirty="0" smtClean="0"/>
+              <a:t>Xprobe :</a:t>
+            </a:r>
+            <a:endParaRPr lang="en-US" dirty="0"/>
+          </a:p>
+        </p:txBody>
+      </p:sp>
+      <p:sp>
+        <p:nvSpPr>
+          <p:cNvPr id="3" name="Content Placeholder 2"/>
+          <p:cNvSpPr>
+            <a:spLocks noGrp="1"/>
+          </p:cNvSpPr>
+          <p:nvPr>
+            <p:ph idx="1"/>
+          </p:nvPr>
+        </p:nvSpPr>
+        <p:spPr/>
+        <p:txBody>
+          <a:bodyPr/>
+          <a:lstStyle/>
+          <a:p>
+            <a:r>
+              <a:rPr lang="en-US" b="1" dirty="0" smtClean="0"/>
+              <a:t>Purpose:</a:t>
+            </a:r>
+          </a:p>
+          <a:p>
+            <a:r>
+              <a:rPr lang="en-US" dirty="0" smtClean="0"/>
+              <a:t>Remote </a:t>
+            </a:r>
+            <a:r>
+              <a:rPr lang="en-US" dirty="0"/>
+              <a:t>active OS fingerprinting</a:t>
+            </a:r>
+          </a:p>
+          <a:p>
+            <a:r>
+              <a:rPr lang="en-US" dirty="0"/>
+              <a:t>Port Scanning</a:t>
+            </a:r>
+          </a:p>
+          <a:p>
+            <a:r>
+              <a:rPr lang="en-US" dirty="0"/>
+              <a:t>TCP fingerprinting</a:t>
+            </a:r>
+          </a:p>
+          <a:p>
+            <a:endParaRPr lang="en-US" dirty="0" smtClean="0"/>
+          </a:p>
+          <a:p>
+            <a:r>
+              <a:rPr lang="en-US" b="1" dirty="0" smtClean="0"/>
+              <a:t>Portability :</a:t>
+            </a:r>
+          </a:p>
+          <a:p>
+            <a:r>
+              <a:rPr lang="en-US" dirty="0"/>
+              <a:t>Linux</a:t>
+            </a:r>
+            <a:endParaRPr lang="en-US" dirty="0"/>
+          </a:p>
+        </p:txBody>
+      </p:sp>
+    </p:spTree>
+    <p:extLst>
+      <p:ext uri="{BB962C8B-B14F-4D97-AF65-F5344CB8AC3E}">
+        <p14:creationId xmlns:p14="http://schemas.microsoft.com/office/powerpoint/2010/main" val="126330876"/>
+      </p:ext>
+    </p:extLst>
+  </p:cSld>
+  <p:clrMapOvr>
+    <a:masterClrMapping/>
+  </p:clrMapOvr>
+</p:sld>
+</file>
+
+<file path=ppt/slides/slide41.xml><?xml version="1.0" encoding="utf-8"?>
+<p:sld xmlns:a="http://schemas.openxmlformats.org/drawingml/2006/main" xmlns:r="http://schemas.openxmlformats.org/officeDocument/2006/relationships" xmlns:p="http://schemas.openxmlformats.org/presentationml/2006/main">
+  <p:cSld>
+    <p:spTree>
+      <p:nvGrpSpPr>
+        <p:cNvPr id="1" name=""/>
+        <p:cNvGrpSpPr/>
+        <p:nvPr/>
+      </p:nvGrpSpPr>
+      <p:grpSpPr>
+        <a:xfrm>
+          <a:off x="0" y="0"/>
+          <a:ext cx="0" cy="0"/>
+          <a:chOff x="0" y="0"/>
+          <a:chExt cx="0" cy="0"/>
+        </a:xfrm>
+      </p:grpSpPr>
+      <p:sp>
+        <p:nvSpPr>
+          <p:cNvPr id="2" name="Title 1"/>
+          <p:cNvSpPr>
+            <a:spLocks noGrp="1"/>
+          </p:cNvSpPr>
+          <p:nvPr>
+            <p:ph type="title"/>
+          </p:nvPr>
+        </p:nvSpPr>
+        <p:spPr/>
+        <p:txBody>
+          <a:bodyPr/>
+          <a:lstStyle/>
+          <a:p>
+            <a:r>
+              <a:rPr lang="en-US" dirty="0"/>
+              <a:t>Httprint</a:t>
+            </a:r>
+            <a:endParaRPr lang="en-US" dirty="0"/>
+          </a:p>
+        </p:txBody>
+      </p:sp>
+      <p:sp>
+        <p:nvSpPr>
+          <p:cNvPr id="3" name="Content Placeholder 2"/>
+          <p:cNvSpPr>
+            <a:spLocks noGrp="1"/>
+          </p:cNvSpPr>
+          <p:nvPr>
+            <p:ph idx="1"/>
+          </p:nvPr>
+        </p:nvSpPr>
+        <p:spPr/>
+        <p:txBody>
+          <a:bodyPr/>
+          <a:lstStyle/>
+          <a:p>
+            <a:r>
+              <a:rPr lang="en-US" b="1" dirty="0" smtClean="0"/>
+              <a:t>Purpose :</a:t>
+            </a:r>
+          </a:p>
+          <a:p>
+            <a:r>
+              <a:rPr lang="en-US" dirty="0"/>
+              <a:t>Web server fingerprinting SSL detection</a:t>
+            </a:r>
+          </a:p>
+          <a:p>
+            <a:r>
+              <a:rPr lang="en-US" dirty="0"/>
+              <a:t>Detect web enabled devices (e.g., wireless access points, switches, modems, routers)</a:t>
+            </a:r>
+          </a:p>
+          <a:p>
+            <a:endParaRPr lang="en-US" dirty="0" smtClean="0"/>
+          </a:p>
+          <a:p>
+            <a:r>
+              <a:rPr lang="en-US" b="1" dirty="0" smtClean="0"/>
+              <a:t>Portability :</a:t>
+            </a:r>
+          </a:p>
+          <a:p>
+            <a:r>
+              <a:rPr lang="en-US" dirty="0"/>
+              <a:t>Linux, Mac OS X, FreeBSD, Win32 (command line &amp; GUI</a:t>
+            </a:r>
+            <a:endParaRPr lang="en-US" b="1" dirty="0"/>
+          </a:p>
+        </p:txBody>
+      </p:sp>
+    </p:spTree>
+    <p:extLst>
+      <p:ext uri="{BB962C8B-B14F-4D97-AF65-F5344CB8AC3E}">
+        <p14:creationId xmlns:p14="http://schemas.microsoft.com/office/powerpoint/2010/main" val="3949186307"/>
+      </p:ext>
+    </p:extLst>
+  </p:cSld>
+  <p:clrMapOvr>
+    <a:masterClrMapping/>
+  </p:clrMapOvr>
+</p:sld>
+</file>
+
+<file path=ppt/slides/slide42.xml><?xml version="1.0" encoding="utf-8"?>
+<p:sld xmlns:a="http://schemas.openxmlformats.org/drawingml/2006/main" xmlns:r="http://schemas.openxmlformats.org/officeDocument/2006/relationships" xmlns:p="http://schemas.openxmlformats.org/presentationml/2006/main">
+  <p:cSld>
+    <p:spTree>
+      <p:nvGrpSpPr>
+        <p:cNvPr id="1" name=""/>
+        <p:cNvGrpSpPr/>
+        <p:nvPr/>
+      </p:nvGrpSpPr>
+      <p:grpSpPr>
+        <a:xfrm>
+          <a:off x="0" y="0"/>
+          <a:ext cx="0" cy="0"/>
+          <a:chOff x="0" y="0"/>
+          <a:chExt cx="0" cy="0"/>
+        </a:xfrm>
+      </p:grpSpPr>
+      <p:sp>
+        <p:nvSpPr>
+          <p:cNvPr id="2" name="Title 1"/>
+          <p:cNvSpPr>
+            <a:spLocks noGrp="1"/>
+          </p:cNvSpPr>
+          <p:nvPr>
+            <p:ph type="title"/>
+          </p:nvPr>
+        </p:nvSpPr>
+        <p:spPr/>
+        <p:txBody>
+          <a:bodyPr/>
+          <a:lstStyle/>
+          <a:p>
+            <a:r>
+              <a:rPr lang="en-US" dirty="0"/>
+              <a:t>Nessus</a:t>
+            </a:r>
+            <a:endParaRPr lang="en-US" dirty="0"/>
+          </a:p>
+        </p:txBody>
+      </p:sp>
+      <p:sp>
+        <p:nvSpPr>
+          <p:cNvPr id="3" name="Content Placeholder 2"/>
+          <p:cNvSpPr>
+            <a:spLocks noGrp="1"/>
+          </p:cNvSpPr>
+          <p:nvPr>
+            <p:ph idx="1"/>
+          </p:nvPr>
+        </p:nvSpPr>
+        <p:spPr/>
+        <p:txBody>
+          <a:bodyPr/>
+          <a:lstStyle/>
+          <a:p>
+            <a:r>
+              <a:rPr lang="en-US" b="1" dirty="0" smtClean="0"/>
+              <a:t>Purpose:</a:t>
+            </a:r>
+          </a:p>
+          <a:p>
+            <a:r>
+              <a:rPr lang="en-US" dirty="0" smtClean="0"/>
+              <a:t>Detect </a:t>
+            </a:r>
+            <a:r>
+              <a:rPr lang="en-US" dirty="0"/>
+              <a:t>vulnerabilities that allow remote cracker to control/access sensitive </a:t>
+            </a:r>
+            <a:r>
+              <a:rPr lang="en-US" dirty="0" smtClean="0"/>
+              <a:t>data</a:t>
+            </a:r>
+          </a:p>
+          <a:p>
+            <a:endParaRPr lang="en-US" dirty="0"/>
+          </a:p>
+          <a:p>
+            <a:r>
+              <a:rPr lang="en-US" b="1" dirty="0" smtClean="0"/>
+              <a:t>Portability:</a:t>
+            </a:r>
+          </a:p>
+          <a:p>
+            <a:r>
+              <a:rPr lang="en-US" dirty="0"/>
+              <a:t>Mac OS X, Linux, FreeBSD, Apple, Oracle Solaris, Windows</a:t>
+            </a:r>
+            <a:endParaRPr lang="en-US" b="1" dirty="0"/>
+          </a:p>
+        </p:txBody>
+      </p:sp>
+    </p:spTree>
+    <p:extLst>
+      <p:ext uri="{BB962C8B-B14F-4D97-AF65-F5344CB8AC3E}">
+        <p14:creationId xmlns:p14="http://schemas.microsoft.com/office/powerpoint/2010/main" val="2688095572"/>
+      </p:ext>
+    </p:extLst>
+  </p:cSld>
+  <p:clrMapOvr>
+    <a:masterClrMapping/>
+  </p:clrMapOvr>
+</p:sld>
+</file>
+
+<file path=ppt/slides/slide43.xml><?xml version="1.0" encoding="utf-8"?>
+<p:sld xmlns:a="http://schemas.openxmlformats.org/drawingml/2006/main" xmlns:r="http://schemas.openxmlformats.org/officeDocument/2006/relationships" xmlns:p="http://schemas.openxmlformats.org/presentationml/2006/main">
+  <p:cSld>
+    <p:spTree>
+      <p:nvGrpSpPr>
+        <p:cNvPr id="1" name=""/>
+        <p:cNvGrpSpPr/>
+        <p:nvPr/>
+      </p:nvGrpSpPr>
+      <p:grpSpPr>
+        <a:xfrm>
+          <a:off x="0" y="0"/>
+          <a:ext cx="0" cy="0"/>
+          <a:chOff x="0" y="0"/>
+          <a:chExt cx="0" cy="0"/>
+        </a:xfrm>
+      </p:grpSpPr>
+      <p:sp>
+        <p:nvSpPr>
+          <p:cNvPr id="2" name="Title 1"/>
+          <p:cNvSpPr>
+            <a:spLocks noGrp="1"/>
+          </p:cNvSpPr>
+          <p:nvPr>
+            <p:ph type="title"/>
+          </p:nvPr>
+        </p:nvSpPr>
+        <p:spPr/>
+        <p:txBody>
+          <a:bodyPr/>
+          <a:lstStyle/>
+          <a:p>
+            <a:r>
+              <a:rPr lang="en-US" dirty="0"/>
+              <a:t>GFI </a:t>
+            </a:r>
+            <a:r>
+              <a:rPr lang="en-US" dirty="0" smtClean="0"/>
+              <a:t>LANguard :</a:t>
+            </a:r>
+            <a:endParaRPr lang="en-US" dirty="0"/>
+          </a:p>
+        </p:txBody>
+      </p:sp>
+      <p:sp>
+        <p:nvSpPr>
+          <p:cNvPr id="3" name="Content Placeholder 2"/>
+          <p:cNvSpPr>
+            <a:spLocks noGrp="1"/>
+          </p:cNvSpPr>
+          <p:nvPr>
+            <p:ph idx="1"/>
+          </p:nvPr>
+        </p:nvSpPr>
+        <p:spPr/>
+        <p:txBody>
+          <a:bodyPr/>
+          <a:lstStyle/>
+          <a:p>
+            <a:r>
+              <a:rPr lang="en-US" b="1" dirty="0" smtClean="0"/>
+              <a:t>Purpose :</a:t>
+            </a:r>
+          </a:p>
+          <a:p>
+            <a:r>
+              <a:rPr lang="en-US" dirty="0" smtClean="0"/>
+              <a:t>Detect </a:t>
+            </a:r>
+            <a:r>
+              <a:rPr lang="en-US" dirty="0"/>
+              <a:t>network </a:t>
+            </a:r>
+            <a:r>
+              <a:rPr lang="en-US" dirty="0" smtClean="0"/>
+              <a:t>vulnerabilities</a:t>
+            </a:r>
+          </a:p>
+          <a:p>
+            <a:endParaRPr lang="en-US" dirty="0"/>
+          </a:p>
+          <a:p>
+            <a:r>
+              <a:rPr lang="en-US" b="1" dirty="0" smtClean="0"/>
+              <a:t>Portability:</a:t>
+            </a:r>
+          </a:p>
+          <a:p>
+            <a:r>
+              <a:rPr lang="en-US" dirty="0"/>
+              <a:t>Windows Server 2003/2008, Windows 7 Ultimate/ Vista, Windows 2000 Professional, Business/XP, Sever 2000/2003/2008</a:t>
+            </a:r>
+            <a:endParaRPr lang="en-US" b="1" dirty="0"/>
+          </a:p>
+        </p:txBody>
+      </p:sp>
+    </p:spTree>
+    <p:extLst>
+      <p:ext uri="{BB962C8B-B14F-4D97-AF65-F5344CB8AC3E}">
+        <p14:creationId xmlns:p14="http://schemas.microsoft.com/office/powerpoint/2010/main" val="3579846591"/>
+      </p:ext>
+    </p:extLst>
+  </p:cSld>
+  <p:clrMapOvr>
+    <a:masterClrMapping/>
+  </p:clrMapOvr>
+</p:sld>
+</file>
+
+<file path=ppt/slides/slide44.xml><?xml version="1.0" encoding="utf-8"?>
+<p:sld xmlns:a="http://schemas.openxmlformats.org/drawingml/2006/main" xmlns:r="http://schemas.openxmlformats.org/officeDocument/2006/relationships" xmlns:p="http://schemas.openxmlformats.org/presentationml/2006/main">
+  <p:cSld>
+    <p:spTree>
+      <p:nvGrpSpPr>
+        <p:cNvPr id="1" name=""/>
+        <p:cNvGrpSpPr/>
+        <p:nvPr/>
+      </p:nvGrpSpPr>
+      <p:grpSpPr>
+        <a:xfrm>
+          <a:off x="0" y="0"/>
+          <a:ext cx="0" cy="0"/>
+          <a:chOff x="0" y="0"/>
+          <a:chExt cx="0" cy="0"/>
+        </a:xfrm>
+      </p:grpSpPr>
+      <p:sp>
+        <p:nvSpPr>
+          <p:cNvPr id="2" name="Title 1"/>
+          <p:cNvSpPr>
+            <a:spLocks noGrp="1"/>
+          </p:cNvSpPr>
+          <p:nvPr>
+            <p:ph type="title"/>
+          </p:nvPr>
+        </p:nvSpPr>
+        <p:spPr/>
+        <p:txBody>
+          <a:bodyPr/>
+          <a:lstStyle/>
+          <a:p>
+            <a:r>
+              <a:rPr lang="en-US" dirty="0"/>
+              <a:t>Shadow Security </a:t>
+            </a:r>
+            <a:r>
+              <a:rPr lang="en-US" dirty="0" smtClean="0"/>
+              <a:t>Scanner :</a:t>
+            </a:r>
+            <a:endParaRPr lang="en-US" dirty="0"/>
+          </a:p>
+        </p:txBody>
+      </p:sp>
+      <p:sp>
+        <p:nvSpPr>
+          <p:cNvPr id="3" name="Content Placeholder 2"/>
+          <p:cNvSpPr>
+            <a:spLocks noGrp="1"/>
+          </p:cNvSpPr>
+          <p:nvPr>
+            <p:ph idx="1"/>
+          </p:nvPr>
+        </p:nvSpPr>
+        <p:spPr/>
+        <p:txBody>
+          <a:bodyPr/>
+          <a:lstStyle/>
+          <a:p>
+            <a:r>
+              <a:rPr lang="en-US" b="1" dirty="0" smtClean="0"/>
+              <a:t>Purpose:</a:t>
+            </a:r>
+          </a:p>
+          <a:p>
+            <a:r>
+              <a:rPr lang="en-US" dirty="0" smtClean="0"/>
+              <a:t>Detect </a:t>
+            </a:r>
+            <a:r>
+              <a:rPr lang="en-US" dirty="0"/>
+              <a:t>network vulnerabilities, audit proxy and LDAP </a:t>
+            </a:r>
+            <a:r>
+              <a:rPr lang="en-US" dirty="0" smtClean="0"/>
+              <a:t>servers</a:t>
+            </a:r>
+          </a:p>
+          <a:p>
+            <a:endParaRPr lang="en-US" dirty="0"/>
+          </a:p>
+          <a:p>
+            <a:r>
+              <a:rPr lang="en-US" b="1" dirty="0" smtClean="0"/>
+              <a:t>Portability:</a:t>
+            </a:r>
+          </a:p>
+          <a:p>
+            <a:r>
+              <a:rPr lang="en-US" dirty="0" smtClean="0"/>
+              <a:t>Windows </a:t>
+            </a:r>
+            <a:r>
+              <a:rPr lang="en-US" dirty="0"/>
+              <a:t>but scan servers built on any platform</a:t>
+            </a:r>
+            <a:endParaRPr lang="en-US" dirty="0"/>
+          </a:p>
+        </p:txBody>
+      </p:sp>
+    </p:spTree>
+    <p:extLst>
+      <p:ext uri="{BB962C8B-B14F-4D97-AF65-F5344CB8AC3E}">
+        <p14:creationId xmlns:p14="http://schemas.microsoft.com/office/powerpoint/2010/main" val="4040978340"/>
+      </p:ext>
+    </p:extLst>
+  </p:cSld>
+  <p:clrMapOvr>
+    <a:masterClrMapping/>
+  </p:clrMapOvr>
+</p:sld>
+</file>
+
+<file path=ppt/slides/slide45.xml><?xml version="1.0" encoding="utf-8"?>
+<p:sld xmlns:a="http://schemas.openxmlformats.org/drawingml/2006/main" xmlns:r="http://schemas.openxmlformats.org/officeDocument/2006/relationships" xmlns:p="http://schemas.openxmlformats.org/presentationml/2006/main">
+  <p:cSld>
+    <p:spTree>
+      <p:nvGrpSpPr>
+        <p:cNvPr id="1" name=""/>
+        <p:cNvGrpSpPr/>
+        <p:nvPr/>
+      </p:nvGrpSpPr>
+      <p:grpSpPr>
+        <a:xfrm>
+          <a:off x="0" y="0"/>
+          <a:ext cx="0" cy="0"/>
+          <a:chOff x="0" y="0"/>
+          <a:chExt cx="0" cy="0"/>
+        </a:xfrm>
+      </p:grpSpPr>
+      <p:sp>
+        <p:nvSpPr>
+          <p:cNvPr id="2" name="Title 1"/>
+          <p:cNvSpPr>
+            <a:spLocks noGrp="1"/>
+          </p:cNvSpPr>
+          <p:nvPr>
+            <p:ph type="title"/>
+          </p:nvPr>
+        </p:nvSpPr>
+        <p:spPr/>
+        <p:txBody>
+          <a:bodyPr/>
+          <a:lstStyle/>
+          <a:p>
+            <a:r>
+              <a:rPr lang="en-US" dirty="0"/>
+              <a:t>Metasploit Framework</a:t>
+            </a:r>
+            <a:endParaRPr lang="en-US" dirty="0"/>
+          </a:p>
+        </p:txBody>
+      </p:sp>
+      <p:sp>
+        <p:nvSpPr>
+          <p:cNvPr id="3" name="Content Placeholder 2"/>
+          <p:cNvSpPr>
+            <a:spLocks noGrp="1"/>
+          </p:cNvSpPr>
+          <p:nvPr>
+            <p:ph idx="1"/>
+          </p:nvPr>
+        </p:nvSpPr>
+        <p:spPr/>
+        <p:txBody>
+          <a:bodyPr/>
+          <a:lstStyle/>
+          <a:p>
+            <a:r>
+              <a:rPr lang="en-US" b="1" dirty="0" smtClean="0"/>
+              <a:t>Purpose:</a:t>
+            </a:r>
+          </a:p>
+          <a:p>
+            <a:r>
+              <a:rPr lang="en-US" dirty="0" smtClean="0"/>
+              <a:t>Develop </a:t>
+            </a:r>
+            <a:r>
+              <a:rPr lang="en-US" dirty="0"/>
+              <a:t>and execute exploit code against a remote target</a:t>
+            </a:r>
+          </a:p>
+          <a:p>
+            <a:r>
+              <a:rPr lang="en-US" dirty="0"/>
+              <a:t>Test vulnerability of computer systems</a:t>
+            </a:r>
+          </a:p>
+          <a:p>
+            <a:endParaRPr lang="en-US" dirty="0" smtClean="0"/>
+          </a:p>
+          <a:p>
+            <a:r>
+              <a:rPr lang="en-US" b="1" dirty="0" smtClean="0"/>
+              <a:t>Portability:</a:t>
+            </a:r>
+          </a:p>
+          <a:p>
+            <a:r>
+              <a:rPr lang="en-US" dirty="0"/>
+              <a:t>All versions of Unix and Windows</a:t>
+            </a:r>
+            <a:endParaRPr lang="en-US" dirty="0"/>
+          </a:p>
+        </p:txBody>
+      </p:sp>
+    </p:spTree>
+    <p:extLst>
+      <p:ext uri="{BB962C8B-B14F-4D97-AF65-F5344CB8AC3E}">
+        <p14:creationId xmlns:p14="http://schemas.microsoft.com/office/powerpoint/2010/main" val="991975770"/>
+      </p:ext>
+    </p:extLst>
+  </p:cSld>
+  <p:clrMapOvr>
+    <a:masterClrMapping/>
+  </p:clrMapOvr>
+</p:sld>
+</file>
+
+<file path=ppt/slides/slide46.xml><?xml version="1.0" encoding="utf-8"?>
+<p:sld xmlns:a="http://schemas.openxmlformats.org/drawingml/2006/main" xmlns:r="http://schemas.openxmlformats.org/officeDocument/2006/relationships" xmlns:p="http://schemas.openxmlformats.org/presentationml/2006/main">
+  <p:cSld>
+    <p:spTree>
+      <p:nvGrpSpPr>
+        <p:cNvPr id="1" name=""/>
+        <p:cNvGrpSpPr/>
+        <p:nvPr/>
+      </p:nvGrpSpPr>
+      <p:grpSpPr>
+        <a:xfrm>
+          <a:off x="0" y="0"/>
+          <a:ext cx="0" cy="0"/>
+          <a:chOff x="0" y="0"/>
+          <a:chExt cx="0" cy="0"/>
+        </a:xfrm>
+      </p:grpSpPr>
+      <p:sp>
+        <p:nvSpPr>
+          <p:cNvPr id="2" name="Title 1"/>
+          <p:cNvSpPr>
+            <a:spLocks noGrp="1"/>
+          </p:cNvSpPr>
+          <p:nvPr>
+            <p:ph type="title"/>
+          </p:nvPr>
+        </p:nvSpPr>
+        <p:spPr/>
+        <p:txBody>
+          <a:bodyPr/>
+          <a:lstStyle/>
+          <a:p>
+            <a:r>
+              <a:rPr lang="en-US" dirty="0" smtClean="0"/>
+              <a:t>Brutus:</a:t>
+            </a:r>
+            <a:endParaRPr lang="en-US" dirty="0"/>
+          </a:p>
+        </p:txBody>
+      </p:sp>
+      <p:sp>
+        <p:nvSpPr>
+          <p:cNvPr id="3" name="Content Placeholder 2"/>
+          <p:cNvSpPr>
+            <a:spLocks noGrp="1"/>
+          </p:cNvSpPr>
+          <p:nvPr>
+            <p:ph idx="1"/>
+          </p:nvPr>
+        </p:nvSpPr>
+        <p:spPr/>
+        <p:txBody>
+          <a:bodyPr/>
+          <a:lstStyle/>
+          <a:p>
+            <a:r>
+              <a:rPr lang="en-US" b="1" dirty="0" smtClean="0"/>
+              <a:t>Purpose :</a:t>
+            </a:r>
+          </a:p>
+          <a:p>
+            <a:r>
+              <a:rPr lang="en-US" dirty="0" smtClean="0"/>
+              <a:t>Telnet</a:t>
+            </a:r>
+          </a:p>
+          <a:p>
+            <a:r>
+              <a:rPr lang="en-US" dirty="0" smtClean="0"/>
+              <a:t>ftp</a:t>
+            </a:r>
+          </a:p>
+          <a:p>
+            <a:r>
+              <a:rPr lang="en-US" dirty="0" smtClean="0"/>
+              <a:t> </a:t>
+            </a:r>
+            <a:r>
+              <a:rPr lang="en-US" dirty="0"/>
+              <a:t>http password </a:t>
+            </a:r>
+            <a:r>
+              <a:rPr lang="en-US" dirty="0" smtClean="0"/>
+              <a:t>cracker</a:t>
+            </a:r>
+            <a:endParaRPr lang="en-US" b="1" dirty="0"/>
+          </a:p>
+          <a:p>
+            <a:endParaRPr lang="en-US" b="1" dirty="0" smtClean="0"/>
+          </a:p>
+          <a:p>
+            <a:r>
+              <a:rPr lang="en-US" b="1" dirty="0" err="1" smtClean="0"/>
+              <a:t>Portabil</a:t>
+            </a:r>
+            <a:r>
+              <a:rPr lang="en-US" b="1" dirty="0"/>
+              <a:t> </a:t>
+            </a:r>
+            <a:r>
+              <a:rPr lang="en-US" b="1" dirty="0" err="1"/>
+              <a:t>ity</a:t>
+            </a:r>
+            <a:r>
+              <a:rPr lang="en-US" b="1" dirty="0"/>
+              <a:t>:</a:t>
+            </a:r>
+            <a:endParaRPr lang="en-US" b="1" dirty="0" smtClean="0"/>
+          </a:p>
+          <a:p>
+            <a:r>
+              <a:rPr lang="en-US" dirty="0"/>
+              <a:t>Windows </a:t>
+            </a:r>
+            <a:r>
+              <a:rPr lang="en-US" dirty="0" smtClean="0"/>
+              <a:t>9x/NT/2000</a:t>
+            </a:r>
+            <a:endParaRPr lang="en-US" b="1" dirty="0"/>
+          </a:p>
+        </p:txBody>
+      </p:sp>
+    </p:spTree>
+    <p:extLst>
+      <p:ext uri="{BB962C8B-B14F-4D97-AF65-F5344CB8AC3E}">
+        <p14:creationId xmlns:p14="http://schemas.microsoft.com/office/powerpoint/2010/main" val="3284701176"/>
+      </p:ext>
+    </p:extLst>
+  </p:cSld>
+  <p:clrMapOvr>
+    <a:masterClrMapping/>
+  </p:clrMapOvr>
+</p:sld>
+</file>
+
+<file path=ppt/slides/slide47.xml><?xml version="1.0" encoding="utf-8"?>
+<p:sld xmlns:a="http://schemas.openxmlformats.org/drawingml/2006/main" xmlns:r="http://schemas.openxmlformats.org/officeDocument/2006/relationships" xmlns:p="http://schemas.openxmlformats.org/presentationml/2006/main">
+  <p:cSld>
+    <p:spTree>
+      <p:nvGrpSpPr>
+        <p:cNvPr id="1" name=""/>
+        <p:cNvGrpSpPr/>
+        <p:nvPr/>
+      </p:nvGrpSpPr>
+      <p:grpSpPr>
+        <a:xfrm>
+          <a:off x="0" y="0"/>
+          <a:ext cx="0" cy="0"/>
+          <a:chOff x="0" y="0"/>
+          <a:chExt cx="0" cy="0"/>
+        </a:xfrm>
+      </p:grpSpPr>
+      <p:sp>
+        <p:nvSpPr>
+          <p:cNvPr id="2" name="Title 1"/>
+          <p:cNvSpPr>
+            <a:spLocks noGrp="1"/>
+          </p:cNvSpPr>
+          <p:nvPr>
+            <p:ph type="title"/>
+          </p:nvPr>
+        </p:nvSpPr>
+        <p:spPr>
+          <a:xfrm>
+            <a:off x="677334" y="609600"/>
+            <a:ext cx="8596668" cy="888274"/>
+          </a:xfrm>
+        </p:spPr>
+        <p:txBody>
+          <a:bodyPr>
+            <a:normAutofit fontScale="90000"/>
+          </a:bodyPr>
+          <a:lstStyle/>
+          <a:p>
+            <a:pPr algn="ctr"/>
+            <a:r>
+              <a:rPr lang="en-US" dirty="0"/>
+              <a:t>Penetration Testing - Infrastructure</a:t>
+            </a:r>
+            <a:br>
+              <a:rPr lang="en-US" dirty="0"/>
+            </a:br>
+            <a:endParaRPr lang="en-US" dirty="0"/>
+          </a:p>
+        </p:txBody>
+      </p:sp>
+      <p:sp>
+        <p:nvSpPr>
+          <p:cNvPr id="3" name="Content Placeholder 2"/>
+          <p:cNvSpPr>
+            <a:spLocks noGrp="1"/>
+          </p:cNvSpPr>
+          <p:nvPr>
+            <p:ph idx="1"/>
+          </p:nvPr>
+        </p:nvSpPr>
+        <p:spPr>
+          <a:xfrm>
+            <a:off x="677334" y="1497874"/>
+            <a:ext cx="8596668" cy="4562428"/>
+          </a:xfrm>
+        </p:spPr>
+        <p:txBody>
+          <a:bodyPr/>
+          <a:lstStyle/>
+          <a:p>
+            <a:r>
+              <a:rPr lang="en-US" b="1" dirty="0"/>
+              <a:t>Infrastructure Penetration </a:t>
+            </a:r>
+            <a:r>
+              <a:rPr lang="en-US" b="1" dirty="0" smtClean="0"/>
+              <a:t>Testing :</a:t>
+            </a:r>
+            <a:endParaRPr lang="en-US" b="1" dirty="0"/>
+          </a:p>
+          <a:p>
+            <a:r>
+              <a:rPr lang="en-US" dirty="0"/>
+              <a:t>Infrastructure penetration testing includes all internal computer systems, associated external devices, internet networking, cloud and virtualization testing.</a:t>
+            </a:r>
+          </a:p>
+          <a:p>
+            <a:r>
+              <a:rPr lang="en-US" dirty="0"/>
+              <a:t>Whether hidden on your internal enterprise network or from public view, there is always a possibility that an attacker can leverage which can harm your infrastructure. So, it is better to be safe in advance rather than regret later.</a:t>
+            </a:r>
+          </a:p>
+          <a:p>
+            <a:endParaRPr lang="en-US" dirty="0" smtClean="0"/>
+          </a:p>
+          <a:p>
+            <a:endParaRPr lang="en-US" dirty="0"/>
+          </a:p>
+        </p:txBody>
+      </p:sp>
+    </p:spTree>
+    <p:extLst>
+      <p:ext uri="{BB962C8B-B14F-4D97-AF65-F5344CB8AC3E}">
+        <p14:creationId xmlns:p14="http://schemas.microsoft.com/office/powerpoint/2010/main" val="1412065651"/>
+      </p:ext>
+    </p:extLst>
+  </p:cSld>
+  <p:clrMapOvr>
+    <a:masterClrMapping/>
+  </p:clrMapOvr>
+</p:sld>
+</file>
+
+<file path=ppt/slides/slide48.xml><?xml version="1.0" encoding="utf-8"?>
+<p:sld xmlns:a="http://schemas.openxmlformats.org/drawingml/2006/main" xmlns:r="http://schemas.openxmlformats.org/officeDocument/2006/relationships" xmlns:p="http://schemas.openxmlformats.org/presentationml/2006/main">
+  <p:cSld>
+    <p:spTree>
+      <p:nvGrpSpPr>
+        <p:cNvPr id="1" name=""/>
+        <p:cNvGrpSpPr/>
+        <p:nvPr/>
+      </p:nvGrpSpPr>
+      <p:grpSpPr>
+        <a:xfrm>
+          <a:off x="0" y="0"/>
+          <a:ext cx="0" cy="0"/>
+          <a:chOff x="0" y="0"/>
+          <a:chExt cx="0" cy="0"/>
+        </a:xfrm>
+      </p:grpSpPr>
+      <p:sp>
+        <p:nvSpPr>
+          <p:cNvPr id="2" name="Title 1"/>
+          <p:cNvSpPr>
+            <a:spLocks noGrp="1"/>
+          </p:cNvSpPr>
+          <p:nvPr>
+            <p:ph type="title"/>
+          </p:nvPr>
+        </p:nvSpPr>
+        <p:spPr>
+          <a:xfrm>
+            <a:off x="677334" y="609600"/>
+            <a:ext cx="8596668" cy="714103"/>
+          </a:xfrm>
+        </p:spPr>
+        <p:txBody>
+          <a:bodyPr>
+            <a:normAutofit fontScale="90000"/>
+          </a:bodyPr>
+          <a:lstStyle/>
+          <a:p>
+            <a:r>
+              <a:rPr lang="en-US" dirty="0"/>
+              <a:t>Types of Infrastructure Penetration Testing</a:t>
+            </a:r>
+            <a:br>
+              <a:rPr lang="en-US" dirty="0"/>
+            </a:br>
+            <a:r>
+              <a:rPr lang="en-US" dirty="0"/>
+              <a:t/>
+            </a:r>
+            <a:br>
+              <a:rPr lang="en-US" dirty="0"/>
+            </a:br>
+            <a:endParaRPr lang="en-US" dirty="0"/>
+          </a:p>
+        </p:txBody>
+      </p:sp>
+      <p:sp>
+        <p:nvSpPr>
+          <p:cNvPr id="3" name="Content Placeholder 2"/>
+          <p:cNvSpPr>
+            <a:spLocks noGrp="1"/>
+          </p:cNvSpPr>
+          <p:nvPr>
+            <p:ph idx="1"/>
+          </p:nvPr>
+        </p:nvSpPr>
+        <p:spPr>
+          <a:xfrm>
+            <a:off x="677334" y="1524863"/>
+            <a:ext cx="8596668" cy="2141445"/>
+          </a:xfrm>
+        </p:spPr>
+        <p:txBody>
+          <a:bodyPr/>
+          <a:lstStyle/>
+          <a:p>
+            <a:r>
+              <a:rPr lang="en-US" dirty="0"/>
+              <a:t>External Infrastructure Penetration Testing</a:t>
+            </a:r>
+          </a:p>
+          <a:p>
+            <a:r>
+              <a:rPr lang="en-US" dirty="0"/>
+              <a:t>Internal Infrastructure Penetration Testing</a:t>
+            </a:r>
+          </a:p>
+          <a:p>
+            <a:r>
+              <a:rPr lang="en-US" dirty="0"/>
+              <a:t>Cloud and Virtualization Penetration Testing</a:t>
+            </a:r>
+          </a:p>
+          <a:p>
+            <a:r>
+              <a:rPr lang="en-US" dirty="0"/>
+              <a:t>Wireless Security Penetration Testing</a:t>
+            </a:r>
+          </a:p>
+          <a:p>
+            <a:endParaRPr lang="en-US" dirty="0"/>
+          </a:p>
+        </p:txBody>
+      </p:sp>
+      <p:pic>
+        <p:nvPicPr>
+          <p:cNvPr id="4" name="Picture 3"/>
+          <p:cNvPicPr>
+            <a:picLocks noChangeAspect="1"/>
+          </p:cNvPicPr>
+          <p:nvPr/>
+        </p:nvPicPr>
+        <p:blipFill>
+          <a:blip r:embed="rId2">
+            <a:extLst>
+              <a:ext uri="{28A0092B-C50C-407E-A947-70E740481C1C}">
+                <a14:useLocalDpi xmlns:a14="http://schemas.microsoft.com/office/drawing/2010/main" val="0"/>
+              </a:ext>
+            </a:extLst>
+          </a:blip>
+          <a:stretch>
+            <a:fillRect/>
+          </a:stretch>
+        </p:blipFill>
+        <p:spPr>
+          <a:xfrm>
+            <a:off x="3012077" y="3523569"/>
+            <a:ext cx="4250872" cy="2515099"/>
+          </a:xfrm>
+          <a:prstGeom prst="rect">
+            <a:avLst/>
+          </a:prstGeom>
+          <a:ln w="228600" cap="sq" cmpd="thickThin">
+            <a:solidFill>
+              <a:srgbClr val="000000"/>
+            </a:solidFill>
+            <a:prstDash val="solid"/>
+            <a:miter lim="800000"/>
+          </a:ln>
+          <a:effectLst>
+            <a:innerShdw blurRad="76200">
+              <a:srgbClr val="000000"/>
+            </a:innerShdw>
+          </a:effectLst>
+        </p:spPr>
+      </p:pic>
+    </p:spTree>
+    <p:extLst>
+      <p:ext uri="{BB962C8B-B14F-4D97-AF65-F5344CB8AC3E}">
+        <p14:creationId xmlns:p14="http://schemas.microsoft.com/office/powerpoint/2010/main" val="4211146217"/>
+      </p:ext>
+    </p:extLst>
+  </p:cSld>
+  <p:clrMapOvr>
+    <a:masterClrMapping/>
+  </p:clrMapOvr>
+</p:sld>
+</file>
+
+<file path=ppt/slides/slide49.xml><?xml version="1.0" encoding="utf-8"?>
+<p:sld xmlns:a="http://schemas.openxmlformats.org/drawingml/2006/main" xmlns:r="http://schemas.openxmlformats.org/officeDocument/2006/relationships" xmlns:p="http://schemas.openxmlformats.org/presentationml/2006/main">
+  <p:cSld>
+    <p:spTree>
+      <p:nvGrpSpPr>
+        <p:cNvPr id="1" name=""/>
+        <p:cNvGrpSpPr/>
+        <p:nvPr/>
+      </p:nvGrpSpPr>
+      <p:grpSpPr>
+        <a:xfrm>
+          <a:off x="0" y="0"/>
+          <a:ext cx="0" cy="0"/>
+          <a:chOff x="0" y="0"/>
+          <a:chExt cx="0" cy="0"/>
+        </a:xfrm>
+      </p:grpSpPr>
+      <p:sp>
+        <p:nvSpPr>
+          <p:cNvPr id="2" name="Title 1"/>
+          <p:cNvSpPr>
+            <a:spLocks noGrp="1"/>
+          </p:cNvSpPr>
+          <p:nvPr>
+            <p:ph type="title"/>
+          </p:nvPr>
+        </p:nvSpPr>
+        <p:spPr>
+          <a:xfrm>
+            <a:off x="677334" y="609600"/>
+            <a:ext cx="8596668" cy="687977"/>
+          </a:xfrm>
+        </p:spPr>
+        <p:txBody>
+          <a:bodyPr>
+            <a:normAutofit fontScale="90000"/>
+          </a:bodyPr>
+          <a:lstStyle/>
+          <a:p>
+            <a:r>
+              <a:rPr lang="en-US" dirty="0"/>
+              <a:t>External Infrastructure Testing</a:t>
+            </a:r>
+            <a:br>
+              <a:rPr lang="en-US" dirty="0"/>
+            </a:br>
+            <a:endParaRPr lang="en-US" dirty="0"/>
+          </a:p>
+        </p:txBody>
+      </p:sp>
+      <p:sp>
+        <p:nvSpPr>
+          <p:cNvPr id="3" name="Content Placeholder 2"/>
+          <p:cNvSpPr>
+            <a:spLocks noGrp="1"/>
+          </p:cNvSpPr>
+          <p:nvPr>
+            <p:ph idx="1"/>
+          </p:nvPr>
+        </p:nvSpPr>
+        <p:spPr>
+          <a:xfrm>
+            <a:off x="677334" y="1358537"/>
+            <a:ext cx="8596668" cy="4682825"/>
+          </a:xfrm>
+        </p:spPr>
+        <p:txBody>
+          <a:bodyPr>
+            <a:normAutofit lnSpcReduction="10000"/>
+          </a:bodyPr>
+          <a:lstStyle/>
+          <a:p>
+            <a:r>
+              <a:rPr lang="en-US" dirty="0"/>
+              <a:t>The penetration test, targeting the external infrastructure discovers what a hacker could do with your networks, which is easily accessible through the Internet.</a:t>
+            </a:r>
+          </a:p>
+          <a:p>
+            <a:r>
+              <a:rPr lang="en-US" dirty="0"/>
+              <a:t>In this testing, a tester normally replicates the same kind of attacks that the hackers can use by finding and mapping the security flaws in your external infrastructure.</a:t>
+            </a:r>
+          </a:p>
+          <a:p>
+            <a:pPr marL="0" indent="0">
+              <a:buNone/>
+            </a:pPr>
+            <a:r>
+              <a:rPr lang="en-US" dirty="0"/>
+              <a:t>There are various benefits of leveraging external infrastructure penetration testing, as it −</a:t>
+            </a:r>
+          </a:p>
+          <a:p>
+            <a:r>
+              <a:rPr lang="en-US" dirty="0"/>
+              <a:t>Identifies the flaws within the firewall configuration that could be misused</a:t>
+            </a:r>
+          </a:p>
+          <a:p>
+            <a:r>
+              <a:rPr lang="en-US" dirty="0"/>
+              <a:t>Finds out how information can be leaked out from your system by an attacker</a:t>
+            </a:r>
+          </a:p>
+          <a:p>
+            <a:r>
+              <a:rPr lang="en-US" dirty="0"/>
+              <a:t>Suggests how these issues can be fixed</a:t>
+            </a:r>
+          </a:p>
+          <a:p>
+            <a:r>
+              <a:rPr lang="en-US" dirty="0"/>
+              <a:t>Prepares a comprehensive report highlighting the security risk of the border networks, and suggests solutions</a:t>
+            </a:r>
+          </a:p>
+          <a:p>
+            <a:r>
+              <a:rPr lang="en-US" dirty="0"/>
+              <a:t>Ensures overall efficiency and productivity of your business</a:t>
+            </a:r>
+          </a:p>
+          <a:p>
+            <a:endParaRPr lang="en-US" dirty="0"/>
+          </a:p>
+        </p:txBody>
+      </p:sp>
+    </p:spTree>
+    <p:extLst>
+      <p:ext uri="{BB962C8B-B14F-4D97-AF65-F5344CB8AC3E}">
+        <p14:creationId xmlns:p14="http://schemas.microsoft.com/office/powerpoint/2010/main" val="115796694"/>
       </p:ext>
     </p:extLst>
   </p:cSld>
@@ -7681,6 +11788,217 @@
     <p:extLst>
       <p:ext uri="{BB962C8B-B14F-4D97-AF65-F5344CB8AC3E}">
         <p14:creationId xmlns:p14="http://schemas.microsoft.com/office/powerpoint/2010/main" val="1244950306"/>
+      </p:ext>
+    </p:extLst>
+  </p:cSld>
+  <p:clrMapOvr>
+    <a:masterClrMapping/>
+  </p:clrMapOvr>
+  <p:timing>
+    <p:tnLst>
+      <p:par>
+        <p:cTn id="1" dur="indefinite" restart="never" nodeType="tmRoot"/>
+      </p:par>
+    </p:tnLst>
+  </p:timing>
+</p:sld>
+</file>
+
+<file path=ppt/slides/slide50.xml><?xml version="1.0" encoding="utf-8"?>
+<p:sld xmlns:a="http://schemas.openxmlformats.org/drawingml/2006/main" xmlns:r="http://schemas.openxmlformats.org/officeDocument/2006/relationships" xmlns:p="http://schemas.openxmlformats.org/presentationml/2006/main">
+  <p:cSld>
+    <p:spTree>
+      <p:nvGrpSpPr>
+        <p:cNvPr id="1" name=""/>
+        <p:cNvGrpSpPr/>
+        <p:nvPr/>
+      </p:nvGrpSpPr>
+      <p:grpSpPr>
+        <a:xfrm>
+          <a:off x="0" y="0"/>
+          <a:ext cx="0" cy="0"/>
+          <a:chOff x="0" y="0"/>
+          <a:chExt cx="0" cy="0"/>
+        </a:xfrm>
+      </p:grpSpPr>
+      <p:sp>
+        <p:nvSpPr>
+          <p:cNvPr id="2" name="Title 1"/>
+          <p:cNvSpPr>
+            <a:spLocks noGrp="1"/>
+          </p:cNvSpPr>
+          <p:nvPr>
+            <p:ph type="title"/>
+          </p:nvPr>
+        </p:nvSpPr>
+        <p:spPr/>
+        <p:txBody>
+          <a:bodyPr/>
+          <a:lstStyle/>
+          <a:p>
+            <a:endParaRPr lang="en-US"/>
+          </a:p>
+        </p:txBody>
+      </p:sp>
+      <p:sp>
+        <p:nvSpPr>
+          <p:cNvPr id="3" name="Content Placeholder 2"/>
+          <p:cNvSpPr>
+            <a:spLocks noGrp="1"/>
+          </p:cNvSpPr>
+          <p:nvPr>
+            <p:ph idx="1"/>
+          </p:nvPr>
+        </p:nvSpPr>
+        <p:spPr/>
+        <p:txBody>
+          <a:bodyPr/>
+          <a:lstStyle/>
+          <a:p>
+            <a:endParaRPr lang="en-US"/>
+          </a:p>
+        </p:txBody>
+      </p:sp>
+    </p:spTree>
+    <p:extLst>
+      <p:ext uri="{BB962C8B-B14F-4D97-AF65-F5344CB8AC3E}">
+        <p14:creationId xmlns:p14="http://schemas.microsoft.com/office/powerpoint/2010/main" val="1849526012"/>
+      </p:ext>
+    </p:extLst>
+  </p:cSld>
+  <p:clrMapOvr>
+    <a:masterClrMapping/>
+  </p:clrMapOvr>
+</p:sld>
+</file>
+
+<file path=ppt/slides/slide51.xml><?xml version="1.0" encoding="utf-8"?>
+<p:sld xmlns:a="http://schemas.openxmlformats.org/drawingml/2006/main" xmlns:r="http://schemas.openxmlformats.org/officeDocument/2006/relationships" xmlns:p="http://schemas.openxmlformats.org/presentationml/2006/main">
+  <p:cSld>
+    <p:spTree>
+      <p:nvGrpSpPr>
+        <p:cNvPr id="1" name=""/>
+        <p:cNvGrpSpPr/>
+        <p:nvPr/>
+      </p:nvGrpSpPr>
+      <p:grpSpPr>
+        <a:xfrm>
+          <a:off x="0" y="0"/>
+          <a:ext cx="0" cy="0"/>
+          <a:chOff x="0" y="0"/>
+          <a:chExt cx="0" cy="0"/>
+        </a:xfrm>
+      </p:grpSpPr>
+      <p:sp>
+        <p:nvSpPr>
+          <p:cNvPr id="2" name="Title 1"/>
+          <p:cNvSpPr>
+            <a:spLocks noGrp="1"/>
+          </p:cNvSpPr>
+          <p:nvPr>
+            <p:ph type="title"/>
+          </p:nvPr>
+        </p:nvSpPr>
+        <p:spPr/>
+        <p:txBody>
+          <a:bodyPr/>
+          <a:lstStyle/>
+          <a:p>
+            <a:endParaRPr lang="en-US"/>
+          </a:p>
+        </p:txBody>
+      </p:sp>
+      <p:sp>
+        <p:nvSpPr>
+          <p:cNvPr id="3" name="Content Placeholder 2"/>
+          <p:cNvSpPr>
+            <a:spLocks noGrp="1"/>
+          </p:cNvSpPr>
+          <p:nvPr>
+            <p:ph idx="1"/>
+          </p:nvPr>
+        </p:nvSpPr>
+        <p:spPr/>
+        <p:txBody>
+          <a:bodyPr/>
+          <a:lstStyle/>
+          <a:p>
+            <a:endParaRPr lang="en-US"/>
+          </a:p>
+        </p:txBody>
+      </p:sp>
+    </p:spTree>
+    <p:extLst>
+      <p:ext uri="{BB962C8B-B14F-4D97-AF65-F5344CB8AC3E}">
+        <p14:creationId xmlns:p14="http://schemas.microsoft.com/office/powerpoint/2010/main" val="3699184934"/>
+      </p:ext>
+    </p:extLst>
+  </p:cSld>
+  <p:clrMapOvr>
+    <a:masterClrMapping/>
+  </p:clrMapOvr>
+</p:sld>
+</file>
+
+<file path=ppt/slides/slide52.xml><?xml version="1.0" encoding="utf-8"?>
+<p:sld xmlns:a="http://schemas.openxmlformats.org/drawingml/2006/main" xmlns:r="http://schemas.openxmlformats.org/officeDocument/2006/relationships" xmlns:p="http://schemas.openxmlformats.org/presentationml/2006/main">
+  <p:cSld>
+    <p:spTree>
+      <p:nvGrpSpPr>
+        <p:cNvPr id="1" name=""/>
+        <p:cNvGrpSpPr/>
+        <p:nvPr/>
+      </p:nvGrpSpPr>
+      <p:grpSpPr>
+        <a:xfrm>
+          <a:off x="0" y="0"/>
+          <a:ext cx="0" cy="0"/>
+          <a:chOff x="0" y="0"/>
+          <a:chExt cx="0" cy="0"/>
+        </a:xfrm>
+      </p:grpSpPr>
+      <p:sp>
+        <p:nvSpPr>
+          <p:cNvPr id="2" name="Title 1"/>
+          <p:cNvSpPr>
+            <a:spLocks noGrp="1"/>
+          </p:cNvSpPr>
+          <p:nvPr>
+            <p:ph type="title"/>
+          </p:nvPr>
+        </p:nvSpPr>
+        <p:spPr/>
+        <p:txBody>
+          <a:bodyPr/>
+          <a:lstStyle/>
+          <a:p>
+            <a:endParaRPr lang="en-US" dirty="0"/>
+          </a:p>
+        </p:txBody>
+      </p:sp>
+      <p:sp>
+        <p:nvSpPr>
+          <p:cNvPr id="3" name="Content Placeholder 2"/>
+          <p:cNvSpPr>
+            <a:spLocks noGrp="1"/>
+          </p:cNvSpPr>
+          <p:nvPr>
+            <p:ph idx="1"/>
+          </p:nvPr>
+        </p:nvSpPr>
+        <p:spPr/>
+        <p:txBody>
+          <a:bodyPr/>
+          <a:lstStyle/>
+          <a:p>
+            <a:endParaRPr lang="en-US"/>
+          </a:p>
+        </p:txBody>
+      </p:sp>
+    </p:spTree>
+    <p:extLst>
+      <p:ext uri="{BB962C8B-B14F-4D97-AF65-F5344CB8AC3E}">
+        <p14:creationId xmlns:p14="http://schemas.microsoft.com/office/powerpoint/2010/main" val="1162425922"/>
       </p:ext>
     </p:extLst>
   </p:cSld>
@@ -7810,6 +12128,13 @@
   <p:clrMapOvr>
     <a:masterClrMapping/>
   </p:clrMapOvr>
+  <p:timing>
+    <p:tnLst>
+      <p:par>
+        <p:cTn id="1" dur="indefinite" restart="never" nodeType="tmRoot"/>
+      </p:par>
+    </p:tnLst>
+  </p:timing>
 </p:sld>
 </file>
 
@@ -7929,6 +12254,13 @@
   <p:clrMapOvr>
     <a:masterClrMapping/>
   </p:clrMapOvr>
+  <p:timing>
+    <p:tnLst>
+      <p:par>
+        <p:cTn id="1" dur="indefinite" restart="never" nodeType="tmRoot"/>
+      </p:par>
+    </p:tnLst>
+  </p:timing>
 </p:sld>
 </file>
 
@@ -8045,6 +12377,13 @@
   <p:clrMapOvr>
     <a:masterClrMapping/>
   </p:clrMapOvr>
+  <p:timing>
+    <p:tnLst>
+      <p:par>
+        <p:cTn id="1" dur="indefinite" restart="never" nodeType="tmRoot"/>
+      </p:par>
+    </p:tnLst>
+  </p:timing>
 </p:sld>
 </file>
 
@@ -8160,6 +12499,13 @@
   <p:clrMapOvr>
     <a:masterClrMapping/>
   </p:clrMapOvr>
+  <p:timing>
+    <p:tnLst>
+      <p:par>
+        <p:cTn id="1" dur="indefinite" restart="never" nodeType="tmRoot"/>
+      </p:par>
+    </p:tnLst>
+  </p:timing>
 </p:sld>
 </file>
 

--- a/PENETRATION TESTING.pptx
+++ b/PENETRATION TESTING.pptx
@@ -57,6 +57,14 @@
     <p:sldId id="309" r:id="rId51"/>
     <p:sldId id="310" r:id="rId52"/>
     <p:sldId id="311" r:id="rId53"/>
+    <p:sldId id="312" r:id="rId54"/>
+    <p:sldId id="313" r:id="rId55"/>
+    <p:sldId id="314" r:id="rId56"/>
+    <p:sldId id="315" r:id="rId57"/>
+    <p:sldId id="316" r:id="rId58"/>
+    <p:sldId id="317" r:id="rId59"/>
+    <p:sldId id="318" r:id="rId60"/>
+    <p:sldId id="319" r:id="rId61"/>
   </p:sldIdLst>
   <p:sldSz cx="12192000" cy="6858000"/>
   <p:notesSz cx="6858000" cy="9144000"/>
@@ -888,7 +896,7 @@
             <a:fld id="{B61BEF0D-F0BB-DE4B-95CE-6DB70DBA9567}" type="datetimeFigureOut">
               <a:rPr lang="en-US" dirty="0"/>
               <a:pPr/>
-              <a:t>7/7/2020</a:t>
+              <a:t>7/8/2020</a:t>
             </a:fld>
             <a:endParaRPr lang="en-US" dirty="0"/>
           </a:p>
@@ -1136,7 +1144,7 @@
             <a:fld id="{B61BEF0D-F0BB-DE4B-95CE-6DB70DBA9567}" type="datetimeFigureOut">
               <a:rPr lang="en-US" dirty="0"/>
               <a:pPr/>
-              <a:t>7/7/2020</a:t>
+              <a:t>7/8/2020</a:t>
             </a:fld>
             <a:endParaRPr lang="en-US" dirty="0"/>
           </a:p>
@@ -1447,7 +1455,7 @@
             <a:fld id="{B61BEF0D-F0BB-DE4B-95CE-6DB70DBA9567}" type="datetimeFigureOut">
               <a:rPr lang="en-US" dirty="0"/>
               <a:pPr/>
-              <a:t>7/7/2020</a:t>
+              <a:t>7/8/2020</a:t>
             </a:fld>
             <a:endParaRPr lang="en-US" dirty="0"/>
           </a:p>
@@ -1771,7 +1779,7 @@
             <a:fld id="{B61BEF0D-F0BB-DE4B-95CE-6DB70DBA9567}" type="datetimeFigureOut">
               <a:rPr lang="en-US" dirty="0"/>
               <a:pPr/>
-              <a:t>7/7/2020</a:t>
+              <a:t>7/8/2020</a:t>
             </a:fld>
             <a:endParaRPr lang="en-US" dirty="0"/>
           </a:p>
@@ -2082,7 +2090,7 @@
             <a:fld id="{B61BEF0D-F0BB-DE4B-95CE-6DB70DBA9567}" type="datetimeFigureOut">
               <a:rPr lang="en-US" dirty="0"/>
               <a:pPr/>
-              <a:t>7/7/2020</a:t>
+              <a:t>7/8/2020</a:t>
             </a:fld>
             <a:endParaRPr lang="en-US" dirty="0"/>
           </a:p>
@@ -2466,7 +2474,7 @@
             <a:fld id="{B61BEF0D-F0BB-DE4B-95CE-6DB70DBA9567}" type="datetimeFigureOut">
               <a:rPr lang="en-US" dirty="0"/>
               <a:pPr/>
-              <a:t>7/7/2020</a:t>
+              <a:t>7/8/2020</a:t>
             </a:fld>
             <a:endParaRPr lang="en-US" dirty="0"/>
           </a:p>
@@ -2632,7 +2640,7 @@
           <a:p>
             <a:fld id="{55C6B4A9-1611-4792-9094-5F34BCA07E0B}" type="datetimeFigureOut">
               <a:rPr lang="en-US" dirty="0"/>
-              <a:t>7/7/2020</a:t>
+              <a:t>7/8/2020</a:t>
             </a:fld>
             <a:endParaRPr lang="en-US" dirty="0"/>
           </a:p>
@@ -2808,7 +2816,7 @@
             <a:fld id="{B61BEF0D-F0BB-DE4B-95CE-6DB70DBA9567}" type="datetimeFigureOut">
               <a:rPr lang="en-US" dirty="0"/>
               <a:pPr/>
-              <a:t>7/7/2020</a:t>
+              <a:t>7/8/2020</a:t>
             </a:fld>
             <a:endParaRPr lang="en-US" dirty="0"/>
           </a:p>
@@ -2981,7 +2989,7 @@
             <a:fld id="{B61BEF0D-F0BB-DE4B-95CE-6DB70DBA9567}" type="datetimeFigureOut">
               <a:rPr lang="en-US" dirty="0"/>
               <a:pPr/>
-              <a:t>7/7/2020</a:t>
+              <a:t>7/8/2020</a:t>
             </a:fld>
             <a:endParaRPr lang="en-US" dirty="0"/>
           </a:p>
@@ -3225,7 +3233,7 @@
             <a:fld id="{B61BEF0D-F0BB-DE4B-95CE-6DB70DBA9567}" type="datetimeFigureOut">
               <a:rPr lang="en-US" dirty="0"/>
               <a:pPr/>
-              <a:t>7/7/2020</a:t>
+              <a:t>7/8/2020</a:t>
             </a:fld>
             <a:endParaRPr lang="en-US" dirty="0"/>
           </a:p>
@@ -3453,7 +3461,7 @@
           <a:p>
             <a:fld id="{EB712588-04B1-427B-82EE-E8DB90309F08}" type="datetimeFigureOut">
               <a:rPr lang="en-US" dirty="0"/>
-              <a:t>7/7/2020</a:t>
+              <a:t>7/8/2020</a:t>
             </a:fld>
             <a:endParaRPr lang="en-US" dirty="0"/>
           </a:p>
@@ -3823,7 +3831,7 @@
             <a:fld id="{B61BEF0D-F0BB-DE4B-95CE-6DB70DBA9567}" type="datetimeFigureOut">
               <a:rPr lang="en-US" dirty="0"/>
               <a:pPr/>
-              <a:t>7/7/2020</a:t>
+              <a:t>7/8/2020</a:t>
             </a:fld>
             <a:endParaRPr lang="en-US" dirty="0"/>
           </a:p>
@@ -3943,7 +3951,7 @@
             <a:fld id="{B61BEF0D-F0BB-DE4B-95CE-6DB70DBA9567}" type="datetimeFigureOut">
               <a:rPr lang="en-US" dirty="0"/>
               <a:pPr/>
-              <a:t>7/7/2020</a:t>
+              <a:t>7/8/2020</a:t>
             </a:fld>
             <a:endParaRPr lang="en-US" dirty="0"/>
           </a:p>
@@ -4035,7 +4043,7 @@
             <a:fld id="{B61BEF0D-F0BB-DE4B-95CE-6DB70DBA9567}" type="datetimeFigureOut">
               <a:rPr lang="en-US" dirty="0"/>
               <a:pPr/>
-              <a:t>7/7/2020</a:t>
+              <a:t>7/8/2020</a:t>
             </a:fld>
             <a:endParaRPr lang="en-US" dirty="0"/>
           </a:p>
@@ -4286,7 +4294,7 @@
           <a:p>
             <a:fld id="{42A54C80-263E-416B-A8E0-580EDEADCBDC}" type="datetimeFigureOut">
               <a:rPr lang="en-US" dirty="0"/>
-              <a:t>7/7/2020</a:t>
+              <a:t>7/8/2020</a:t>
             </a:fld>
             <a:endParaRPr lang="en-US" dirty="0"/>
           </a:p>
@@ -4545,7 +4553,7 @@
             <a:fld id="{B61BEF0D-F0BB-DE4B-95CE-6DB70DBA9567}" type="datetimeFigureOut">
               <a:rPr lang="en-US" dirty="0"/>
               <a:pPr/>
-              <a:t>7/7/2020</a:t>
+              <a:t>7/8/2020</a:t>
             </a:fld>
             <a:endParaRPr lang="en-US" dirty="0"/>
           </a:p>
@@ -5287,7 +5295,7 @@
             <a:fld id="{B61BEF0D-F0BB-DE4B-95CE-6DB70DBA9567}" type="datetimeFigureOut">
               <a:rPr lang="en-US" dirty="0"/>
               <a:pPr/>
-              <a:t>7/7/2020</a:t>
+              <a:t>7/8/2020</a:t>
             </a:fld>
             <a:endParaRPr lang="en-US" dirty="0"/>
           </a:p>
@@ -10102,7 +10110,6 @@
               <a:rPr lang="en-US" dirty="0"/>
               <a:t>, Solaris, IRIX, Mac, etc.</a:t>
             </a:r>
-            <a:endParaRPr lang="en-US" dirty="0"/>
           </a:p>
         </p:txBody>
       </p:sp>
@@ -10258,7 +10265,6 @@
               <a:rPr lang="en-US" dirty="0"/>
               <a:t>p0f</a:t>
             </a:r>
-            <a:endParaRPr lang="en-US" dirty="0"/>
           </a:p>
         </p:txBody>
       </p:sp>
@@ -10572,7 +10578,6 @@
               <a:rPr lang="en-US" dirty="0"/>
               <a:t>Linux</a:t>
             </a:r>
-            <a:endParaRPr lang="en-US" dirty="0"/>
           </a:p>
         </p:txBody>
       </p:sp>
@@ -10625,7 +10630,6 @@
               <a:rPr lang="en-US" dirty="0"/>
               <a:t>Httprint</a:t>
             </a:r>
-            <a:endParaRPr lang="en-US" dirty="0"/>
           </a:p>
         </p:txBody>
       </p:sp>
@@ -10728,7 +10732,6 @@
               <a:rPr lang="en-US" dirty="0"/>
               <a:t>Nessus</a:t>
             </a:r>
-            <a:endParaRPr lang="en-US" dirty="0"/>
           </a:p>
         </p:txBody>
       </p:sp>
@@ -11002,7 +11005,6 @@
               <a:rPr lang="en-US" dirty="0"/>
               <a:t>but scan servers built on any platform</a:t>
             </a:r>
-            <a:endParaRPr lang="en-US" dirty="0"/>
           </a:p>
         </p:txBody>
       </p:sp>
@@ -11055,7 +11057,6 @@
               <a:rPr lang="en-US" dirty="0"/>
               <a:t>Metasploit Framework</a:t>
             </a:r>
-            <a:endParaRPr lang="en-US" dirty="0"/>
           </a:p>
         </p:txBody>
       </p:sp>
@@ -11109,7 +11110,6 @@
               <a:rPr lang="en-US" dirty="0"/>
               <a:t>All versions of Unix and Windows</a:t>
             </a:r>
-            <a:endParaRPr lang="en-US" dirty="0"/>
           </a:p>
         </p:txBody>
       </p:sp>
@@ -11603,7 +11603,7 @@
         </p:spPr>
         <p:txBody>
           <a:bodyPr>
-            <a:normAutofit lnSpcReduction="10000"/>
+            <a:normAutofit/>
           </a:bodyPr>
           <a:lstStyle/>
           <a:p>
@@ -11624,8 +11624,17 @@
             </a:pPr>
             <a:r>
               <a:rPr lang="en-US" dirty="0"/>
-              <a:t>There are various benefits of leveraging external infrastructure penetration testing, as it −</a:t>
-            </a:r>
+              <a:t> </a:t>
+            </a:r>
+            <a:r>
+              <a:rPr lang="en-US" dirty="0" smtClean="0"/>
+              <a:t>    </a:t>
+            </a:r>
+            <a:r>
+              <a:rPr lang="en-US" b="1" dirty="0" smtClean="0"/>
+              <a:t>Benefits:</a:t>
+            </a:r>
+            <a:endParaRPr lang="en-US" b="1" dirty="0"/>
           </a:p>
           <a:p>
             <a:r>
@@ -11833,10 +11842,19 @@
         </p:nvSpPr>
         <p:spPr/>
         <p:txBody>
-          <a:bodyPr/>
-          <a:lstStyle/>
-          <a:p>
-            <a:endParaRPr lang="en-US"/>
+          <a:bodyPr>
+            <a:normAutofit fontScale="90000"/>
+          </a:bodyPr>
+          <a:lstStyle/>
+          <a:p>
+            <a:r>
+              <a:rPr lang="en-US" dirty="0"/>
+              <a:t>Internal Infrastructure Penetration Testing</a:t>
+            </a:r>
+            <a:br>
+              <a:rPr lang="en-US" dirty="0"/>
+            </a:br>
+            <a:endParaRPr lang="en-US" dirty="0"/>
           </a:p>
         </p:txBody>
       </p:sp>
@@ -11852,10 +11870,56 @@
         </p:nvSpPr>
         <p:spPr/>
         <p:txBody>
-          <a:bodyPr/>
-          <a:lstStyle/>
-          <a:p>
-            <a:endParaRPr lang="en-US"/>
+          <a:bodyPr>
+            <a:normAutofit lnSpcReduction="10000"/>
+          </a:bodyPr>
+          <a:lstStyle/>
+          <a:p>
+            <a:r>
+              <a:rPr lang="en-US" dirty="0"/>
+              <a:t>Due to some minor internal security flaws, hackers are illegally committing frauds in large organizations. So, with internal infrastructure penetration testing, a tester can identify the possibility of a security and from which employee, this problem has occurred.</a:t>
+            </a:r>
+          </a:p>
+          <a:p>
+            <a:pPr marL="0" indent="0">
+              <a:buNone/>
+            </a:pPr>
+            <a:r>
+              <a:rPr lang="en-US" dirty="0" smtClean="0"/>
+              <a:t>     </a:t>
+            </a:r>
+            <a:r>
+              <a:rPr lang="en-US" b="1" dirty="0" smtClean="0"/>
+              <a:t>Benefits:</a:t>
+            </a:r>
+            <a:endParaRPr lang="en-US" b="1" dirty="0"/>
+          </a:p>
+          <a:p>
+            <a:r>
+              <a:rPr lang="en-US" dirty="0"/>
+              <a:t>Identifies how an internal attacker could take advantage of even a minor security flaw.</a:t>
+            </a:r>
+          </a:p>
+          <a:p>
+            <a:r>
+              <a:rPr lang="en-US" dirty="0"/>
+              <a:t>Identifies the potential business risk and damage that an internal attacker can inflict.</a:t>
+            </a:r>
+          </a:p>
+          <a:p>
+            <a:r>
+              <a:rPr lang="en-US" dirty="0"/>
+              <a:t>Improves the security systems of internal infrastructure.</a:t>
+            </a:r>
+          </a:p>
+          <a:p>
+            <a:r>
+              <a:rPr lang="en-US" dirty="0"/>
+              <a:t>Prepares a comprehensive report giving details of the security exposures of internal networks along with the detailed action plan on how to deal with it.</a:t>
+            </a:r>
+          </a:p>
+          <a:p>
+            <a:endParaRPr lang="en-US" dirty="0"/>
           </a:p>
         </p:txBody>
       </p:sp>
@@ -11901,10 +11965,19 @@
         </p:nvSpPr>
         <p:spPr/>
         <p:txBody>
-          <a:bodyPr/>
-          <a:lstStyle/>
-          <a:p>
-            <a:endParaRPr lang="en-US"/>
+          <a:bodyPr>
+            <a:normAutofit fontScale="90000"/>
+          </a:bodyPr>
+          <a:lstStyle/>
+          <a:p>
+            <a:r>
+              <a:rPr lang="en-US" dirty="0"/>
+              <a:t>Cloud and Virtualization Penetration Testing</a:t>
+            </a:r>
+            <a:br>
+              <a:rPr lang="en-US" dirty="0"/>
+            </a:br>
+            <a:endParaRPr lang="en-US" dirty="0"/>
           </a:p>
         </p:txBody>
       </p:sp>
@@ -11918,12 +11991,75 @@
             <p:ph idx="1"/>
           </p:nvPr>
         </p:nvSpPr>
-        <p:spPr/>
-        <p:txBody>
-          <a:bodyPr/>
-          <a:lstStyle/>
-          <a:p>
-            <a:endParaRPr lang="en-US"/>
+        <p:spPr>
+          <a:xfrm>
+            <a:off x="677334" y="1280161"/>
+            <a:ext cx="8596668" cy="4761202"/>
+          </a:xfrm>
+        </p:spPr>
+        <p:txBody>
+          <a:bodyPr/>
+          <a:lstStyle/>
+          <a:p>
+            <a:r>
+              <a:rPr lang="en-US" dirty="0"/>
+              <a:t>As you buy a public server or wave space, it significantly increases the risks of data breach. Further, identifying the attacker on cloud environment is difficult. An attacker can also buy hosting a Cloud facility to get access to your new Cloud data.</a:t>
+            </a:r>
+          </a:p>
+          <a:p>
+            <a:r>
+              <a:rPr lang="en-US" dirty="0"/>
+              <a:t>In fact, most of the Cloud hosting is implemented on virtual infrastructure, causing Virtualization risk that an attacker can easily </a:t>
+            </a:r>
+            <a:r>
+              <a:rPr lang="en-US" dirty="0" smtClean="0"/>
+              <a:t>access.</a:t>
+            </a:r>
+          </a:p>
+          <a:p>
+            <a:pPr marL="0" indent="0">
+              <a:buNone/>
+            </a:pPr>
+            <a:r>
+              <a:rPr lang="en-US" b="1" dirty="0"/>
+              <a:t> </a:t>
+            </a:r>
+            <a:r>
+              <a:rPr lang="en-US" b="1" dirty="0" smtClean="0"/>
+              <a:t>    Benefits</a:t>
+            </a:r>
+            <a:r>
+              <a:rPr lang="en-US" dirty="0" smtClean="0"/>
+              <a:t>:</a:t>
+            </a:r>
+            <a:endParaRPr lang="en-US" dirty="0"/>
+          </a:p>
+          <a:p>
+            <a:r>
+              <a:rPr lang="en-US" dirty="0"/>
+              <a:t>Discovers the real risks within the virtual environment and suggests the methods and costs to fix the threats and flaws.</a:t>
+            </a:r>
+          </a:p>
+          <a:p>
+            <a:r>
+              <a:rPr lang="en-US" dirty="0"/>
+              <a:t>Provides guidelines and an action plan how to resolve the issue/s.</a:t>
+            </a:r>
+          </a:p>
+          <a:p>
+            <a:r>
+              <a:rPr lang="en-US" dirty="0"/>
+              <a:t>Improves the overall protection system.</a:t>
+            </a:r>
+          </a:p>
+          <a:p>
+            <a:r>
+              <a:rPr lang="en-US" dirty="0"/>
+              <a:t>Prepares a comprehensive security system report of the Cloud computing and Virtualization, outline the security flaw, causes and possible solutions.</a:t>
+            </a:r>
+          </a:p>
+          <a:p>
+            <a:endParaRPr lang="en-US" dirty="0"/>
           </a:p>
         </p:txBody>
       </p:sp>
@@ -11972,6 +12108,13 @@
           <a:bodyPr/>
           <a:lstStyle/>
           <a:p>
+            <a:r>
+              <a:rPr lang="en-US" dirty="0"/>
+              <a:t>Wireless Security Penetration Testing</a:t>
+            </a:r>
+            <a:br>
+              <a:rPr lang="en-US" dirty="0"/>
+            </a:br>
             <a:endParaRPr lang="en-US" dirty="0"/>
           </a:p>
         </p:txBody>
@@ -11986,12 +12129,67 @@
             <p:ph idx="1"/>
           </p:nvPr>
         </p:nvSpPr>
-        <p:spPr/>
-        <p:txBody>
-          <a:bodyPr/>
-          <a:lstStyle/>
-          <a:p>
-            <a:endParaRPr lang="en-US"/>
+        <p:spPr>
+          <a:xfrm>
+            <a:off x="677334" y="1410789"/>
+            <a:ext cx="8596668" cy="5181600"/>
+          </a:xfrm>
+        </p:spPr>
+        <p:txBody>
+          <a:bodyPr/>
+          <a:lstStyle/>
+          <a:p>
+            <a:r>
+              <a:rPr lang="en-US" dirty="0"/>
+              <a:t>Wireless technology of your laptop and other devices provides an easy and flexible access to various networks. The easily accessible technology is vulnerable to unique risks; as physical security cannot be used to limit network access. An attacker can hack from the remote location. Hence, wireless security penetration testing is necessary for your company/organization</a:t>
+            </a:r>
+            <a:r>
+              <a:rPr lang="en-US" dirty="0" smtClean="0"/>
+              <a:t>.</a:t>
+            </a:r>
+          </a:p>
+          <a:p>
+            <a:pPr marL="0" indent="0">
+              <a:buNone/>
+            </a:pPr>
+            <a:r>
+              <a:rPr lang="en-US" b="1" dirty="0" smtClean="0"/>
+              <a:t>    Benefits</a:t>
+            </a:r>
+            <a:r>
+              <a:rPr lang="en-US" dirty="0" smtClean="0"/>
+              <a:t>:</a:t>
+            </a:r>
+          </a:p>
+          <a:p>
+            <a:r>
+              <a:rPr lang="en-US" dirty="0"/>
+              <a:t>To find the potential risk caused by your wireless devices.</a:t>
+            </a:r>
+          </a:p>
+          <a:p>
+            <a:r>
+              <a:rPr lang="en-US" dirty="0"/>
+              <a:t>To provide guidelines and an action plan on how to protect from the external threats.</a:t>
+            </a:r>
+          </a:p>
+          <a:p>
+            <a:r>
+              <a:rPr lang="en-US" dirty="0"/>
+              <a:t>To improve the overall security system.</a:t>
+            </a:r>
+          </a:p>
+          <a:p>
+            <a:r>
+              <a:rPr lang="en-US" dirty="0"/>
+              <a:t>For preparing a comprehensive security system report of the wireless networking, to outline the security flaw, causes, and possible solutions.</a:t>
+            </a:r>
+          </a:p>
+          <a:p>
+            <a:endParaRPr lang="en-US" dirty="0" smtClean="0"/>
+          </a:p>
+          <a:p>
+            <a:endParaRPr lang="en-US" dirty="0"/>
           </a:p>
         </p:txBody>
       </p:sp>
@@ -11999,6 +12197,693 @@
     <p:extLst>
       <p:ext uri="{BB962C8B-B14F-4D97-AF65-F5344CB8AC3E}">
         <p14:creationId xmlns:p14="http://schemas.microsoft.com/office/powerpoint/2010/main" val="1162425922"/>
+      </p:ext>
+    </p:extLst>
+  </p:cSld>
+  <p:clrMapOvr>
+    <a:masterClrMapping/>
+  </p:clrMapOvr>
+</p:sld>
+</file>
+
+<file path=ppt/slides/slide53.xml><?xml version="1.0" encoding="utf-8"?>
+<p:sld xmlns:a="http://schemas.openxmlformats.org/drawingml/2006/main" xmlns:r="http://schemas.openxmlformats.org/officeDocument/2006/relationships" xmlns:p="http://schemas.openxmlformats.org/presentationml/2006/main">
+  <p:cSld>
+    <p:spTree>
+      <p:nvGrpSpPr>
+        <p:cNvPr id="1" name=""/>
+        <p:cNvGrpSpPr/>
+        <p:nvPr/>
+      </p:nvGrpSpPr>
+      <p:grpSpPr>
+        <a:xfrm>
+          <a:off x="0" y="0"/>
+          <a:ext cx="0" cy="0"/>
+          <a:chOff x="0" y="0"/>
+          <a:chExt cx="0" cy="0"/>
+        </a:xfrm>
+      </p:grpSpPr>
+      <p:sp>
+        <p:nvSpPr>
+          <p:cNvPr id="2" name="Title 1"/>
+          <p:cNvSpPr>
+            <a:spLocks noGrp="1"/>
+          </p:cNvSpPr>
+          <p:nvPr>
+            <p:ph type="title"/>
+          </p:nvPr>
+        </p:nvSpPr>
+        <p:spPr/>
+        <p:txBody>
+          <a:bodyPr/>
+          <a:lstStyle/>
+          <a:p>
+            <a:r>
+              <a:rPr lang="en-US" dirty="0"/>
+              <a:t>Penetration Testing - Testers</a:t>
+            </a:r>
+            <a:br>
+              <a:rPr lang="en-US" dirty="0"/>
+            </a:br>
+            <a:endParaRPr lang="en-US" dirty="0"/>
+          </a:p>
+        </p:txBody>
+      </p:sp>
+      <p:sp>
+        <p:nvSpPr>
+          <p:cNvPr id="3" name="Content Placeholder 2"/>
+          <p:cNvSpPr>
+            <a:spLocks noGrp="1"/>
+          </p:cNvSpPr>
+          <p:nvPr>
+            <p:ph idx="1"/>
+          </p:nvPr>
+        </p:nvSpPr>
+        <p:spPr>
+          <a:xfrm>
+            <a:off x="677334" y="2160589"/>
+            <a:ext cx="8596668" cy="2324325"/>
+          </a:xfrm>
+        </p:spPr>
+        <p:txBody>
+          <a:bodyPr/>
+          <a:lstStyle/>
+          <a:p>
+            <a:r>
+              <a:rPr lang="en-US" dirty="0"/>
+              <a:t>There is the issue of protecting the most critical data of the </a:t>
+            </a:r>
+            <a:r>
+              <a:rPr lang="en-US" dirty="0" smtClean="0"/>
+              <a:t>organization</a:t>
+            </a:r>
+          </a:p>
+          <a:p>
+            <a:r>
+              <a:rPr lang="en-US" dirty="0"/>
+              <a:t>T</a:t>
+            </a:r>
+            <a:r>
+              <a:rPr lang="en-US" dirty="0" smtClean="0"/>
+              <a:t>herefore</a:t>
+            </a:r>
+            <a:r>
+              <a:rPr lang="en-US" dirty="0"/>
+              <a:t>, the role of a penetration tester is much </a:t>
+            </a:r>
+            <a:r>
+              <a:rPr lang="en-US" dirty="0" smtClean="0"/>
+              <a:t>critical</a:t>
+            </a:r>
+          </a:p>
+          <a:p>
+            <a:r>
+              <a:rPr lang="en-US" dirty="0"/>
+              <a:t>A</a:t>
+            </a:r>
+            <a:r>
+              <a:rPr lang="en-US" dirty="0" smtClean="0"/>
+              <a:t> </a:t>
+            </a:r>
+            <a:r>
+              <a:rPr lang="en-US" dirty="0"/>
+              <a:t>minor error can put both the parties (tester and his client) on risk.</a:t>
+            </a:r>
+            <a:endParaRPr lang="en-US" dirty="0"/>
+          </a:p>
+        </p:txBody>
+      </p:sp>
+    </p:spTree>
+    <p:extLst>
+      <p:ext uri="{BB962C8B-B14F-4D97-AF65-F5344CB8AC3E}">
+        <p14:creationId xmlns:p14="http://schemas.microsoft.com/office/powerpoint/2010/main" val="1206321429"/>
+      </p:ext>
+    </p:extLst>
+  </p:cSld>
+  <p:clrMapOvr>
+    <a:masterClrMapping/>
+  </p:clrMapOvr>
+</p:sld>
+</file>
+
+<file path=ppt/slides/slide54.xml><?xml version="1.0" encoding="utf-8"?>
+<p:sld xmlns:a="http://schemas.openxmlformats.org/drawingml/2006/main" xmlns:r="http://schemas.openxmlformats.org/officeDocument/2006/relationships" xmlns:p="http://schemas.openxmlformats.org/presentationml/2006/main">
+  <p:cSld>
+    <p:spTree>
+      <p:nvGrpSpPr>
+        <p:cNvPr id="1" name=""/>
+        <p:cNvGrpSpPr/>
+        <p:nvPr/>
+      </p:nvGrpSpPr>
+      <p:grpSpPr>
+        <a:xfrm>
+          <a:off x="0" y="0"/>
+          <a:ext cx="0" cy="0"/>
+          <a:chOff x="0" y="0"/>
+          <a:chExt cx="0" cy="0"/>
+        </a:xfrm>
+      </p:grpSpPr>
+      <p:sp>
+        <p:nvSpPr>
+          <p:cNvPr id="2" name="Title 1"/>
+          <p:cNvSpPr>
+            <a:spLocks noGrp="1"/>
+          </p:cNvSpPr>
+          <p:nvPr>
+            <p:ph type="title"/>
+          </p:nvPr>
+        </p:nvSpPr>
+        <p:spPr/>
+        <p:txBody>
+          <a:bodyPr/>
+          <a:lstStyle/>
+          <a:p>
+            <a:r>
+              <a:rPr lang="en-US" dirty="0"/>
+              <a:t>Role of a Penetration Tester</a:t>
+            </a:r>
+          </a:p>
+        </p:txBody>
+      </p:sp>
+      <p:sp>
+        <p:nvSpPr>
+          <p:cNvPr id="3" name="Content Placeholder 2"/>
+          <p:cNvSpPr>
+            <a:spLocks noGrp="1"/>
+          </p:cNvSpPr>
+          <p:nvPr>
+            <p:ph idx="1"/>
+          </p:nvPr>
+        </p:nvSpPr>
+        <p:spPr/>
+        <p:txBody>
+          <a:bodyPr/>
+          <a:lstStyle/>
+          <a:p>
+            <a:r>
+              <a:rPr lang="en-US" dirty="0"/>
+              <a:t>Identify inefficient allocation of tools and technology.</a:t>
+            </a:r>
+          </a:p>
+          <a:p>
+            <a:r>
+              <a:rPr lang="en-US" dirty="0"/>
+              <a:t>Testing across internal security systems.</a:t>
+            </a:r>
+          </a:p>
+          <a:p>
+            <a:r>
+              <a:rPr lang="en-US" dirty="0"/>
+              <a:t>Pinpoint exposures to protect the most critical data.</a:t>
+            </a:r>
+          </a:p>
+          <a:p>
+            <a:r>
+              <a:rPr lang="en-US" dirty="0"/>
+              <a:t>Discover invaluable knowledge of vulnerabilities and risks throughout the infrastructure.</a:t>
+            </a:r>
+          </a:p>
+          <a:p>
+            <a:r>
+              <a:rPr lang="en-US" dirty="0"/>
+              <a:t>Reporting and prioritizing remediation recommendations to ensure that the security team is utilizing their time in the most effective way, while protecting the biggest security gaps.</a:t>
+            </a:r>
+          </a:p>
+          <a:p>
+            <a:endParaRPr lang="en-US" dirty="0"/>
+          </a:p>
+        </p:txBody>
+      </p:sp>
+    </p:spTree>
+    <p:extLst>
+      <p:ext uri="{BB962C8B-B14F-4D97-AF65-F5344CB8AC3E}">
+        <p14:creationId xmlns:p14="http://schemas.microsoft.com/office/powerpoint/2010/main" val="3921739172"/>
+      </p:ext>
+    </p:extLst>
+  </p:cSld>
+  <p:clrMapOvr>
+    <a:masterClrMapping/>
+  </p:clrMapOvr>
+</p:sld>
+</file>
+
+<file path=ppt/slides/slide55.xml><?xml version="1.0" encoding="utf-8"?>
+<p:sld xmlns:a="http://schemas.openxmlformats.org/drawingml/2006/main" xmlns:r="http://schemas.openxmlformats.org/officeDocument/2006/relationships" xmlns:p="http://schemas.openxmlformats.org/presentationml/2006/main">
+  <p:cSld>
+    <p:spTree>
+      <p:nvGrpSpPr>
+        <p:cNvPr id="1" name=""/>
+        <p:cNvGrpSpPr/>
+        <p:nvPr/>
+      </p:nvGrpSpPr>
+      <p:grpSpPr>
+        <a:xfrm>
+          <a:off x="0" y="0"/>
+          <a:ext cx="0" cy="0"/>
+          <a:chOff x="0" y="0"/>
+          <a:chExt cx="0" cy="0"/>
+        </a:xfrm>
+      </p:grpSpPr>
+      <p:sp>
+        <p:nvSpPr>
+          <p:cNvPr id="2" name="Title 1"/>
+          <p:cNvSpPr>
+            <a:spLocks noGrp="1"/>
+          </p:cNvSpPr>
+          <p:nvPr>
+            <p:ph type="title"/>
+          </p:nvPr>
+        </p:nvSpPr>
+        <p:spPr/>
+        <p:txBody>
+          <a:bodyPr/>
+          <a:lstStyle/>
+          <a:p>
+            <a:r>
+              <a:rPr lang="en-US" dirty="0"/>
+              <a:t>Penetration Testing - Report Writing</a:t>
+            </a:r>
+            <a:br>
+              <a:rPr lang="en-US" dirty="0"/>
+            </a:br>
+            <a:endParaRPr lang="en-US" dirty="0"/>
+          </a:p>
+        </p:txBody>
+      </p:sp>
+      <p:sp>
+        <p:nvSpPr>
+          <p:cNvPr id="3" name="Content Placeholder 2"/>
+          <p:cNvSpPr>
+            <a:spLocks noGrp="1"/>
+          </p:cNvSpPr>
+          <p:nvPr>
+            <p:ph idx="1"/>
+          </p:nvPr>
+        </p:nvSpPr>
+        <p:spPr/>
+        <p:txBody>
+          <a:bodyPr/>
+          <a:lstStyle/>
+          <a:p>
+            <a:pPr marL="0" indent="0">
+              <a:buNone/>
+            </a:pPr>
+            <a:r>
+              <a:rPr lang="en-US" dirty="0" smtClean="0"/>
+              <a:t>     What </a:t>
+            </a:r>
+            <a:r>
+              <a:rPr lang="en-US" dirty="0"/>
+              <a:t>is Report Writing?</a:t>
+            </a:r>
+          </a:p>
+          <a:p>
+            <a:r>
+              <a:rPr lang="en-US" dirty="0"/>
+              <a:t>In penetration testing, report writing is a comprehensive task that includes methodology, procedures, proper explanation of report content and design, detailed example of testing report, and tester’s personal experience. Once the report is prepared, it is shared among the senior management staff and </a:t>
+            </a:r>
+            <a:endParaRPr lang="en-US" dirty="0" smtClean="0"/>
+          </a:p>
+          <a:p>
+            <a:endParaRPr lang="en-US" dirty="0"/>
+          </a:p>
+          <a:p>
+            <a:r>
+              <a:rPr lang="en-US" dirty="0" smtClean="0"/>
+              <a:t> </a:t>
+            </a:r>
+            <a:r>
+              <a:rPr lang="en-US" dirty="0"/>
+              <a:t>If any such kind of need arises in future, this report is used as the reference.</a:t>
+            </a:r>
+            <a:endParaRPr lang="en-US" dirty="0"/>
+          </a:p>
+        </p:txBody>
+      </p:sp>
+    </p:spTree>
+    <p:extLst>
+      <p:ext uri="{BB962C8B-B14F-4D97-AF65-F5344CB8AC3E}">
+        <p14:creationId xmlns:p14="http://schemas.microsoft.com/office/powerpoint/2010/main" val="3978782451"/>
+      </p:ext>
+    </p:extLst>
+  </p:cSld>
+  <p:clrMapOvr>
+    <a:masterClrMapping/>
+  </p:clrMapOvr>
+</p:sld>
+</file>
+
+<file path=ppt/slides/slide56.xml><?xml version="1.0" encoding="utf-8"?>
+<p:sld xmlns:a="http://schemas.openxmlformats.org/drawingml/2006/main" xmlns:r="http://schemas.openxmlformats.org/officeDocument/2006/relationships" xmlns:p="http://schemas.openxmlformats.org/presentationml/2006/main">
+  <p:cSld>
+    <p:spTree>
+      <p:nvGrpSpPr>
+        <p:cNvPr id="1" name=""/>
+        <p:cNvGrpSpPr/>
+        <p:nvPr/>
+      </p:nvGrpSpPr>
+      <p:grpSpPr>
+        <a:xfrm>
+          <a:off x="0" y="0"/>
+          <a:ext cx="0" cy="0"/>
+          <a:chOff x="0" y="0"/>
+          <a:chExt cx="0" cy="0"/>
+        </a:xfrm>
+      </p:grpSpPr>
+      <p:sp>
+        <p:nvSpPr>
+          <p:cNvPr id="2" name="Title 1"/>
+          <p:cNvSpPr>
+            <a:spLocks noGrp="1"/>
+          </p:cNvSpPr>
+          <p:nvPr>
+            <p:ph type="title"/>
+          </p:nvPr>
+        </p:nvSpPr>
+        <p:spPr/>
+        <p:txBody>
+          <a:bodyPr/>
+          <a:lstStyle/>
+          <a:p>
+            <a:r>
+              <a:rPr lang="en-US" dirty="0"/>
+              <a:t>Report Writing Stages</a:t>
+            </a:r>
+            <a:br>
+              <a:rPr lang="en-US" dirty="0"/>
+            </a:br>
+            <a:endParaRPr lang="en-US" dirty="0"/>
+          </a:p>
+        </p:txBody>
+      </p:sp>
+      <p:sp>
+        <p:nvSpPr>
+          <p:cNvPr id="3" name="Content Placeholder 2"/>
+          <p:cNvSpPr>
+            <a:spLocks noGrp="1"/>
+          </p:cNvSpPr>
+          <p:nvPr>
+            <p:ph idx="1"/>
+          </p:nvPr>
+        </p:nvSpPr>
+        <p:spPr/>
+        <p:txBody>
+          <a:bodyPr/>
+          <a:lstStyle/>
+          <a:p>
+            <a:r>
+              <a:rPr lang="en-US" dirty="0"/>
+              <a:t>Report Planning</a:t>
+            </a:r>
+          </a:p>
+          <a:p>
+            <a:r>
+              <a:rPr lang="en-US" dirty="0"/>
+              <a:t>Information Collection</a:t>
+            </a:r>
+          </a:p>
+          <a:p>
+            <a:r>
+              <a:rPr lang="en-US" dirty="0"/>
+              <a:t>Writing the First Draft</a:t>
+            </a:r>
+          </a:p>
+          <a:p>
+            <a:r>
+              <a:rPr lang="en-US" dirty="0"/>
+              <a:t>Review and </a:t>
+            </a:r>
+            <a:r>
+              <a:rPr lang="en-US" dirty="0" smtClean="0"/>
+              <a:t>Finalization                  </a:t>
+            </a:r>
+            <a:endParaRPr lang="en-US" dirty="0"/>
+          </a:p>
+          <a:p>
+            <a:pPr marL="0" indent="0">
+              <a:buNone/>
+            </a:pPr>
+            <a:r>
+              <a:rPr lang="en-US" dirty="0"/>
+              <a:t/>
+            </a:r>
+            <a:br>
+              <a:rPr lang="en-US" dirty="0"/>
+            </a:br>
+            <a:endParaRPr lang="en-US" dirty="0"/>
+          </a:p>
+        </p:txBody>
+      </p:sp>
+      <p:pic>
+        <p:nvPicPr>
+          <p:cNvPr id="4" name="Picture 3"/>
+          <p:cNvPicPr>
+            <a:picLocks noChangeAspect="1"/>
+          </p:cNvPicPr>
+          <p:nvPr/>
+        </p:nvPicPr>
+        <p:blipFill>
+          <a:blip r:embed="rId2">
+            <a:extLst>
+              <a:ext uri="{28A0092B-C50C-407E-A947-70E740481C1C}">
+                <a14:useLocalDpi xmlns:a14="http://schemas.microsoft.com/office/drawing/2010/main" val="0"/>
+              </a:ext>
+            </a:extLst>
+          </a:blip>
+          <a:stretch>
+            <a:fillRect/>
+          </a:stretch>
+        </p:blipFill>
+        <p:spPr>
+          <a:xfrm>
+            <a:off x="3135086" y="4100975"/>
+            <a:ext cx="3995600" cy="2351741"/>
+          </a:xfrm>
+          <a:prstGeom prst="rect">
+            <a:avLst/>
+          </a:prstGeom>
+          <a:ln w="228600" cap="sq" cmpd="thickThin">
+            <a:solidFill>
+              <a:srgbClr val="000000"/>
+            </a:solidFill>
+            <a:prstDash val="solid"/>
+            <a:miter lim="800000"/>
+          </a:ln>
+          <a:effectLst>
+            <a:innerShdw blurRad="76200">
+              <a:srgbClr val="000000"/>
+            </a:innerShdw>
+          </a:effectLst>
+        </p:spPr>
+      </p:pic>
+    </p:spTree>
+    <p:extLst>
+      <p:ext uri="{BB962C8B-B14F-4D97-AF65-F5344CB8AC3E}">
+        <p14:creationId xmlns:p14="http://schemas.microsoft.com/office/powerpoint/2010/main" val="3760339912"/>
+      </p:ext>
+    </p:extLst>
+  </p:cSld>
+  <p:clrMapOvr>
+    <a:masterClrMapping/>
+  </p:clrMapOvr>
+</p:sld>
+</file>
+
+<file path=ppt/slides/slide57.xml><?xml version="1.0" encoding="utf-8"?>
+<p:sld xmlns:a="http://schemas.openxmlformats.org/drawingml/2006/main" xmlns:r="http://schemas.openxmlformats.org/officeDocument/2006/relationships" xmlns:p="http://schemas.openxmlformats.org/presentationml/2006/main">
+  <p:cSld>
+    <p:spTree>
+      <p:nvGrpSpPr>
+        <p:cNvPr id="1" name=""/>
+        <p:cNvGrpSpPr/>
+        <p:nvPr/>
+      </p:nvGrpSpPr>
+      <p:grpSpPr>
+        <a:xfrm>
+          <a:off x="0" y="0"/>
+          <a:ext cx="0" cy="0"/>
+          <a:chOff x="0" y="0"/>
+          <a:chExt cx="0" cy="0"/>
+        </a:xfrm>
+      </p:grpSpPr>
+      <p:sp>
+        <p:nvSpPr>
+          <p:cNvPr id="2" name="Title 1"/>
+          <p:cNvSpPr>
+            <a:spLocks noGrp="1"/>
+          </p:cNvSpPr>
+          <p:nvPr>
+            <p:ph type="title"/>
+          </p:nvPr>
+        </p:nvSpPr>
+        <p:spPr/>
+        <p:txBody>
+          <a:bodyPr/>
+          <a:lstStyle/>
+          <a:p>
+            <a:endParaRPr lang="en-US"/>
+          </a:p>
+        </p:txBody>
+      </p:sp>
+      <p:sp>
+        <p:nvSpPr>
+          <p:cNvPr id="3" name="Content Placeholder 2"/>
+          <p:cNvSpPr>
+            <a:spLocks noGrp="1"/>
+          </p:cNvSpPr>
+          <p:nvPr>
+            <p:ph idx="1"/>
+          </p:nvPr>
+        </p:nvSpPr>
+        <p:spPr/>
+        <p:txBody>
+          <a:bodyPr/>
+          <a:lstStyle/>
+          <a:p>
+            <a:endParaRPr lang="en-US"/>
+          </a:p>
+        </p:txBody>
+      </p:sp>
+    </p:spTree>
+    <p:extLst>
+      <p:ext uri="{BB962C8B-B14F-4D97-AF65-F5344CB8AC3E}">
+        <p14:creationId xmlns:p14="http://schemas.microsoft.com/office/powerpoint/2010/main" val="3655671832"/>
+      </p:ext>
+    </p:extLst>
+  </p:cSld>
+  <p:clrMapOvr>
+    <a:masterClrMapping/>
+  </p:clrMapOvr>
+</p:sld>
+</file>
+
+<file path=ppt/slides/slide58.xml><?xml version="1.0" encoding="utf-8"?>
+<p:sld xmlns:a="http://schemas.openxmlformats.org/drawingml/2006/main" xmlns:r="http://schemas.openxmlformats.org/officeDocument/2006/relationships" xmlns:p="http://schemas.openxmlformats.org/presentationml/2006/main">
+  <p:cSld>
+    <p:spTree>
+      <p:nvGrpSpPr>
+        <p:cNvPr id="1" name=""/>
+        <p:cNvGrpSpPr/>
+        <p:nvPr/>
+      </p:nvGrpSpPr>
+      <p:grpSpPr>
+        <a:xfrm>
+          <a:off x="0" y="0"/>
+          <a:ext cx="0" cy="0"/>
+          <a:chOff x="0" y="0"/>
+          <a:chExt cx="0" cy="0"/>
+        </a:xfrm>
+      </p:grpSpPr>
+      <p:sp>
+        <p:nvSpPr>
+          <p:cNvPr id="2" name="Title 1"/>
+          <p:cNvSpPr>
+            <a:spLocks noGrp="1"/>
+          </p:cNvSpPr>
+          <p:nvPr>
+            <p:ph type="title"/>
+          </p:nvPr>
+        </p:nvSpPr>
+        <p:spPr/>
+        <p:txBody>
+          <a:bodyPr/>
+          <a:lstStyle/>
+          <a:p>
+            <a:endParaRPr lang="en-US"/>
+          </a:p>
+        </p:txBody>
+      </p:sp>
+      <p:sp>
+        <p:nvSpPr>
+          <p:cNvPr id="3" name="Content Placeholder 2"/>
+          <p:cNvSpPr>
+            <a:spLocks noGrp="1"/>
+          </p:cNvSpPr>
+          <p:nvPr>
+            <p:ph idx="1"/>
+          </p:nvPr>
+        </p:nvSpPr>
+        <p:spPr/>
+        <p:txBody>
+          <a:bodyPr/>
+          <a:lstStyle/>
+          <a:p>
+            <a:endParaRPr lang="en-US"/>
+          </a:p>
+        </p:txBody>
+      </p:sp>
+    </p:spTree>
+    <p:extLst>
+      <p:ext uri="{BB962C8B-B14F-4D97-AF65-F5344CB8AC3E}">
+        <p14:creationId xmlns:p14="http://schemas.microsoft.com/office/powerpoint/2010/main" val="3455285614"/>
+      </p:ext>
+    </p:extLst>
+  </p:cSld>
+  <p:clrMapOvr>
+    <a:masterClrMapping/>
+  </p:clrMapOvr>
+</p:sld>
+</file>
+
+<file path=ppt/slides/slide59.xml><?xml version="1.0" encoding="utf-8"?>
+<p:sld xmlns:a="http://schemas.openxmlformats.org/drawingml/2006/main" xmlns:r="http://schemas.openxmlformats.org/officeDocument/2006/relationships" xmlns:p="http://schemas.openxmlformats.org/presentationml/2006/main">
+  <p:cSld>
+    <p:spTree>
+      <p:nvGrpSpPr>
+        <p:cNvPr id="1" name=""/>
+        <p:cNvGrpSpPr/>
+        <p:nvPr/>
+      </p:nvGrpSpPr>
+      <p:grpSpPr>
+        <a:xfrm>
+          <a:off x="0" y="0"/>
+          <a:ext cx="0" cy="0"/>
+          <a:chOff x="0" y="0"/>
+          <a:chExt cx="0" cy="0"/>
+        </a:xfrm>
+      </p:grpSpPr>
+      <p:sp>
+        <p:nvSpPr>
+          <p:cNvPr id="2" name="Title 1"/>
+          <p:cNvSpPr>
+            <a:spLocks noGrp="1"/>
+          </p:cNvSpPr>
+          <p:nvPr>
+            <p:ph type="title"/>
+          </p:nvPr>
+        </p:nvSpPr>
+        <p:spPr/>
+        <p:txBody>
+          <a:bodyPr/>
+          <a:lstStyle/>
+          <a:p>
+            <a:endParaRPr lang="en-US"/>
+          </a:p>
+        </p:txBody>
+      </p:sp>
+      <p:sp>
+        <p:nvSpPr>
+          <p:cNvPr id="3" name="Content Placeholder 2"/>
+          <p:cNvSpPr>
+            <a:spLocks noGrp="1"/>
+          </p:cNvSpPr>
+          <p:nvPr>
+            <p:ph idx="1"/>
+          </p:nvPr>
+        </p:nvSpPr>
+        <p:spPr/>
+        <p:txBody>
+          <a:bodyPr/>
+          <a:lstStyle/>
+          <a:p>
+            <a:endParaRPr lang="en-US"/>
+          </a:p>
+        </p:txBody>
+      </p:sp>
+    </p:spTree>
+    <p:extLst>
+      <p:ext uri="{BB962C8B-B14F-4D97-AF65-F5344CB8AC3E}">
+        <p14:creationId xmlns:p14="http://schemas.microsoft.com/office/powerpoint/2010/main" val="3638297712"/>
       </p:ext>
     </p:extLst>
   </p:cSld>
@@ -12135,6 +13020,74 @@
       </p:par>
     </p:tnLst>
   </p:timing>
+</p:sld>
+</file>
+
+<file path=ppt/slides/slide60.xml><?xml version="1.0" encoding="utf-8"?>
+<p:sld xmlns:a="http://schemas.openxmlformats.org/drawingml/2006/main" xmlns:r="http://schemas.openxmlformats.org/officeDocument/2006/relationships" xmlns:p="http://schemas.openxmlformats.org/presentationml/2006/main">
+  <p:cSld>
+    <p:spTree>
+      <p:nvGrpSpPr>
+        <p:cNvPr id="1" name=""/>
+        <p:cNvGrpSpPr/>
+        <p:nvPr/>
+      </p:nvGrpSpPr>
+      <p:grpSpPr>
+        <a:xfrm>
+          <a:off x="0" y="0"/>
+          <a:ext cx="0" cy="0"/>
+          <a:chOff x="0" y="0"/>
+          <a:chExt cx="0" cy="0"/>
+        </a:xfrm>
+      </p:grpSpPr>
+      <p:sp>
+        <p:nvSpPr>
+          <p:cNvPr id="2" name="Title 1"/>
+          <p:cNvSpPr>
+            <a:spLocks noGrp="1"/>
+          </p:cNvSpPr>
+          <p:nvPr>
+            <p:ph type="title"/>
+          </p:nvPr>
+        </p:nvSpPr>
+        <p:spPr/>
+        <p:txBody>
+          <a:bodyPr/>
+          <a:lstStyle/>
+          <a:p>
+            <a:endParaRPr lang="en-US"/>
+          </a:p>
+        </p:txBody>
+      </p:sp>
+      <p:sp>
+        <p:nvSpPr>
+          <p:cNvPr id="3" name="Content Placeholder 2"/>
+          <p:cNvSpPr>
+            <a:spLocks noGrp="1"/>
+          </p:cNvSpPr>
+          <p:nvPr>
+            <p:ph idx="1"/>
+          </p:nvPr>
+        </p:nvSpPr>
+        <p:spPr/>
+        <p:txBody>
+          <a:bodyPr/>
+          <a:lstStyle/>
+          <a:p>
+            <a:endParaRPr lang="en-US"/>
+          </a:p>
+        </p:txBody>
+      </p:sp>
+    </p:spTree>
+    <p:extLst>
+      <p:ext uri="{BB962C8B-B14F-4D97-AF65-F5344CB8AC3E}">
+        <p14:creationId xmlns:p14="http://schemas.microsoft.com/office/powerpoint/2010/main" val="931972784"/>
+      </p:ext>
+    </p:extLst>
+  </p:cSld>
+  <p:clrMapOvr>
+    <a:masterClrMapping/>
+  </p:clrMapOvr>
 </p:sld>
 </file>
 

--- a/PENETRATION TESTING.pptx
+++ b/PENETRATION TESTING.pptx
@@ -65,6 +65,11 @@
     <p:sldId id="317" r:id="rId59"/>
     <p:sldId id="318" r:id="rId60"/>
     <p:sldId id="319" r:id="rId61"/>
+    <p:sldId id="320" r:id="rId62"/>
+    <p:sldId id="321" r:id="rId63"/>
+    <p:sldId id="322" r:id="rId64"/>
+    <p:sldId id="323" r:id="rId65"/>
+    <p:sldId id="324" r:id="rId66"/>
   </p:sldIdLst>
   <p:sldSz cx="12192000" cy="6858000"/>
   <p:notesSz cx="6858000" cy="9144000"/>
@@ -896,7 +901,7 @@
             <a:fld id="{B61BEF0D-F0BB-DE4B-95CE-6DB70DBA9567}" type="datetimeFigureOut">
               <a:rPr lang="en-US" dirty="0"/>
               <a:pPr/>
-              <a:t>7/8/2020</a:t>
+              <a:t>7/10/2020</a:t>
             </a:fld>
             <a:endParaRPr lang="en-US" dirty="0"/>
           </a:p>
@@ -1144,7 +1149,7 @@
             <a:fld id="{B61BEF0D-F0BB-DE4B-95CE-6DB70DBA9567}" type="datetimeFigureOut">
               <a:rPr lang="en-US" dirty="0"/>
               <a:pPr/>
-              <a:t>7/8/2020</a:t>
+              <a:t>7/10/2020</a:t>
             </a:fld>
             <a:endParaRPr lang="en-US" dirty="0"/>
           </a:p>
@@ -1455,7 +1460,7 @@
             <a:fld id="{B61BEF0D-F0BB-DE4B-95CE-6DB70DBA9567}" type="datetimeFigureOut">
               <a:rPr lang="en-US" dirty="0"/>
               <a:pPr/>
-              <a:t>7/8/2020</a:t>
+              <a:t>7/10/2020</a:t>
             </a:fld>
             <a:endParaRPr lang="en-US" dirty="0"/>
           </a:p>
@@ -1779,7 +1784,7 @@
             <a:fld id="{B61BEF0D-F0BB-DE4B-95CE-6DB70DBA9567}" type="datetimeFigureOut">
               <a:rPr lang="en-US" dirty="0"/>
               <a:pPr/>
-              <a:t>7/8/2020</a:t>
+              <a:t>7/10/2020</a:t>
             </a:fld>
             <a:endParaRPr lang="en-US" dirty="0"/>
           </a:p>
@@ -2090,7 +2095,7 @@
             <a:fld id="{B61BEF0D-F0BB-DE4B-95CE-6DB70DBA9567}" type="datetimeFigureOut">
               <a:rPr lang="en-US" dirty="0"/>
               <a:pPr/>
-              <a:t>7/8/2020</a:t>
+              <a:t>7/10/2020</a:t>
             </a:fld>
             <a:endParaRPr lang="en-US" dirty="0"/>
           </a:p>
@@ -2474,7 +2479,7 @@
             <a:fld id="{B61BEF0D-F0BB-DE4B-95CE-6DB70DBA9567}" type="datetimeFigureOut">
               <a:rPr lang="en-US" dirty="0"/>
               <a:pPr/>
-              <a:t>7/8/2020</a:t>
+              <a:t>7/10/2020</a:t>
             </a:fld>
             <a:endParaRPr lang="en-US" dirty="0"/>
           </a:p>
@@ -2640,7 +2645,7 @@
           <a:p>
             <a:fld id="{55C6B4A9-1611-4792-9094-5F34BCA07E0B}" type="datetimeFigureOut">
               <a:rPr lang="en-US" dirty="0"/>
-              <a:t>7/8/2020</a:t>
+              <a:t>7/10/2020</a:t>
             </a:fld>
             <a:endParaRPr lang="en-US" dirty="0"/>
           </a:p>
@@ -2816,7 +2821,7 @@
             <a:fld id="{B61BEF0D-F0BB-DE4B-95CE-6DB70DBA9567}" type="datetimeFigureOut">
               <a:rPr lang="en-US" dirty="0"/>
               <a:pPr/>
-              <a:t>7/8/2020</a:t>
+              <a:t>7/10/2020</a:t>
             </a:fld>
             <a:endParaRPr lang="en-US" dirty="0"/>
           </a:p>
@@ -2989,7 +2994,7 @@
             <a:fld id="{B61BEF0D-F0BB-DE4B-95CE-6DB70DBA9567}" type="datetimeFigureOut">
               <a:rPr lang="en-US" dirty="0"/>
               <a:pPr/>
-              <a:t>7/8/2020</a:t>
+              <a:t>7/10/2020</a:t>
             </a:fld>
             <a:endParaRPr lang="en-US" dirty="0"/>
           </a:p>
@@ -3233,7 +3238,7 @@
             <a:fld id="{B61BEF0D-F0BB-DE4B-95CE-6DB70DBA9567}" type="datetimeFigureOut">
               <a:rPr lang="en-US" dirty="0"/>
               <a:pPr/>
-              <a:t>7/8/2020</a:t>
+              <a:t>7/10/2020</a:t>
             </a:fld>
             <a:endParaRPr lang="en-US" dirty="0"/>
           </a:p>
@@ -3461,7 +3466,7 @@
           <a:p>
             <a:fld id="{EB712588-04B1-427B-82EE-E8DB90309F08}" type="datetimeFigureOut">
               <a:rPr lang="en-US" dirty="0"/>
-              <a:t>7/8/2020</a:t>
+              <a:t>7/10/2020</a:t>
             </a:fld>
             <a:endParaRPr lang="en-US" dirty="0"/>
           </a:p>
@@ -3831,7 +3836,7 @@
             <a:fld id="{B61BEF0D-F0BB-DE4B-95CE-6DB70DBA9567}" type="datetimeFigureOut">
               <a:rPr lang="en-US" dirty="0"/>
               <a:pPr/>
-              <a:t>7/8/2020</a:t>
+              <a:t>7/10/2020</a:t>
             </a:fld>
             <a:endParaRPr lang="en-US" dirty="0"/>
           </a:p>
@@ -3951,7 +3956,7 @@
             <a:fld id="{B61BEF0D-F0BB-DE4B-95CE-6DB70DBA9567}" type="datetimeFigureOut">
               <a:rPr lang="en-US" dirty="0"/>
               <a:pPr/>
-              <a:t>7/8/2020</a:t>
+              <a:t>7/10/2020</a:t>
             </a:fld>
             <a:endParaRPr lang="en-US" dirty="0"/>
           </a:p>
@@ -4043,7 +4048,7 @@
             <a:fld id="{B61BEF0D-F0BB-DE4B-95CE-6DB70DBA9567}" type="datetimeFigureOut">
               <a:rPr lang="en-US" dirty="0"/>
               <a:pPr/>
-              <a:t>7/8/2020</a:t>
+              <a:t>7/10/2020</a:t>
             </a:fld>
             <a:endParaRPr lang="en-US" dirty="0"/>
           </a:p>
@@ -4294,7 +4299,7 @@
           <a:p>
             <a:fld id="{42A54C80-263E-416B-A8E0-580EDEADCBDC}" type="datetimeFigureOut">
               <a:rPr lang="en-US" dirty="0"/>
-              <a:t>7/8/2020</a:t>
+              <a:t>7/10/2020</a:t>
             </a:fld>
             <a:endParaRPr lang="en-US" dirty="0"/>
           </a:p>
@@ -4553,7 +4558,7 @@
             <a:fld id="{B61BEF0D-F0BB-DE4B-95CE-6DB70DBA9567}" type="datetimeFigureOut">
               <a:rPr lang="en-US" dirty="0"/>
               <a:pPr/>
-              <a:t>7/8/2020</a:t>
+              <a:t>7/10/2020</a:t>
             </a:fld>
             <a:endParaRPr lang="en-US" dirty="0"/>
           </a:p>
@@ -5295,7 +5300,7 @@
             <a:fld id="{B61BEF0D-F0BB-DE4B-95CE-6DB70DBA9567}" type="datetimeFigureOut">
               <a:rPr lang="en-US" dirty="0"/>
               <a:pPr/>
-              <a:t>7/8/2020</a:t>
+              <a:t>7/10/2020</a:t>
             </a:fld>
             <a:endParaRPr lang="en-US" dirty="0"/>
           </a:p>
@@ -12309,7 +12314,6 @@
               <a:rPr lang="en-US" dirty="0"/>
               <a:t>minor error can put both the parties (tester and his client) on risk.</a:t>
             </a:r>
-            <a:endParaRPr lang="en-US" dirty="0"/>
           </a:p>
         </p:txBody>
       </p:sp>
@@ -12516,7 +12520,6 @@
               <a:rPr lang="en-US" dirty="0"/>
               <a:t>If any such kind of need arises in future, this report is used as the reference.</a:t>
             </a:r>
-            <a:endParaRPr lang="en-US" dirty="0"/>
           </a:p>
         </p:txBody>
       </p:sp>
@@ -12721,7 +12724,14 @@
           <a:bodyPr/>
           <a:lstStyle/>
           <a:p>
-            <a:endParaRPr lang="en-US"/>
+            <a:r>
+              <a:rPr lang="en-US" dirty="0"/>
+              <a:t>Report Planning</a:t>
+            </a:r>
+            <a:br>
+              <a:rPr lang="en-US" dirty="0"/>
+            </a:br>
+            <a:endParaRPr lang="en-US" dirty="0"/>
           </a:p>
         </p:txBody>
       </p:sp>
@@ -12740,7 +12750,39 @@
           <a:bodyPr/>
           <a:lstStyle/>
           <a:p>
-            <a:endParaRPr lang="en-US"/>
+            <a:r>
+              <a:rPr lang="en-US" dirty="0"/>
+              <a:t>Report planning starts with the objectives, which help readers to understand the main points of the penetration testing</a:t>
+            </a:r>
+            <a:r>
+              <a:rPr lang="en-US" dirty="0" smtClean="0"/>
+              <a:t>.</a:t>
+            </a:r>
+          </a:p>
+          <a:p>
+            <a:r>
+              <a:rPr lang="en-US" dirty="0" smtClean="0"/>
+              <a:t> </a:t>
+            </a:r>
+            <a:r>
+              <a:rPr lang="en-US" dirty="0"/>
+              <a:t>This part describes why the testing is conducted, what are the benefits of pen testing, etc</a:t>
+            </a:r>
+            <a:r>
+              <a:rPr lang="en-US" dirty="0" smtClean="0"/>
+              <a:t>.</a:t>
+            </a:r>
+          </a:p>
+          <a:p>
+            <a:r>
+              <a:rPr lang="en-US" dirty="0" smtClean="0"/>
+              <a:t> </a:t>
+            </a:r>
+            <a:r>
+              <a:rPr lang="en-US" dirty="0"/>
+              <a:t>Secondly, report planning also includes the time taken for the testing.</a:t>
+            </a:r>
+            <a:endParaRPr lang="en-US" dirty="0"/>
           </a:p>
         </p:txBody>
       </p:sp>
@@ -12789,7 +12831,19 @@
           <a:bodyPr/>
           <a:lstStyle/>
           <a:p>
-            <a:endParaRPr lang="en-US"/>
+            <a:r>
+              <a:rPr lang="en-US" dirty="0"/>
+              <a:t>Major elements </a:t>
+            </a:r>
+            <a:r>
+              <a:rPr lang="en-US" dirty="0" smtClean="0"/>
+              <a:t>In </a:t>
+            </a:r>
+            <a:r>
+              <a:rPr lang="en-US" dirty="0"/>
+              <a:t>report writing</a:t>
+            </a:r>
+            <a:endParaRPr lang="en-US" dirty="0"/>
           </a:p>
         </p:txBody>
       </p:sp>
@@ -12805,10 +12859,62 @@
         </p:nvSpPr>
         <p:spPr/>
         <p:txBody>
-          <a:bodyPr/>
-          <a:lstStyle/>
-          <a:p>
-            <a:endParaRPr lang="en-US"/>
+          <a:bodyPr>
+            <a:normAutofit fontScale="85000" lnSpcReduction="10000"/>
+          </a:bodyPr>
+          <a:lstStyle/>
+          <a:p>
+            <a:r>
+              <a:rPr lang="en-US" b="1" dirty="0"/>
+              <a:t>Objectives</a:t>
+            </a:r>
+            <a:r>
+              <a:rPr lang="en-US" dirty="0"/>
+              <a:t> − It describes the overall purpose and benefits of pen testing.</a:t>
+            </a:r>
+          </a:p>
+          <a:p>
+            <a:r>
+              <a:rPr lang="en-US" b="1" dirty="0"/>
+              <a:t>Time</a:t>
+            </a:r>
+            <a:r>
+              <a:rPr lang="en-US" dirty="0"/>
+              <a:t> − Inclusion of time is very important, as it gives the accurate status of the system. Suppose, if anything wrong happens later, this report will save the tester, as the report will illustrate the risks and vulnerabilities in the penetration testing scope during the specific period of time.</a:t>
+            </a:r>
+          </a:p>
+          <a:p>
+            <a:r>
+              <a:rPr lang="en-US" b="1" dirty="0"/>
+              <a:t>Target Audience</a:t>
+            </a:r>
+            <a:r>
+              <a:rPr lang="en-US" dirty="0"/>
+              <a:t> − Pen testing report also needs to include target audience, such as information security manager, information technology manager, chief information security officer, and technical team.</a:t>
+            </a:r>
+          </a:p>
+          <a:p>
+            <a:r>
+              <a:rPr lang="en-US" b="1" dirty="0"/>
+              <a:t>Report Classification</a:t>
+            </a:r>
+            <a:r>
+              <a:rPr lang="en-US" dirty="0"/>
+              <a:t> − Since, it is highly confidential which carry server IP addresses, application information, vulnerability, threats, it needs to be classified properly. However, this classification needs to be done on the basis of target organization which has an information classification policy.</a:t>
+            </a:r>
+          </a:p>
+          <a:p>
+            <a:r>
+              <a:rPr lang="en-US" b="1" dirty="0"/>
+              <a:t>Report Distribution</a:t>
+            </a:r>
+            <a:r>
+              <a:rPr lang="en-US" dirty="0"/>
+              <a:t> − Number of copies and report distribution should be mentioned in the scope of work. It also needs to mention that the hardcopies can be controlled by printing a limited number of copies attached with its number and the receiver’s name.</a:t>
+            </a:r>
+          </a:p>
+          <a:p>
+            <a:endParaRPr lang="en-US" dirty="0"/>
           </a:p>
         </p:txBody>
       </p:sp>
@@ -12857,7 +12963,14 @@
           <a:bodyPr/>
           <a:lstStyle/>
           <a:p>
-            <a:endParaRPr lang="en-US"/>
+            <a:r>
+              <a:rPr lang="en-US" dirty="0"/>
+              <a:t>Information Collection</a:t>
+            </a:r>
+            <a:br>
+              <a:rPr lang="en-US" dirty="0"/>
+            </a:br>
+            <a:endParaRPr lang="en-US" dirty="0"/>
           </a:p>
         </p:txBody>
       </p:sp>
@@ -12876,7 +12989,28 @@
           <a:bodyPr/>
           <a:lstStyle/>
           <a:p>
-            <a:endParaRPr lang="en-US"/>
+            <a:r>
+              <a:rPr lang="en-US" dirty="0"/>
+              <a:t>Because of the complicated and lengthy processes, pen tester is required to mention every step to make sure that he collected all the information in all the stages of testing</a:t>
+            </a:r>
+            <a:r>
+              <a:rPr lang="en-US" dirty="0" smtClean="0"/>
+              <a:t>.</a:t>
+            </a:r>
+          </a:p>
+          <a:p>
+            <a:endParaRPr lang="en-US" dirty="0"/>
+          </a:p>
+          <a:p>
+            <a:r>
+              <a:rPr lang="en-US" dirty="0" smtClean="0"/>
+              <a:t> </a:t>
+            </a:r>
+            <a:r>
+              <a:rPr lang="en-US" dirty="0"/>
+              <a:t>Along with the methods, he also needs to mention about the systems and tools, scanning results, vulnerability assessments, details of his findings, etc.</a:t>
+            </a:r>
+            <a:endParaRPr lang="en-US" dirty="0"/>
           </a:p>
         </p:txBody>
       </p:sp>
@@ -13055,7 +13189,14 @@
           <a:bodyPr/>
           <a:lstStyle/>
           <a:p>
-            <a:endParaRPr lang="en-US"/>
+            <a:r>
+              <a:rPr lang="en-US" dirty="0"/>
+              <a:t>Writing the First Draft</a:t>
+            </a:r>
+            <a:br>
+              <a:rPr lang="en-US" dirty="0"/>
+            </a:br>
+            <a:endParaRPr lang="en-US" dirty="0"/>
           </a:p>
         </p:txBody>
       </p:sp>
@@ -13074,7 +13215,22 @@
           <a:bodyPr/>
           <a:lstStyle/>
           <a:p>
-            <a:endParaRPr lang="en-US"/>
+            <a:r>
+              <a:rPr lang="en-US" dirty="0"/>
+              <a:t>Once, the tester is ready with all tools and information, now he needs to start the first draft. </a:t>
+            </a:r>
+            <a:endParaRPr lang="en-US" dirty="0" smtClean="0"/>
+          </a:p>
+          <a:p>
+            <a:r>
+              <a:rPr lang="en-US" dirty="0" smtClean="0"/>
+              <a:t>Primarily</a:t>
+            </a:r>
+            <a:r>
+              <a:rPr lang="en-US" dirty="0"/>
+              <a:t>, he needs to write the first draft in the details – mentioning everything i.e. all activities, processes, and experiences.</a:t>
+            </a:r>
+            <a:endParaRPr lang="en-US" dirty="0"/>
           </a:p>
         </p:txBody>
       </p:sp>
@@ -13082,6 +13238,557 @@
     <p:extLst>
       <p:ext uri="{BB962C8B-B14F-4D97-AF65-F5344CB8AC3E}">
         <p14:creationId xmlns:p14="http://schemas.microsoft.com/office/powerpoint/2010/main" val="931972784"/>
+      </p:ext>
+    </p:extLst>
+  </p:cSld>
+  <p:clrMapOvr>
+    <a:masterClrMapping/>
+  </p:clrMapOvr>
+</p:sld>
+</file>
+
+<file path=ppt/slides/slide61.xml><?xml version="1.0" encoding="utf-8"?>
+<p:sld xmlns:a="http://schemas.openxmlformats.org/drawingml/2006/main" xmlns:r="http://schemas.openxmlformats.org/officeDocument/2006/relationships" xmlns:p="http://schemas.openxmlformats.org/presentationml/2006/main">
+  <p:cSld>
+    <p:spTree>
+      <p:nvGrpSpPr>
+        <p:cNvPr id="1" name=""/>
+        <p:cNvGrpSpPr/>
+        <p:nvPr/>
+      </p:nvGrpSpPr>
+      <p:grpSpPr>
+        <a:xfrm>
+          <a:off x="0" y="0"/>
+          <a:ext cx="0" cy="0"/>
+          <a:chOff x="0" y="0"/>
+          <a:chExt cx="0" cy="0"/>
+        </a:xfrm>
+      </p:grpSpPr>
+      <p:sp>
+        <p:nvSpPr>
+          <p:cNvPr id="2" name="Title 1"/>
+          <p:cNvSpPr>
+            <a:spLocks noGrp="1"/>
+          </p:cNvSpPr>
+          <p:nvPr>
+            <p:ph type="title"/>
+          </p:nvPr>
+        </p:nvSpPr>
+        <p:spPr/>
+        <p:txBody>
+          <a:bodyPr/>
+          <a:lstStyle/>
+          <a:p>
+            <a:r>
+              <a:rPr lang="en-US" dirty="0"/>
+              <a:t>Review and Finalization</a:t>
+            </a:r>
+            <a:br>
+              <a:rPr lang="en-US" dirty="0"/>
+            </a:br>
+            <a:endParaRPr lang="en-US" dirty="0"/>
+          </a:p>
+        </p:txBody>
+      </p:sp>
+      <p:sp>
+        <p:nvSpPr>
+          <p:cNvPr id="3" name="Content Placeholder 2"/>
+          <p:cNvSpPr>
+            <a:spLocks noGrp="1"/>
+          </p:cNvSpPr>
+          <p:nvPr>
+            <p:ph idx="1"/>
+          </p:nvPr>
+        </p:nvSpPr>
+        <p:spPr>
+          <a:xfrm>
+            <a:off x="677334" y="2160590"/>
+            <a:ext cx="8596668" cy="2428828"/>
+          </a:xfrm>
+        </p:spPr>
+        <p:txBody>
+          <a:bodyPr/>
+          <a:lstStyle/>
+          <a:p>
+            <a:r>
+              <a:rPr lang="en-US" dirty="0"/>
+              <a:t>Once the report is drafted, it has to be reviewed first by the drafter himself and then by his seniors or colleagues who may have assisted him</a:t>
+            </a:r>
+            <a:r>
+              <a:rPr lang="en-US" dirty="0" smtClean="0"/>
+              <a:t>.</a:t>
+            </a:r>
+          </a:p>
+          <a:p>
+            <a:r>
+              <a:rPr lang="en-US" dirty="0" smtClean="0"/>
+              <a:t> </a:t>
+            </a:r>
+            <a:r>
+              <a:rPr lang="en-US" dirty="0"/>
+              <a:t>While reviewing, reviewer is expected to check every detail of the report and find any flaw that needs to be corrected.</a:t>
+            </a:r>
+            <a:endParaRPr lang="en-US" dirty="0"/>
+          </a:p>
+        </p:txBody>
+      </p:sp>
+    </p:spTree>
+    <p:extLst>
+      <p:ext uri="{BB962C8B-B14F-4D97-AF65-F5344CB8AC3E}">
+        <p14:creationId xmlns:p14="http://schemas.microsoft.com/office/powerpoint/2010/main" val="1579544103"/>
+      </p:ext>
+    </p:extLst>
+  </p:cSld>
+  <p:clrMapOvr>
+    <a:masterClrMapping/>
+  </p:clrMapOvr>
+</p:sld>
+</file>
+
+<file path=ppt/slides/slide62.xml><?xml version="1.0" encoding="utf-8"?>
+<p:sld xmlns:a="http://schemas.openxmlformats.org/drawingml/2006/main" xmlns:r="http://schemas.openxmlformats.org/officeDocument/2006/relationships" xmlns:p="http://schemas.openxmlformats.org/presentationml/2006/main">
+  <p:cSld>
+    <p:spTree>
+      <p:nvGrpSpPr>
+        <p:cNvPr id="1" name=""/>
+        <p:cNvGrpSpPr/>
+        <p:nvPr/>
+      </p:nvGrpSpPr>
+      <p:grpSpPr>
+        <a:xfrm>
+          <a:off x="0" y="0"/>
+          <a:ext cx="0" cy="0"/>
+          <a:chOff x="0" y="0"/>
+          <a:chExt cx="0" cy="0"/>
+        </a:xfrm>
+      </p:grpSpPr>
+      <p:sp>
+        <p:nvSpPr>
+          <p:cNvPr id="2" name="Title 1"/>
+          <p:cNvSpPr>
+            <a:spLocks noGrp="1"/>
+          </p:cNvSpPr>
+          <p:nvPr>
+            <p:ph type="title"/>
+          </p:nvPr>
+        </p:nvSpPr>
+        <p:spPr/>
+        <p:txBody>
+          <a:bodyPr/>
+          <a:lstStyle/>
+          <a:p>
+            <a:r>
+              <a:rPr lang="en-US" dirty="0"/>
+              <a:t>Content of Penetration Testing Report</a:t>
+            </a:r>
+            <a:br>
+              <a:rPr lang="en-US" dirty="0"/>
+            </a:br>
+            <a:endParaRPr lang="en-US" dirty="0"/>
+          </a:p>
+        </p:txBody>
+      </p:sp>
+      <p:sp>
+        <p:nvSpPr>
+          <p:cNvPr id="3" name="Content Placeholder 2"/>
+          <p:cNvSpPr>
+            <a:spLocks noGrp="1"/>
+          </p:cNvSpPr>
+          <p:nvPr>
+            <p:ph idx="1"/>
+          </p:nvPr>
+        </p:nvSpPr>
+        <p:spPr>
+          <a:xfrm>
+            <a:off x="677334" y="1219201"/>
+            <a:ext cx="8596668" cy="4822162"/>
+          </a:xfrm>
+        </p:spPr>
+        <p:txBody>
+          <a:bodyPr>
+            <a:normAutofit fontScale="77500" lnSpcReduction="20000"/>
+          </a:bodyPr>
+          <a:lstStyle/>
+          <a:p>
+            <a:pPr marL="0" indent="0">
+              <a:buNone/>
+            </a:pPr>
+            <a:r>
+              <a:rPr lang="en-US" b="1" dirty="0"/>
+              <a:t>Executive </a:t>
+            </a:r>
+            <a:r>
+              <a:rPr lang="en-US" b="1" dirty="0" smtClean="0"/>
+              <a:t>Summary :</a:t>
+            </a:r>
+            <a:endParaRPr lang="en-US" b="1" dirty="0"/>
+          </a:p>
+          <a:p>
+            <a:r>
+              <a:rPr lang="en-US" dirty="0"/>
+              <a:t>Scope of work</a:t>
+            </a:r>
+          </a:p>
+          <a:p>
+            <a:r>
+              <a:rPr lang="en-US" dirty="0"/>
+              <a:t>Project objectives</a:t>
+            </a:r>
+          </a:p>
+          <a:p>
+            <a:r>
+              <a:rPr lang="en-US" dirty="0"/>
+              <a:t>Assumption</a:t>
+            </a:r>
+          </a:p>
+          <a:p>
+            <a:r>
+              <a:rPr lang="en-US" dirty="0"/>
+              <a:t>Timeline</a:t>
+            </a:r>
+          </a:p>
+          <a:p>
+            <a:r>
+              <a:rPr lang="en-US" dirty="0"/>
+              <a:t>Summary of findings</a:t>
+            </a:r>
+          </a:p>
+          <a:p>
+            <a:r>
+              <a:rPr lang="en-US" dirty="0"/>
+              <a:t>Summary of recommendation</a:t>
+            </a:r>
+          </a:p>
+          <a:p>
+            <a:pPr marL="0" indent="0">
+              <a:buNone/>
+            </a:pPr>
+            <a:r>
+              <a:rPr lang="en-US" b="1" dirty="0" smtClean="0"/>
+              <a:t>Methodology :</a:t>
+            </a:r>
+            <a:endParaRPr lang="en-US" b="1" dirty="0"/>
+          </a:p>
+          <a:p>
+            <a:r>
+              <a:rPr lang="en-US" dirty="0"/>
+              <a:t>Planning</a:t>
+            </a:r>
+          </a:p>
+          <a:p>
+            <a:r>
+              <a:rPr lang="en-US" dirty="0"/>
+              <a:t>Exploitation</a:t>
+            </a:r>
+          </a:p>
+          <a:p>
+            <a:r>
+              <a:rPr lang="en-US" dirty="0"/>
+              <a:t>Reporting</a:t>
+            </a:r>
+          </a:p>
+          <a:p>
+            <a:pPr marL="0" indent="0">
+              <a:buNone/>
+            </a:pPr>
+            <a:r>
+              <a:rPr lang="en-US" b="1" dirty="0"/>
+              <a:t>Detail </a:t>
+            </a:r>
+            <a:r>
+              <a:rPr lang="en-US" b="1" dirty="0" smtClean="0"/>
+              <a:t>Findings :</a:t>
+            </a:r>
+            <a:endParaRPr lang="en-US" b="1" dirty="0"/>
+          </a:p>
+          <a:p>
+            <a:r>
+              <a:rPr lang="en-US" dirty="0"/>
+              <a:t>Detailed systems information</a:t>
+            </a:r>
+          </a:p>
+          <a:p>
+            <a:r>
+              <a:rPr lang="en-US" dirty="0"/>
+              <a:t>Windows server information</a:t>
+            </a:r>
+          </a:p>
+          <a:p>
+            <a:pPr marL="0" indent="0">
+              <a:buNone/>
+            </a:pPr>
+            <a:r>
+              <a:rPr lang="en-US" b="1" dirty="0" smtClean="0"/>
+              <a:t>References :</a:t>
+            </a:r>
+            <a:endParaRPr lang="en-US" b="1" dirty="0"/>
+          </a:p>
+          <a:p>
+            <a:r>
+              <a:rPr lang="en-US" dirty="0"/>
+              <a:t>Appendix</a:t>
+            </a:r>
+          </a:p>
+          <a:p>
+            <a:endParaRPr lang="en-US" dirty="0"/>
+          </a:p>
+        </p:txBody>
+      </p:sp>
+    </p:spTree>
+    <p:extLst>
+      <p:ext uri="{BB962C8B-B14F-4D97-AF65-F5344CB8AC3E}">
+        <p14:creationId xmlns:p14="http://schemas.microsoft.com/office/powerpoint/2010/main" val="2236841502"/>
+      </p:ext>
+    </p:extLst>
+  </p:cSld>
+  <p:clrMapOvr>
+    <a:masterClrMapping/>
+  </p:clrMapOvr>
+</p:sld>
+</file>
+
+<file path=ppt/slides/slide63.xml><?xml version="1.0" encoding="utf-8"?>
+<p:sld xmlns:a="http://schemas.openxmlformats.org/drawingml/2006/main" xmlns:r="http://schemas.openxmlformats.org/officeDocument/2006/relationships" xmlns:p="http://schemas.openxmlformats.org/presentationml/2006/main">
+  <p:cSld>
+    <p:spTree>
+      <p:nvGrpSpPr>
+        <p:cNvPr id="1" name=""/>
+        <p:cNvGrpSpPr/>
+        <p:nvPr/>
+      </p:nvGrpSpPr>
+      <p:grpSpPr>
+        <a:xfrm>
+          <a:off x="0" y="0"/>
+          <a:ext cx="0" cy="0"/>
+          <a:chOff x="0" y="0"/>
+          <a:chExt cx="0" cy="0"/>
+        </a:xfrm>
+      </p:grpSpPr>
+      <p:sp>
+        <p:nvSpPr>
+          <p:cNvPr id="2" name="Title 1"/>
+          <p:cNvSpPr>
+            <a:spLocks noGrp="1"/>
+          </p:cNvSpPr>
+          <p:nvPr>
+            <p:ph type="title"/>
+          </p:nvPr>
+        </p:nvSpPr>
+        <p:spPr/>
+        <p:txBody>
+          <a:bodyPr/>
+          <a:lstStyle/>
+          <a:p>
+            <a:r>
+              <a:rPr lang="en-US" dirty="0"/>
+              <a:t>Penetration Testing - Ethical Hacking</a:t>
+            </a:r>
+            <a:br>
+              <a:rPr lang="en-US" dirty="0"/>
+            </a:br>
+            <a:endParaRPr lang="en-US" dirty="0"/>
+          </a:p>
+        </p:txBody>
+      </p:sp>
+      <p:sp>
+        <p:nvSpPr>
+          <p:cNvPr id="3" name="Content Placeholder 2"/>
+          <p:cNvSpPr>
+            <a:spLocks noGrp="1"/>
+          </p:cNvSpPr>
+          <p:nvPr>
+            <p:ph idx="1"/>
+          </p:nvPr>
+        </p:nvSpPr>
+        <p:spPr/>
+        <p:txBody>
+          <a:bodyPr>
+            <a:normAutofit lnSpcReduction="10000"/>
+          </a:bodyPr>
+          <a:lstStyle/>
+          <a:p>
+            <a:r>
+              <a:rPr lang="en-US" dirty="0"/>
+              <a:t>The fast growth of the internet has changed the way of life for everyone. These days, most of the private and public works are internet dependent. Government’s all secret working plans, and operations are internet based. All these things made the life very simple and easily accessible.</a:t>
+            </a:r>
+          </a:p>
+          <a:p>
+            <a:r>
+              <a:rPr lang="en-US" dirty="0"/>
+              <a:t>But with the good news, there is also a dark face of this development i.e., the criminal hacker. There is no geopolitical limitation of these criminal hackers, they can hack any system from any part of the world. They can damage confidential data and credit history very badly.</a:t>
+            </a:r>
+          </a:p>
+          <a:p>
+            <a:r>
+              <a:rPr lang="en-US" dirty="0"/>
+              <a:t>Therefore, to protect from the criminal hackers, the concept of the ethical hacker evolved. This chapter discusses the concept and the role of an ethical hacker.</a:t>
+            </a:r>
+          </a:p>
+          <a:p>
+            <a:r>
+              <a:rPr lang="en-US" dirty="0"/>
+              <a:t/>
+            </a:r>
+            <a:br>
+              <a:rPr lang="en-US" dirty="0"/>
+            </a:br>
+            <a:endParaRPr lang="en-US" dirty="0"/>
+          </a:p>
+        </p:txBody>
+      </p:sp>
+    </p:spTree>
+    <p:extLst>
+      <p:ext uri="{BB962C8B-B14F-4D97-AF65-F5344CB8AC3E}">
+        <p14:creationId xmlns:p14="http://schemas.microsoft.com/office/powerpoint/2010/main" val="3631536138"/>
+      </p:ext>
+    </p:extLst>
+  </p:cSld>
+  <p:clrMapOvr>
+    <a:masterClrMapping/>
+  </p:clrMapOvr>
+</p:sld>
+</file>
+
+<file path=ppt/slides/slide64.xml><?xml version="1.0" encoding="utf-8"?>
+<p:sld xmlns:a="http://schemas.openxmlformats.org/drawingml/2006/main" xmlns:r="http://schemas.openxmlformats.org/officeDocument/2006/relationships" xmlns:p="http://schemas.openxmlformats.org/presentationml/2006/main">
+  <p:cSld>
+    <p:spTree>
+      <p:nvGrpSpPr>
+        <p:cNvPr id="1" name=""/>
+        <p:cNvGrpSpPr/>
+        <p:nvPr/>
+      </p:nvGrpSpPr>
+      <p:grpSpPr>
+        <a:xfrm>
+          <a:off x="0" y="0"/>
+          <a:ext cx="0" cy="0"/>
+          <a:chOff x="0" y="0"/>
+          <a:chExt cx="0" cy="0"/>
+        </a:xfrm>
+      </p:grpSpPr>
+      <p:sp>
+        <p:nvSpPr>
+          <p:cNvPr id="2" name="Title 1"/>
+          <p:cNvSpPr>
+            <a:spLocks noGrp="1"/>
+          </p:cNvSpPr>
+          <p:nvPr>
+            <p:ph type="title"/>
+          </p:nvPr>
+        </p:nvSpPr>
+        <p:spPr/>
+        <p:txBody>
+          <a:bodyPr/>
+          <a:lstStyle/>
+          <a:p>
+            <a:r>
+              <a:rPr lang="en-US" dirty="0"/>
+              <a:t>Ethical Hackers</a:t>
+            </a:r>
+            <a:br>
+              <a:rPr lang="en-US" dirty="0"/>
+            </a:br>
+            <a:endParaRPr lang="en-US" dirty="0"/>
+          </a:p>
+        </p:txBody>
+      </p:sp>
+      <p:sp>
+        <p:nvSpPr>
+          <p:cNvPr id="3" name="Content Placeholder 2"/>
+          <p:cNvSpPr>
+            <a:spLocks noGrp="1"/>
+          </p:cNvSpPr>
+          <p:nvPr>
+            <p:ph type="body" idx="1"/>
+          </p:nvPr>
+        </p:nvSpPr>
+        <p:spPr/>
+        <p:txBody>
+          <a:bodyPr>
+            <a:normAutofit fontScale="77500" lnSpcReduction="20000"/>
+          </a:bodyPr>
+          <a:lstStyle/>
+          <a:p>
+            <a:r>
+              <a:rPr lang="en-US" dirty="0"/>
+              <a:t>Ethical hackers are the computer experts who are legally allowed to hack a computer system with the objective to protect from the criminal hackers. An ethical hacker identifies the vulnerabilities and risks of a system and suggests how to eliminate them.</a:t>
+            </a:r>
+            <a:endParaRPr lang="en-US" dirty="0"/>
+          </a:p>
+        </p:txBody>
+      </p:sp>
+    </p:spTree>
+    <p:extLst>
+      <p:ext uri="{BB962C8B-B14F-4D97-AF65-F5344CB8AC3E}">
+        <p14:creationId xmlns:p14="http://schemas.microsoft.com/office/powerpoint/2010/main" val="560188624"/>
+      </p:ext>
+    </p:extLst>
+  </p:cSld>
+  <p:clrMapOvr>
+    <a:masterClrMapping/>
+  </p:clrMapOvr>
+</p:sld>
+</file>
+
+<file path=ppt/slides/slide65.xml><?xml version="1.0" encoding="utf-8"?>
+<p:sld xmlns:a="http://schemas.openxmlformats.org/drawingml/2006/main" xmlns:r="http://schemas.openxmlformats.org/officeDocument/2006/relationships" xmlns:p="http://schemas.openxmlformats.org/presentationml/2006/main">
+  <p:cSld>
+    <p:spTree>
+      <p:nvGrpSpPr>
+        <p:cNvPr id="1" name=""/>
+        <p:cNvGrpSpPr/>
+        <p:nvPr/>
+      </p:nvGrpSpPr>
+      <p:grpSpPr>
+        <a:xfrm>
+          <a:off x="0" y="0"/>
+          <a:ext cx="0" cy="0"/>
+          <a:chOff x="0" y="0"/>
+          <a:chExt cx="0" cy="0"/>
+        </a:xfrm>
+      </p:grpSpPr>
+      <p:sp>
+        <p:nvSpPr>
+          <p:cNvPr id="2" name="Title 1"/>
+          <p:cNvSpPr>
+            <a:spLocks noGrp="1"/>
+          </p:cNvSpPr>
+          <p:nvPr>
+            <p:ph type="title"/>
+          </p:nvPr>
+        </p:nvSpPr>
+        <p:spPr/>
+        <p:txBody>
+          <a:bodyPr/>
+          <a:lstStyle/>
+          <a:p>
+            <a:endParaRPr lang="en-US"/>
+          </a:p>
+        </p:txBody>
+      </p:sp>
+      <p:sp>
+        <p:nvSpPr>
+          <p:cNvPr id="3" name="Content Placeholder 2"/>
+          <p:cNvSpPr>
+            <a:spLocks noGrp="1"/>
+          </p:cNvSpPr>
+          <p:nvPr>
+            <p:ph idx="1"/>
+          </p:nvPr>
+        </p:nvSpPr>
+        <p:spPr/>
+        <p:txBody>
+          <a:bodyPr/>
+          <a:lstStyle/>
+          <a:p>
+            <a:endParaRPr lang="en-US"/>
+          </a:p>
+        </p:txBody>
+      </p:sp>
+    </p:spTree>
+    <p:extLst>
+      <p:ext uri="{BB962C8B-B14F-4D97-AF65-F5344CB8AC3E}">
+        <p14:creationId xmlns:p14="http://schemas.microsoft.com/office/powerpoint/2010/main" val="3838128243"/>
       </p:ext>
     </p:extLst>
   </p:cSld>

--- a/PENETRATION TESTING.pptx
+++ b/PENETRATION TESTING.pptx
@@ -70,6 +70,13 @@
     <p:sldId id="322" r:id="rId64"/>
     <p:sldId id="323" r:id="rId65"/>
     <p:sldId id="324" r:id="rId66"/>
+    <p:sldId id="325" r:id="rId67"/>
+    <p:sldId id="326" r:id="rId68"/>
+    <p:sldId id="327" r:id="rId69"/>
+    <p:sldId id="328" r:id="rId70"/>
+    <p:sldId id="329" r:id="rId71"/>
+    <p:sldId id="330" r:id="rId72"/>
+    <p:sldId id="331" r:id="rId73"/>
   </p:sldIdLst>
   <p:sldSz cx="12192000" cy="6858000"/>
   <p:notesSz cx="6858000" cy="9144000"/>
@@ -901,7 +908,7 @@
             <a:fld id="{B61BEF0D-F0BB-DE4B-95CE-6DB70DBA9567}" type="datetimeFigureOut">
               <a:rPr lang="en-US" dirty="0"/>
               <a:pPr/>
-              <a:t>7/10/2020</a:t>
+              <a:t>7/13/2020</a:t>
             </a:fld>
             <a:endParaRPr lang="en-US" dirty="0"/>
           </a:p>
@@ -1149,7 +1156,7 @@
             <a:fld id="{B61BEF0D-F0BB-DE4B-95CE-6DB70DBA9567}" type="datetimeFigureOut">
               <a:rPr lang="en-US" dirty="0"/>
               <a:pPr/>
-              <a:t>7/10/2020</a:t>
+              <a:t>7/13/2020</a:t>
             </a:fld>
             <a:endParaRPr lang="en-US" dirty="0"/>
           </a:p>
@@ -1460,7 +1467,7 @@
             <a:fld id="{B61BEF0D-F0BB-DE4B-95CE-6DB70DBA9567}" type="datetimeFigureOut">
               <a:rPr lang="en-US" dirty="0"/>
               <a:pPr/>
-              <a:t>7/10/2020</a:t>
+              <a:t>7/13/2020</a:t>
             </a:fld>
             <a:endParaRPr lang="en-US" dirty="0"/>
           </a:p>
@@ -1784,7 +1791,7 @@
             <a:fld id="{B61BEF0D-F0BB-DE4B-95CE-6DB70DBA9567}" type="datetimeFigureOut">
               <a:rPr lang="en-US" dirty="0"/>
               <a:pPr/>
-              <a:t>7/10/2020</a:t>
+              <a:t>7/13/2020</a:t>
             </a:fld>
             <a:endParaRPr lang="en-US" dirty="0"/>
           </a:p>
@@ -2095,7 +2102,7 @@
             <a:fld id="{B61BEF0D-F0BB-DE4B-95CE-6DB70DBA9567}" type="datetimeFigureOut">
               <a:rPr lang="en-US" dirty="0"/>
               <a:pPr/>
-              <a:t>7/10/2020</a:t>
+              <a:t>7/13/2020</a:t>
             </a:fld>
             <a:endParaRPr lang="en-US" dirty="0"/>
           </a:p>
@@ -2479,7 +2486,7 @@
             <a:fld id="{B61BEF0D-F0BB-DE4B-95CE-6DB70DBA9567}" type="datetimeFigureOut">
               <a:rPr lang="en-US" dirty="0"/>
               <a:pPr/>
-              <a:t>7/10/2020</a:t>
+              <a:t>7/13/2020</a:t>
             </a:fld>
             <a:endParaRPr lang="en-US" dirty="0"/>
           </a:p>
@@ -2645,7 +2652,7 @@
           <a:p>
             <a:fld id="{55C6B4A9-1611-4792-9094-5F34BCA07E0B}" type="datetimeFigureOut">
               <a:rPr lang="en-US" dirty="0"/>
-              <a:t>7/10/2020</a:t>
+              <a:t>7/13/2020</a:t>
             </a:fld>
             <a:endParaRPr lang="en-US" dirty="0"/>
           </a:p>
@@ -2821,7 +2828,7 @@
             <a:fld id="{B61BEF0D-F0BB-DE4B-95CE-6DB70DBA9567}" type="datetimeFigureOut">
               <a:rPr lang="en-US" dirty="0"/>
               <a:pPr/>
-              <a:t>7/10/2020</a:t>
+              <a:t>7/13/2020</a:t>
             </a:fld>
             <a:endParaRPr lang="en-US" dirty="0"/>
           </a:p>
@@ -2994,7 +3001,7 @@
             <a:fld id="{B61BEF0D-F0BB-DE4B-95CE-6DB70DBA9567}" type="datetimeFigureOut">
               <a:rPr lang="en-US" dirty="0"/>
               <a:pPr/>
-              <a:t>7/10/2020</a:t>
+              <a:t>7/13/2020</a:t>
             </a:fld>
             <a:endParaRPr lang="en-US" dirty="0"/>
           </a:p>
@@ -3238,7 +3245,7 @@
             <a:fld id="{B61BEF0D-F0BB-DE4B-95CE-6DB70DBA9567}" type="datetimeFigureOut">
               <a:rPr lang="en-US" dirty="0"/>
               <a:pPr/>
-              <a:t>7/10/2020</a:t>
+              <a:t>7/13/2020</a:t>
             </a:fld>
             <a:endParaRPr lang="en-US" dirty="0"/>
           </a:p>
@@ -3466,7 +3473,7 @@
           <a:p>
             <a:fld id="{EB712588-04B1-427B-82EE-E8DB90309F08}" type="datetimeFigureOut">
               <a:rPr lang="en-US" dirty="0"/>
-              <a:t>7/10/2020</a:t>
+              <a:t>7/13/2020</a:t>
             </a:fld>
             <a:endParaRPr lang="en-US" dirty="0"/>
           </a:p>
@@ -3836,7 +3843,7 @@
             <a:fld id="{B61BEF0D-F0BB-DE4B-95CE-6DB70DBA9567}" type="datetimeFigureOut">
               <a:rPr lang="en-US" dirty="0"/>
               <a:pPr/>
-              <a:t>7/10/2020</a:t>
+              <a:t>7/13/2020</a:t>
             </a:fld>
             <a:endParaRPr lang="en-US" dirty="0"/>
           </a:p>
@@ -3956,7 +3963,7 @@
             <a:fld id="{B61BEF0D-F0BB-DE4B-95CE-6DB70DBA9567}" type="datetimeFigureOut">
               <a:rPr lang="en-US" dirty="0"/>
               <a:pPr/>
-              <a:t>7/10/2020</a:t>
+              <a:t>7/13/2020</a:t>
             </a:fld>
             <a:endParaRPr lang="en-US" dirty="0"/>
           </a:p>
@@ -4048,7 +4055,7 @@
             <a:fld id="{B61BEF0D-F0BB-DE4B-95CE-6DB70DBA9567}" type="datetimeFigureOut">
               <a:rPr lang="en-US" dirty="0"/>
               <a:pPr/>
-              <a:t>7/10/2020</a:t>
+              <a:t>7/13/2020</a:t>
             </a:fld>
             <a:endParaRPr lang="en-US" dirty="0"/>
           </a:p>
@@ -4299,7 +4306,7 @@
           <a:p>
             <a:fld id="{42A54C80-263E-416B-A8E0-580EDEADCBDC}" type="datetimeFigureOut">
               <a:rPr lang="en-US" dirty="0"/>
-              <a:t>7/10/2020</a:t>
+              <a:t>7/13/2020</a:t>
             </a:fld>
             <a:endParaRPr lang="en-US" dirty="0"/>
           </a:p>
@@ -4558,7 +4565,7 @@
             <a:fld id="{B61BEF0D-F0BB-DE4B-95CE-6DB70DBA9567}" type="datetimeFigureOut">
               <a:rPr lang="en-US" dirty="0"/>
               <a:pPr/>
-              <a:t>7/10/2020</a:t>
+              <a:t>7/13/2020</a:t>
             </a:fld>
             <a:endParaRPr lang="en-US" dirty="0"/>
           </a:p>
@@ -5300,7 +5307,7 @@
             <a:fld id="{B61BEF0D-F0BB-DE4B-95CE-6DB70DBA9567}" type="datetimeFigureOut">
               <a:rPr lang="en-US" dirty="0"/>
               <a:pPr/>
-              <a:t>7/10/2020</a:t>
+              <a:t>7/13/2020</a:t>
             </a:fld>
             <a:endParaRPr lang="en-US" dirty="0"/>
           </a:p>
@@ -12782,7 +12789,6 @@
               <a:rPr lang="en-US" dirty="0"/>
               <a:t>Secondly, report planning also includes the time taken for the testing.</a:t>
             </a:r>
-            <a:endParaRPr lang="en-US" dirty="0"/>
           </a:p>
         </p:txBody>
       </p:sp>
@@ -12843,7 +12849,6 @@
               <a:rPr lang="en-US" dirty="0"/>
               <a:t>report writing</a:t>
             </a:r>
-            <a:endParaRPr lang="en-US" dirty="0"/>
           </a:p>
         </p:txBody>
       </p:sp>
@@ -13010,7 +13015,6 @@
               <a:rPr lang="en-US" dirty="0"/>
               <a:t>Along with the methods, he also needs to mention about the systems and tools, scanning results, vulnerability assessments, details of his findings, etc.</a:t>
             </a:r>
-            <a:endParaRPr lang="en-US" dirty="0"/>
           </a:p>
         </p:txBody>
       </p:sp>
@@ -13230,7 +13234,6 @@
               <a:rPr lang="en-US" dirty="0"/>
               <a:t>, he needs to write the first draft in the details – mentioning everything i.e. all activities, processes, and experiences.</a:t>
             </a:r>
-            <a:endParaRPr lang="en-US" dirty="0"/>
           </a:p>
         </p:txBody>
       </p:sp>
@@ -13328,7 +13331,6 @@
               <a:rPr lang="en-US" dirty="0"/>
               <a:t>While reviewing, reviewer is expected to check every detail of the report and find any flaw that needs to be corrected.</a:t>
             </a:r>
-            <a:endParaRPr lang="en-US" dirty="0"/>
           </a:p>
         </p:txBody>
       </p:sp>
@@ -13713,7 +13715,6 @@
               <a:rPr lang="en-US" dirty="0"/>
               <a:t>Ethical hackers are the computer experts who are legally allowed to hack a computer system with the objective to protect from the criminal hackers. An ethical hacker identifies the vulnerabilities and risks of a system and suggests how to eliminate them.</a:t>
             </a:r>
-            <a:endParaRPr lang="en-US" dirty="0"/>
           </a:p>
         </p:txBody>
       </p:sp>
@@ -13762,7 +13763,14 @@
           <a:bodyPr/>
           <a:lstStyle/>
           <a:p>
-            <a:endParaRPr lang="en-US"/>
+            <a:r>
+              <a:rPr lang="en-US" dirty="0"/>
+              <a:t>Criminal Hackers</a:t>
+            </a:r>
+            <a:br>
+              <a:rPr lang="en-US" dirty="0"/>
+            </a:br>
+            <a:endParaRPr lang="en-US" dirty="0"/>
           </a:p>
         </p:txBody>
       </p:sp>
@@ -13773,15 +13781,21 @@
             <a:spLocks noGrp="1"/>
           </p:cNvSpPr>
           <p:nvPr>
-            <p:ph idx="1"/>
-          </p:nvPr>
-        </p:nvSpPr>
-        <p:spPr/>
-        <p:txBody>
-          <a:bodyPr/>
-          <a:lstStyle/>
-          <a:p>
-            <a:endParaRPr lang="en-US"/>
+            <p:ph type="body" idx="1"/>
+          </p:nvPr>
+        </p:nvSpPr>
+        <p:spPr/>
+        <p:txBody>
+          <a:bodyPr>
+            <a:normAutofit fontScale="92500" lnSpcReduction="20000"/>
+          </a:bodyPr>
+          <a:lstStyle/>
+          <a:p>
+            <a:r>
+              <a:rPr lang="en-US" dirty="0"/>
+              <a:t>Criminal hackers are those computer programming experts who hack others systems with the intention to steal data, steal money, defame others credit, destroy others data, blackmail someone, etc.</a:t>
+            </a:r>
+            <a:endParaRPr lang="en-US" dirty="0"/>
           </a:p>
         </p:txBody>
       </p:sp>
@@ -13789,6 +13803,438 @@
     <p:extLst>
       <p:ext uri="{BB962C8B-B14F-4D97-AF65-F5344CB8AC3E}">
         <p14:creationId xmlns:p14="http://schemas.microsoft.com/office/powerpoint/2010/main" val="3838128243"/>
+      </p:ext>
+    </p:extLst>
+  </p:cSld>
+  <p:clrMapOvr>
+    <a:masterClrMapping/>
+  </p:clrMapOvr>
+</p:sld>
+</file>
+
+<file path=ppt/slides/slide66.xml><?xml version="1.0" encoding="utf-8"?>
+<p:sld xmlns:a="http://schemas.openxmlformats.org/drawingml/2006/main" xmlns:r="http://schemas.openxmlformats.org/officeDocument/2006/relationships" xmlns:p="http://schemas.openxmlformats.org/presentationml/2006/main">
+  <p:cSld>
+    <p:spTree>
+      <p:nvGrpSpPr>
+        <p:cNvPr id="1" name=""/>
+        <p:cNvGrpSpPr/>
+        <p:nvPr/>
+      </p:nvGrpSpPr>
+      <p:grpSpPr>
+        <a:xfrm>
+          <a:off x="0" y="0"/>
+          <a:ext cx="0" cy="0"/>
+          <a:chOff x="0" y="0"/>
+          <a:chExt cx="0" cy="0"/>
+        </a:xfrm>
+      </p:grpSpPr>
+      <p:sp>
+        <p:nvSpPr>
+          <p:cNvPr id="11" name="Title 10"/>
+          <p:cNvSpPr>
+            <a:spLocks noGrp="1"/>
+          </p:cNvSpPr>
+          <p:nvPr>
+            <p:ph type="title"/>
+          </p:nvPr>
+        </p:nvSpPr>
+        <p:spPr/>
+        <p:txBody>
+          <a:bodyPr/>
+          <a:lstStyle/>
+          <a:p>
+            <a:r>
+              <a:rPr lang="en-US" dirty="0"/>
+              <a:t>What do Ethical Hackers do?</a:t>
+            </a:r>
+            <a:br>
+              <a:rPr lang="en-US" dirty="0"/>
+            </a:br>
+            <a:endParaRPr lang="en-US" dirty="0"/>
+          </a:p>
+        </p:txBody>
+      </p:sp>
+      <p:sp>
+        <p:nvSpPr>
+          <p:cNvPr id="12" name="Content Placeholder 11"/>
+          <p:cNvSpPr>
+            <a:spLocks noGrp="1"/>
+          </p:cNvSpPr>
+          <p:nvPr>
+            <p:ph idx="1"/>
+          </p:nvPr>
+        </p:nvSpPr>
+        <p:spPr/>
+        <p:txBody>
+          <a:bodyPr>
+            <a:normAutofit lnSpcReduction="10000"/>
+          </a:bodyPr>
+          <a:lstStyle/>
+          <a:p>
+            <a:r>
+              <a:rPr lang="en-US" dirty="0" smtClean="0"/>
+              <a:t>Ethical </a:t>
+            </a:r>
+            <a:r>
+              <a:rPr lang="en-US" dirty="0"/>
+              <a:t>hackers, while performing penetration testing, basically try to find the answers to the following questions −</a:t>
+            </a:r>
+          </a:p>
+          <a:p>
+            <a:r>
+              <a:rPr lang="en-US" dirty="0"/>
+              <a:t>What are the weak points that a criminal hacker can hit?</a:t>
+            </a:r>
+          </a:p>
+          <a:p>
+            <a:r>
+              <a:rPr lang="en-US" dirty="0"/>
+              <a:t>What can a criminal hacker see on the target systems?</a:t>
+            </a:r>
+          </a:p>
+          <a:p>
+            <a:r>
+              <a:rPr lang="en-US" dirty="0"/>
+              <a:t>What can a criminal hacker do with that confidential information?</a:t>
+            </a:r>
+          </a:p>
+          <a:p>
+            <a:r>
+              <a:rPr lang="en-US" dirty="0"/>
+              <a:t>Moreover, an ethical hacker is required to address adequately the vulnerabilities and risks, which he found to exist in the target system(s). He needs to explain and suggest the avoidance procedures. Finally, prepare a final report of his all ethical activities that he did and observed while performing penetration testing.</a:t>
+            </a:r>
+          </a:p>
+          <a:p>
+            <a:pPr marL="0" indent="0">
+              <a:buNone/>
+            </a:pPr>
+            <a:r>
+              <a:rPr lang="en-US" dirty="0"/>
+              <a:t/>
+            </a:r>
+            <a:br>
+              <a:rPr lang="en-US" dirty="0"/>
+            </a:br>
+            <a:endParaRPr lang="en-US" dirty="0"/>
+          </a:p>
+        </p:txBody>
+      </p:sp>
+    </p:spTree>
+    <p:extLst>
+      <p:ext uri="{BB962C8B-B14F-4D97-AF65-F5344CB8AC3E}">
+        <p14:creationId xmlns:p14="http://schemas.microsoft.com/office/powerpoint/2010/main" val="3661013355"/>
+      </p:ext>
+    </p:extLst>
+  </p:cSld>
+  <p:clrMapOvr>
+    <a:masterClrMapping/>
+  </p:clrMapOvr>
+</p:sld>
+</file>
+
+<file path=ppt/slides/slide67.xml><?xml version="1.0" encoding="utf-8"?>
+<p:sld xmlns:a="http://schemas.openxmlformats.org/drawingml/2006/main" xmlns:r="http://schemas.openxmlformats.org/officeDocument/2006/relationships" xmlns:p="http://schemas.openxmlformats.org/presentationml/2006/main">
+  <p:cSld>
+    <p:spTree>
+      <p:nvGrpSpPr>
+        <p:cNvPr id="1" name=""/>
+        <p:cNvGrpSpPr/>
+        <p:nvPr/>
+      </p:nvGrpSpPr>
+      <p:grpSpPr>
+        <a:xfrm>
+          <a:off x="0" y="0"/>
+          <a:ext cx="0" cy="0"/>
+          <a:chOff x="0" y="0"/>
+          <a:chExt cx="0" cy="0"/>
+        </a:xfrm>
+      </p:grpSpPr>
+      <p:sp>
+        <p:nvSpPr>
+          <p:cNvPr id="2" name="Title 1"/>
+          <p:cNvSpPr>
+            <a:spLocks noGrp="1"/>
+          </p:cNvSpPr>
+          <p:nvPr>
+            <p:ph type="title"/>
+          </p:nvPr>
+        </p:nvSpPr>
+        <p:spPr/>
+        <p:txBody>
+          <a:bodyPr/>
+          <a:lstStyle/>
+          <a:p>
+            <a:r>
+              <a:rPr lang="en-US" dirty="0" smtClean="0"/>
+              <a:t>Types of Hackers</a:t>
+            </a:r>
+            <a:br>
+              <a:rPr lang="en-US" dirty="0" smtClean="0"/>
+            </a:br>
+            <a:endParaRPr lang="en-US" dirty="0"/>
+          </a:p>
+        </p:txBody>
+      </p:sp>
+      <p:sp>
+        <p:nvSpPr>
+          <p:cNvPr id="3" name="Content Placeholder 2"/>
+          <p:cNvSpPr>
+            <a:spLocks noGrp="1"/>
+          </p:cNvSpPr>
+          <p:nvPr>
+            <p:ph idx="1"/>
+          </p:nvPr>
+        </p:nvSpPr>
+        <p:spPr/>
+        <p:txBody>
+          <a:bodyPr/>
+          <a:lstStyle/>
+          <a:p>
+            <a:r>
+              <a:rPr lang="en-US" dirty="0"/>
+              <a:t>Hackers are normally divided into three </a:t>
+            </a:r>
+            <a:r>
+              <a:rPr lang="en-US" dirty="0" smtClean="0"/>
+              <a:t>categories: </a:t>
+            </a:r>
+          </a:p>
+          <a:p>
+            <a:pPr marL="0" indent="0">
+              <a:buNone/>
+            </a:pPr>
+            <a:r>
+              <a:rPr lang="en-US" dirty="0" smtClean="0"/>
+              <a:t>      Black </a:t>
+            </a:r>
+            <a:r>
+              <a:rPr lang="en-US" dirty="0"/>
+              <a:t>Hat Hackers</a:t>
+            </a:r>
+          </a:p>
+          <a:p>
+            <a:pPr marL="0" indent="0">
+              <a:buNone/>
+            </a:pPr>
+            <a:r>
+              <a:rPr lang="en-US" dirty="0" smtClean="0"/>
+              <a:t>      White </a:t>
+            </a:r>
+            <a:r>
+              <a:rPr lang="en-US" dirty="0"/>
+              <a:t>Hat Hackers</a:t>
+            </a:r>
+          </a:p>
+          <a:p>
+            <a:pPr marL="0" indent="0">
+              <a:buNone/>
+            </a:pPr>
+            <a:r>
+              <a:rPr lang="en-US" dirty="0" smtClean="0"/>
+              <a:t>       Grey </a:t>
+            </a:r>
+            <a:r>
+              <a:rPr lang="en-US" dirty="0"/>
+              <a:t>Hat Hackers</a:t>
+            </a:r>
+          </a:p>
+          <a:p>
+            <a:endParaRPr lang="en-US" dirty="0"/>
+          </a:p>
+        </p:txBody>
+      </p:sp>
+    </p:spTree>
+    <p:extLst>
+      <p:ext uri="{BB962C8B-B14F-4D97-AF65-F5344CB8AC3E}">
+        <p14:creationId xmlns:p14="http://schemas.microsoft.com/office/powerpoint/2010/main" val="3928880641"/>
+      </p:ext>
+    </p:extLst>
+  </p:cSld>
+  <p:clrMapOvr>
+    <a:masterClrMapping/>
+  </p:clrMapOvr>
+</p:sld>
+</file>
+
+<file path=ppt/slides/slide68.xml><?xml version="1.0" encoding="utf-8"?>
+<p:sld xmlns:a="http://schemas.openxmlformats.org/drawingml/2006/main" xmlns:r="http://schemas.openxmlformats.org/officeDocument/2006/relationships" xmlns:p="http://schemas.openxmlformats.org/presentationml/2006/main">
+  <p:cSld>
+    <p:spTree>
+      <p:nvGrpSpPr>
+        <p:cNvPr id="1" name=""/>
+        <p:cNvGrpSpPr/>
+        <p:nvPr/>
+      </p:nvGrpSpPr>
+      <p:grpSpPr>
+        <a:xfrm>
+          <a:off x="0" y="0"/>
+          <a:ext cx="0" cy="0"/>
+          <a:chOff x="0" y="0"/>
+          <a:chExt cx="0" cy="0"/>
+        </a:xfrm>
+      </p:grpSpPr>
+      <p:sp>
+        <p:nvSpPr>
+          <p:cNvPr id="2" name="Title 1"/>
+          <p:cNvSpPr>
+            <a:spLocks noGrp="1"/>
+          </p:cNvSpPr>
+          <p:nvPr>
+            <p:ph type="title"/>
+          </p:nvPr>
+        </p:nvSpPr>
+        <p:spPr/>
+        <p:txBody>
+          <a:bodyPr/>
+          <a:lstStyle/>
+          <a:p>
+            <a:r>
+              <a:rPr lang="en-US" dirty="0"/>
+              <a:t>Black Hat Hackers</a:t>
+            </a:r>
+            <a:br>
+              <a:rPr lang="en-US" dirty="0"/>
+            </a:br>
+            <a:r>
+              <a:rPr lang="en-US" dirty="0" smtClean="0"/>
+              <a:t> </a:t>
+            </a:r>
+            <a:endParaRPr lang="en-US" dirty="0"/>
+          </a:p>
+        </p:txBody>
+      </p:sp>
+      <p:sp>
+        <p:nvSpPr>
+          <p:cNvPr id="3" name="Content Placeholder 2"/>
+          <p:cNvSpPr>
+            <a:spLocks noGrp="1"/>
+          </p:cNvSpPr>
+          <p:nvPr>
+            <p:ph type="body" idx="1"/>
+          </p:nvPr>
+        </p:nvSpPr>
+        <p:spPr/>
+        <p:txBody>
+          <a:bodyPr/>
+          <a:lstStyle/>
+          <a:p>
+            <a:r>
+              <a:rPr lang="en-US" dirty="0"/>
+              <a:t>A "black hat hacker" is an individual who has an extensive computer software as well as hardware and his purpose is to breach or bypass internet security of someone else</a:t>
+            </a:r>
+            <a:r>
+              <a:rPr lang="en-US" dirty="0" smtClean="0"/>
+              <a:t>.</a:t>
+            </a:r>
+          </a:p>
+          <a:p>
+            <a:r>
+              <a:rPr lang="en-US" dirty="0" smtClean="0"/>
+              <a:t> </a:t>
+            </a:r>
+            <a:r>
+              <a:rPr lang="en-US" dirty="0"/>
+              <a:t>Black hat hackers are also popular as crackers or dark-side hackers.</a:t>
+            </a:r>
+            <a:endParaRPr lang="en-US" dirty="0"/>
+          </a:p>
+        </p:txBody>
+      </p:sp>
+    </p:spTree>
+    <p:extLst>
+      <p:ext uri="{BB962C8B-B14F-4D97-AF65-F5344CB8AC3E}">
+        <p14:creationId xmlns:p14="http://schemas.microsoft.com/office/powerpoint/2010/main" val="1101711917"/>
+      </p:ext>
+    </p:extLst>
+  </p:cSld>
+  <p:clrMapOvr>
+    <a:masterClrMapping/>
+  </p:clrMapOvr>
+</p:sld>
+</file>
+
+<file path=ppt/slides/slide69.xml><?xml version="1.0" encoding="utf-8"?>
+<p:sld xmlns:a="http://schemas.openxmlformats.org/drawingml/2006/main" xmlns:r="http://schemas.openxmlformats.org/officeDocument/2006/relationships" xmlns:p="http://schemas.openxmlformats.org/presentationml/2006/main">
+  <p:cSld>
+    <p:spTree>
+      <p:nvGrpSpPr>
+        <p:cNvPr id="1" name=""/>
+        <p:cNvGrpSpPr/>
+        <p:nvPr/>
+      </p:nvGrpSpPr>
+      <p:grpSpPr>
+        <a:xfrm>
+          <a:off x="0" y="0"/>
+          <a:ext cx="0" cy="0"/>
+          <a:chOff x="0" y="0"/>
+          <a:chExt cx="0" cy="0"/>
+        </a:xfrm>
+      </p:grpSpPr>
+      <p:sp>
+        <p:nvSpPr>
+          <p:cNvPr id="2" name="Title 1"/>
+          <p:cNvSpPr>
+            <a:spLocks noGrp="1"/>
+          </p:cNvSpPr>
+          <p:nvPr>
+            <p:ph type="title"/>
+          </p:nvPr>
+        </p:nvSpPr>
+        <p:spPr/>
+        <p:txBody>
+          <a:bodyPr/>
+          <a:lstStyle/>
+          <a:p>
+            <a:r>
+              <a:rPr lang="en-US" dirty="0"/>
+              <a:t>White Hat Hackers</a:t>
+            </a:r>
+            <a:br>
+              <a:rPr lang="en-US" dirty="0"/>
+            </a:br>
+            <a:endParaRPr lang="en-US" dirty="0"/>
+          </a:p>
+        </p:txBody>
+      </p:sp>
+      <p:sp>
+        <p:nvSpPr>
+          <p:cNvPr id="3" name="Content Placeholder 2"/>
+          <p:cNvSpPr>
+            <a:spLocks noGrp="1"/>
+          </p:cNvSpPr>
+          <p:nvPr>
+            <p:ph type="body" idx="1"/>
+          </p:nvPr>
+        </p:nvSpPr>
+        <p:spPr/>
+        <p:txBody>
+          <a:bodyPr/>
+          <a:lstStyle/>
+          <a:p>
+            <a:r>
+              <a:rPr lang="en-US" dirty="0"/>
+              <a:t>The term "white hat hacker" refers to an ethical computer hacker who is a computer security expert, specialized in penetration testing and in other associated testing methodologies. </a:t>
+            </a:r>
+            <a:endParaRPr lang="en-US" dirty="0" smtClean="0"/>
+          </a:p>
+          <a:p>
+            <a:r>
+              <a:rPr lang="en-US" dirty="0" smtClean="0"/>
+              <a:t>His </a:t>
+            </a:r>
+            <a:r>
+              <a:rPr lang="en-US" dirty="0"/>
+              <a:t>primary role is to ensure the security of an organization's information system.</a:t>
+            </a:r>
+            <a:endParaRPr lang="en-US" dirty="0"/>
+          </a:p>
+        </p:txBody>
+      </p:sp>
+    </p:spTree>
+    <p:extLst>
+      <p:ext uri="{BB962C8B-B14F-4D97-AF65-F5344CB8AC3E}">
+        <p14:creationId xmlns:p14="http://schemas.microsoft.com/office/powerpoint/2010/main" val="4211517022"/>
       </p:ext>
     </p:extLst>
   </p:cSld>
@@ -13921,6 +14367,221 @@
       </p:par>
     </p:tnLst>
   </p:timing>
+</p:sld>
+</file>
+
+<file path=ppt/slides/slide70.xml><?xml version="1.0" encoding="utf-8"?>
+<p:sld xmlns:a="http://schemas.openxmlformats.org/drawingml/2006/main" xmlns:r="http://schemas.openxmlformats.org/officeDocument/2006/relationships" xmlns:p="http://schemas.openxmlformats.org/presentationml/2006/main">
+  <p:cSld>
+    <p:spTree>
+      <p:nvGrpSpPr>
+        <p:cNvPr id="1" name=""/>
+        <p:cNvGrpSpPr/>
+        <p:nvPr/>
+      </p:nvGrpSpPr>
+      <p:grpSpPr>
+        <a:xfrm>
+          <a:off x="0" y="0"/>
+          <a:ext cx="0" cy="0"/>
+          <a:chOff x="0" y="0"/>
+          <a:chExt cx="0" cy="0"/>
+        </a:xfrm>
+      </p:grpSpPr>
+      <p:sp>
+        <p:nvSpPr>
+          <p:cNvPr id="2" name="Title 1"/>
+          <p:cNvSpPr>
+            <a:spLocks noGrp="1"/>
+          </p:cNvSpPr>
+          <p:nvPr>
+            <p:ph type="title"/>
+          </p:nvPr>
+        </p:nvSpPr>
+        <p:spPr/>
+        <p:txBody>
+          <a:bodyPr/>
+          <a:lstStyle/>
+          <a:p>
+            <a:r>
+              <a:rPr lang="en-US" dirty="0"/>
+              <a:t>Grey Hat Hacker</a:t>
+            </a:r>
+            <a:br>
+              <a:rPr lang="en-US" dirty="0"/>
+            </a:br>
+            <a:endParaRPr lang="en-US" dirty="0"/>
+          </a:p>
+        </p:txBody>
+      </p:sp>
+      <p:sp>
+        <p:nvSpPr>
+          <p:cNvPr id="3" name="Content Placeholder 2"/>
+          <p:cNvSpPr>
+            <a:spLocks noGrp="1"/>
+          </p:cNvSpPr>
+          <p:nvPr>
+            <p:ph type="body" idx="1"/>
+          </p:nvPr>
+        </p:nvSpPr>
+        <p:spPr/>
+        <p:txBody>
+          <a:bodyPr/>
+          <a:lstStyle/>
+          <a:p>
+            <a:r>
+              <a:rPr lang="en-US" dirty="0"/>
+              <a:t>The term "grey hat hacker" refers to a computer hacker who cracks computer security system whose ethical standards fall somewhere between purely ethical and solely malicious.</a:t>
+            </a:r>
+            <a:endParaRPr lang="en-US" dirty="0"/>
+          </a:p>
+        </p:txBody>
+      </p:sp>
+    </p:spTree>
+    <p:extLst>
+      <p:ext uri="{BB962C8B-B14F-4D97-AF65-F5344CB8AC3E}">
+        <p14:creationId xmlns:p14="http://schemas.microsoft.com/office/powerpoint/2010/main" val="3326219851"/>
+      </p:ext>
+    </p:extLst>
+  </p:cSld>
+  <p:clrMapOvr>
+    <a:masterClrMapping/>
+  </p:clrMapOvr>
+</p:sld>
+</file>
+
+<file path=ppt/slides/slide71.xml><?xml version="1.0" encoding="utf-8"?>
+<p:sld xmlns:a="http://schemas.openxmlformats.org/drawingml/2006/main" xmlns:r="http://schemas.openxmlformats.org/officeDocument/2006/relationships" xmlns:p="http://schemas.openxmlformats.org/presentationml/2006/main">
+  <p:cSld>
+    <p:spTree>
+      <p:nvGrpSpPr>
+        <p:cNvPr id="1" name=""/>
+        <p:cNvGrpSpPr/>
+        <p:nvPr/>
+      </p:nvGrpSpPr>
+      <p:grpSpPr>
+        <a:xfrm>
+          <a:off x="0" y="0"/>
+          <a:ext cx="0" cy="0"/>
+          <a:chOff x="0" y="0"/>
+          <a:chExt cx="0" cy="0"/>
+        </a:xfrm>
+      </p:grpSpPr>
+      <p:sp>
+        <p:nvSpPr>
+          <p:cNvPr id="2" name="Title 1"/>
+          <p:cNvSpPr>
+            <a:spLocks noGrp="1"/>
+          </p:cNvSpPr>
+          <p:nvPr>
+            <p:ph type="title"/>
+          </p:nvPr>
+        </p:nvSpPr>
+        <p:spPr/>
+        <p:txBody>
+          <a:bodyPr/>
+          <a:lstStyle/>
+          <a:p>
+            <a:endParaRPr lang="en-US"/>
+          </a:p>
+        </p:txBody>
+      </p:sp>
+      <p:sp>
+        <p:nvSpPr>
+          <p:cNvPr id="3" name="Content Placeholder 2"/>
+          <p:cNvSpPr>
+            <a:spLocks noGrp="1"/>
+          </p:cNvSpPr>
+          <p:nvPr>
+            <p:ph idx="1"/>
+          </p:nvPr>
+        </p:nvSpPr>
+        <p:spPr/>
+        <p:txBody>
+          <a:bodyPr/>
+          <a:lstStyle/>
+          <a:p>
+            <a:endParaRPr lang="en-US"/>
+          </a:p>
+        </p:txBody>
+      </p:sp>
+    </p:spTree>
+    <p:extLst>
+      <p:ext uri="{BB962C8B-B14F-4D97-AF65-F5344CB8AC3E}">
+        <p14:creationId xmlns:p14="http://schemas.microsoft.com/office/powerpoint/2010/main" val="941502436"/>
+      </p:ext>
+    </p:extLst>
+  </p:cSld>
+  <p:clrMapOvr>
+    <a:masterClrMapping/>
+  </p:clrMapOvr>
+</p:sld>
+</file>
+
+<file path=ppt/slides/slide72.xml><?xml version="1.0" encoding="utf-8"?>
+<p:sld xmlns:a="http://schemas.openxmlformats.org/drawingml/2006/main" xmlns:r="http://schemas.openxmlformats.org/officeDocument/2006/relationships" xmlns:p="http://schemas.openxmlformats.org/presentationml/2006/main">
+  <p:cSld>
+    <p:spTree>
+      <p:nvGrpSpPr>
+        <p:cNvPr id="1" name=""/>
+        <p:cNvGrpSpPr/>
+        <p:nvPr/>
+      </p:nvGrpSpPr>
+      <p:grpSpPr>
+        <a:xfrm>
+          <a:off x="0" y="0"/>
+          <a:ext cx="0" cy="0"/>
+          <a:chOff x="0" y="0"/>
+          <a:chExt cx="0" cy="0"/>
+        </a:xfrm>
+      </p:grpSpPr>
+      <p:sp>
+        <p:nvSpPr>
+          <p:cNvPr id="2" name="Title 1"/>
+          <p:cNvSpPr>
+            <a:spLocks noGrp="1"/>
+          </p:cNvSpPr>
+          <p:nvPr>
+            <p:ph type="title"/>
+          </p:nvPr>
+        </p:nvSpPr>
+        <p:spPr/>
+        <p:txBody>
+          <a:bodyPr/>
+          <a:lstStyle/>
+          <a:p>
+            <a:endParaRPr lang="en-US"/>
+          </a:p>
+        </p:txBody>
+      </p:sp>
+      <p:sp>
+        <p:nvSpPr>
+          <p:cNvPr id="3" name="Content Placeholder 2"/>
+          <p:cNvSpPr>
+            <a:spLocks noGrp="1"/>
+          </p:cNvSpPr>
+          <p:nvPr>
+            <p:ph idx="1"/>
+          </p:nvPr>
+        </p:nvSpPr>
+        <p:spPr/>
+        <p:txBody>
+          <a:bodyPr/>
+          <a:lstStyle/>
+          <a:p>
+            <a:endParaRPr lang="en-US"/>
+          </a:p>
+        </p:txBody>
+      </p:sp>
+    </p:spTree>
+    <p:extLst>
+      <p:ext uri="{BB962C8B-B14F-4D97-AF65-F5344CB8AC3E}">
+        <p14:creationId xmlns:p14="http://schemas.microsoft.com/office/powerpoint/2010/main" val="3779176452"/>
+      </p:ext>
+    </p:extLst>
+  </p:cSld>
+  <p:clrMapOvr>
+    <a:masterClrMapping/>
+  </p:clrMapOvr>
 </p:sld>
 </file>
 

--- a/PENETRATION TESTING.pptx
+++ b/PENETRATION TESTING.pptx
@@ -77,6 +77,11 @@
     <p:sldId id="329" r:id="rId71"/>
     <p:sldId id="330" r:id="rId72"/>
     <p:sldId id="331" r:id="rId73"/>
+    <p:sldId id="332" r:id="rId74"/>
+    <p:sldId id="333" r:id="rId75"/>
+    <p:sldId id="334" r:id="rId76"/>
+    <p:sldId id="335" r:id="rId77"/>
+    <p:sldId id="336" r:id="rId78"/>
   </p:sldIdLst>
   <p:sldSz cx="12192000" cy="6858000"/>
   <p:notesSz cx="6858000" cy="9144000"/>
@@ -908,7 +913,7 @@
             <a:fld id="{B61BEF0D-F0BB-DE4B-95CE-6DB70DBA9567}" type="datetimeFigureOut">
               <a:rPr lang="en-US" dirty="0"/>
               <a:pPr/>
-              <a:t>7/13/2020</a:t>
+              <a:t>7/14/2020</a:t>
             </a:fld>
             <a:endParaRPr lang="en-US" dirty="0"/>
           </a:p>
@@ -1156,7 +1161,7 @@
             <a:fld id="{B61BEF0D-F0BB-DE4B-95CE-6DB70DBA9567}" type="datetimeFigureOut">
               <a:rPr lang="en-US" dirty="0"/>
               <a:pPr/>
-              <a:t>7/13/2020</a:t>
+              <a:t>7/14/2020</a:t>
             </a:fld>
             <a:endParaRPr lang="en-US" dirty="0"/>
           </a:p>
@@ -1467,7 +1472,7 @@
             <a:fld id="{B61BEF0D-F0BB-DE4B-95CE-6DB70DBA9567}" type="datetimeFigureOut">
               <a:rPr lang="en-US" dirty="0"/>
               <a:pPr/>
-              <a:t>7/13/2020</a:t>
+              <a:t>7/14/2020</a:t>
             </a:fld>
             <a:endParaRPr lang="en-US" dirty="0"/>
           </a:p>
@@ -1791,7 +1796,7 @@
             <a:fld id="{B61BEF0D-F0BB-DE4B-95CE-6DB70DBA9567}" type="datetimeFigureOut">
               <a:rPr lang="en-US" dirty="0"/>
               <a:pPr/>
-              <a:t>7/13/2020</a:t>
+              <a:t>7/14/2020</a:t>
             </a:fld>
             <a:endParaRPr lang="en-US" dirty="0"/>
           </a:p>
@@ -2102,7 +2107,7 @@
             <a:fld id="{B61BEF0D-F0BB-DE4B-95CE-6DB70DBA9567}" type="datetimeFigureOut">
               <a:rPr lang="en-US" dirty="0"/>
               <a:pPr/>
-              <a:t>7/13/2020</a:t>
+              <a:t>7/14/2020</a:t>
             </a:fld>
             <a:endParaRPr lang="en-US" dirty="0"/>
           </a:p>
@@ -2486,7 +2491,7 @@
             <a:fld id="{B61BEF0D-F0BB-DE4B-95CE-6DB70DBA9567}" type="datetimeFigureOut">
               <a:rPr lang="en-US" dirty="0"/>
               <a:pPr/>
-              <a:t>7/13/2020</a:t>
+              <a:t>7/14/2020</a:t>
             </a:fld>
             <a:endParaRPr lang="en-US" dirty="0"/>
           </a:p>
@@ -2652,7 +2657,7 @@
           <a:p>
             <a:fld id="{55C6B4A9-1611-4792-9094-5F34BCA07E0B}" type="datetimeFigureOut">
               <a:rPr lang="en-US" dirty="0"/>
-              <a:t>7/13/2020</a:t>
+              <a:t>7/14/2020</a:t>
             </a:fld>
             <a:endParaRPr lang="en-US" dirty="0"/>
           </a:p>
@@ -2828,7 +2833,7 @@
             <a:fld id="{B61BEF0D-F0BB-DE4B-95CE-6DB70DBA9567}" type="datetimeFigureOut">
               <a:rPr lang="en-US" dirty="0"/>
               <a:pPr/>
-              <a:t>7/13/2020</a:t>
+              <a:t>7/14/2020</a:t>
             </a:fld>
             <a:endParaRPr lang="en-US" dirty="0"/>
           </a:p>
@@ -3001,7 +3006,7 @@
             <a:fld id="{B61BEF0D-F0BB-DE4B-95CE-6DB70DBA9567}" type="datetimeFigureOut">
               <a:rPr lang="en-US" dirty="0"/>
               <a:pPr/>
-              <a:t>7/13/2020</a:t>
+              <a:t>7/14/2020</a:t>
             </a:fld>
             <a:endParaRPr lang="en-US" dirty="0"/>
           </a:p>
@@ -3245,7 +3250,7 @@
             <a:fld id="{B61BEF0D-F0BB-DE4B-95CE-6DB70DBA9567}" type="datetimeFigureOut">
               <a:rPr lang="en-US" dirty="0"/>
               <a:pPr/>
-              <a:t>7/13/2020</a:t>
+              <a:t>7/14/2020</a:t>
             </a:fld>
             <a:endParaRPr lang="en-US" dirty="0"/>
           </a:p>
@@ -3473,7 +3478,7 @@
           <a:p>
             <a:fld id="{EB712588-04B1-427B-82EE-E8DB90309F08}" type="datetimeFigureOut">
               <a:rPr lang="en-US" dirty="0"/>
-              <a:t>7/13/2020</a:t>
+              <a:t>7/14/2020</a:t>
             </a:fld>
             <a:endParaRPr lang="en-US" dirty="0"/>
           </a:p>
@@ -3843,7 +3848,7 @@
             <a:fld id="{B61BEF0D-F0BB-DE4B-95CE-6DB70DBA9567}" type="datetimeFigureOut">
               <a:rPr lang="en-US" dirty="0"/>
               <a:pPr/>
-              <a:t>7/13/2020</a:t>
+              <a:t>7/14/2020</a:t>
             </a:fld>
             <a:endParaRPr lang="en-US" dirty="0"/>
           </a:p>
@@ -3963,7 +3968,7 @@
             <a:fld id="{B61BEF0D-F0BB-DE4B-95CE-6DB70DBA9567}" type="datetimeFigureOut">
               <a:rPr lang="en-US" dirty="0"/>
               <a:pPr/>
-              <a:t>7/13/2020</a:t>
+              <a:t>7/14/2020</a:t>
             </a:fld>
             <a:endParaRPr lang="en-US" dirty="0"/>
           </a:p>
@@ -4055,7 +4060,7 @@
             <a:fld id="{B61BEF0D-F0BB-DE4B-95CE-6DB70DBA9567}" type="datetimeFigureOut">
               <a:rPr lang="en-US" dirty="0"/>
               <a:pPr/>
-              <a:t>7/13/2020</a:t>
+              <a:t>7/14/2020</a:t>
             </a:fld>
             <a:endParaRPr lang="en-US" dirty="0"/>
           </a:p>
@@ -4306,7 +4311,7 @@
           <a:p>
             <a:fld id="{42A54C80-263E-416B-A8E0-580EDEADCBDC}" type="datetimeFigureOut">
               <a:rPr lang="en-US" dirty="0"/>
-              <a:t>7/13/2020</a:t>
+              <a:t>7/14/2020</a:t>
             </a:fld>
             <a:endParaRPr lang="en-US" dirty="0"/>
           </a:p>
@@ -4565,7 +4570,7 @@
             <a:fld id="{B61BEF0D-F0BB-DE4B-95CE-6DB70DBA9567}" type="datetimeFigureOut">
               <a:rPr lang="en-US" dirty="0"/>
               <a:pPr/>
-              <a:t>7/13/2020</a:t>
+              <a:t>7/14/2020</a:t>
             </a:fld>
             <a:endParaRPr lang="en-US" dirty="0"/>
           </a:p>
@@ -5307,7 +5312,7 @@
             <a:fld id="{B61BEF0D-F0BB-DE4B-95CE-6DB70DBA9567}" type="datetimeFigureOut">
               <a:rPr lang="en-US" dirty="0"/>
               <a:pPr/>
-              <a:t>7/13/2020</a:t>
+              <a:t>7/14/2020</a:t>
             </a:fld>
             <a:endParaRPr lang="en-US" dirty="0"/>
           </a:p>
@@ -13795,7 +13800,6 @@
               <a:rPr lang="en-US" dirty="0"/>
               <a:t>Criminal hackers are those computer programming experts who hack others systems with the intention to steal data, steal money, defame others credit, destroy others data, blackmail someone, etc.</a:t>
             </a:r>
-            <a:endParaRPr lang="en-US" dirty="0"/>
           </a:p>
         </p:txBody>
       </p:sp>
@@ -14137,7 +14141,6 @@
               <a:rPr lang="en-US" dirty="0"/>
               <a:t>Black hat hackers are also popular as crackers or dark-side hackers.</a:t>
             </a:r>
-            <a:endParaRPr lang="en-US" dirty="0"/>
           </a:p>
         </p:txBody>
       </p:sp>
@@ -14227,7 +14230,6 @@
               <a:rPr lang="en-US" dirty="0"/>
               <a:t>primary role is to ensure the security of an organization's information system.</a:t>
             </a:r>
-            <a:endParaRPr lang="en-US" dirty="0"/>
           </a:p>
         </p:txBody>
       </p:sp>
@@ -14432,7 +14434,6 @@
               <a:rPr lang="en-US" dirty="0"/>
               <a:t>The term "grey hat hacker" refers to a computer hacker who cracks computer security system whose ethical standards fall somewhere between purely ethical and solely malicious.</a:t>
             </a:r>
-            <a:endParaRPr lang="en-US" dirty="0"/>
           </a:p>
         </p:txBody>
       </p:sp>
@@ -14481,7 +14482,14 @@
           <a:bodyPr/>
           <a:lstStyle/>
           <a:p>
-            <a:endParaRPr lang="en-US"/>
+            <a:r>
+              <a:rPr lang="en-US" dirty="0"/>
+              <a:t>Penetration Testing Vs. Ethical Hacking</a:t>
+            </a:r>
+            <a:br>
+              <a:rPr lang="en-US" dirty="0"/>
+            </a:br>
+            <a:endParaRPr lang="en-US" dirty="0"/>
           </a:p>
         </p:txBody>
       </p:sp>
@@ -14497,10 +14505,58 @@
         </p:nvSpPr>
         <p:spPr/>
         <p:txBody>
-          <a:bodyPr/>
-          <a:lstStyle/>
-          <a:p>
-            <a:endParaRPr lang="en-US"/>
+          <a:bodyPr>
+            <a:normAutofit fontScale="92500"/>
+          </a:bodyPr>
+          <a:lstStyle/>
+          <a:p>
+            <a:pPr marL="0" indent="0">
+              <a:buNone/>
+            </a:pPr>
+            <a:r>
+              <a:rPr lang="en-US" dirty="0" smtClean="0"/>
+              <a:t>     Penetration </a:t>
+            </a:r>
+            <a:r>
+              <a:rPr lang="en-US" dirty="0"/>
+              <a:t>Testing</a:t>
+            </a:r>
+          </a:p>
+          <a:p>
+            <a:r>
+              <a:rPr lang="en-US" dirty="0"/>
+              <a:t>Penetration testing is a specific term and focuses only on discovering the vulnerabilities, risks, and target environment with the purpose of securing and taking control of the system. Or in other words, penetration testing targets respective organization’s </a:t>
+            </a:r>
+            <a:r>
+              <a:rPr lang="en-US" dirty="0" smtClean="0"/>
+              <a:t>defense </a:t>
+            </a:r>
+            <a:r>
+              <a:rPr lang="en-US" dirty="0"/>
+              <a:t>systems consisting of all computer systems and its infrastructure.</a:t>
+            </a:r>
+          </a:p>
+          <a:p>
+            <a:pPr marL="0" indent="0">
+              <a:buNone/>
+            </a:pPr>
+            <a:r>
+              <a:rPr lang="en-US" dirty="0" smtClean="0"/>
+              <a:t>     Ethical </a:t>
+            </a:r>
+            <a:r>
+              <a:rPr lang="en-US" dirty="0"/>
+              <a:t>Hacking</a:t>
+            </a:r>
+          </a:p>
+          <a:p>
+            <a:r>
+              <a:rPr lang="en-US" dirty="0"/>
+              <a:t>On the other hand, ethical hacking is an extensive term that covers all hacking techniques, and other associated computer attack techniques. So, along with discovering the security flaws and vulnerabilities, and ensuring the security of the target system, it is beyond hacking the system but with a permission in order to safeguard the security for future purpose. Hence, we can that, it is an umbrella term and penetration testing is one of the features of ethical hacking.</a:t>
+            </a:r>
+          </a:p>
+          <a:p>
+            <a:endParaRPr lang="en-US" dirty="0"/>
           </a:p>
         </p:txBody>
       </p:sp>
@@ -14534,48 +14590,1570 @@
           <a:chExt cx="0" cy="0"/>
         </a:xfrm>
       </p:grpSpPr>
-      <p:sp>
-        <p:nvSpPr>
-          <p:cNvPr id="2" name="Title 1"/>
-          <p:cNvSpPr>
-            <a:spLocks noGrp="1"/>
-          </p:cNvSpPr>
-          <p:nvPr>
-            <p:ph type="title"/>
-          </p:nvPr>
-        </p:nvSpPr>
-        <p:spPr/>
-        <p:txBody>
-          <a:bodyPr/>
-          <a:lstStyle/>
-          <a:p>
-            <a:endParaRPr lang="en-US"/>
-          </a:p>
-        </p:txBody>
-      </p:sp>
-      <p:sp>
-        <p:nvSpPr>
-          <p:cNvPr id="3" name="Content Placeholder 2"/>
-          <p:cNvSpPr>
-            <a:spLocks noGrp="1"/>
-          </p:cNvSpPr>
+      <p:graphicFrame>
+        <p:nvGraphicFramePr>
+          <p:cNvPr id="4" name="Content Placeholder 3"/>
+          <p:cNvGraphicFramePr>
+            <a:graphicFrameLocks noGrp="1"/>
+          </p:cNvGraphicFramePr>
           <p:nvPr>
             <p:ph idx="1"/>
-          </p:nvPr>
-        </p:nvSpPr>
-        <p:spPr/>
-        <p:txBody>
-          <a:bodyPr/>
-          <a:lstStyle/>
-          <a:p>
-            <a:endParaRPr lang="en-US"/>
-          </a:p>
-        </p:txBody>
-      </p:sp>
+            <p:extLst>
+              <p:ext uri="{D42A27DB-BD31-4B8C-83A1-F6EECF244321}">
+                <p14:modId xmlns:p14="http://schemas.microsoft.com/office/powerpoint/2010/main" val="1429609672"/>
+              </p:ext>
+            </p:extLst>
+          </p:nvPr>
+        </p:nvGraphicFramePr>
+        <p:xfrm>
+          <a:off x="1463040" y="209550"/>
+          <a:ext cx="7376160" cy="6330586"/>
+        </p:xfrm>
+        <a:graphic>
+          <a:graphicData uri="http://schemas.openxmlformats.org/drawingml/2006/table">
+            <a:tbl>
+              <a:tblPr/>
+              <a:tblGrid>
+                <a:gridCol w="3865273">
+                  <a:extLst>
+                    <a:ext uri="{9D8B030D-6E8A-4147-A177-3AD203B41FA5}">
+                      <a16:colId xmlns:a16="http://schemas.microsoft.com/office/drawing/2014/main" val="46543635"/>
+                    </a:ext>
+                  </a:extLst>
+                </a:gridCol>
+                <a:gridCol w="3510887">
+                  <a:extLst>
+                    <a:ext uri="{9D8B030D-6E8A-4147-A177-3AD203B41FA5}">
+                      <a16:colId xmlns:a16="http://schemas.microsoft.com/office/drawing/2014/main" val="1985731564"/>
+                    </a:ext>
+                  </a:extLst>
+                </a:gridCol>
+              </a:tblGrid>
+              <a:tr h="220047">
+                <a:tc>
+                  <a:txBody>
+                    <a:bodyPr/>
+                    <a:lstStyle/>
+                    <a:p>
+                      <a:pPr algn="ctr" fontAlgn="t"/>
+                      <a:r>
+                        <a:rPr lang="en-US" sz="900" dirty="0">
+                          <a:solidFill>
+                            <a:srgbClr val="FF0000"/>
+                          </a:solidFill>
+                          <a:effectLst/>
+                        </a:rPr>
+                        <a:t>Penetration</a:t>
+                      </a:r>
+                      <a:r>
+                        <a:rPr lang="en-US" sz="900" dirty="0">
+                          <a:effectLst/>
+                        </a:rPr>
+                        <a:t> </a:t>
+                      </a:r>
+                      <a:r>
+                        <a:rPr lang="en-US" sz="900" dirty="0">
+                          <a:solidFill>
+                            <a:srgbClr val="FF0000"/>
+                          </a:solidFill>
+                          <a:effectLst/>
+                        </a:rPr>
+                        <a:t>Testing</a:t>
+                      </a:r>
+                    </a:p>
+                  </a:txBody>
+                  <a:tcPr marL="31190" marR="31190" marT="31190" marB="31190">
+                    <a:lnL w="7620" cap="flat" cmpd="sng" algn="ctr">
+                      <a:solidFill>
+                        <a:srgbClr val="DDDDDD"/>
+                      </a:solidFill>
+                      <a:prstDash val="solid"/>
+                      <a:round/>
+                      <a:headEnd type="none" w="med" len="med"/>
+                      <a:tailEnd type="none" w="med" len="med"/>
+                    </a:lnL>
+                    <a:lnR w="7620" cap="flat" cmpd="sng" algn="ctr">
+                      <a:solidFill>
+                        <a:srgbClr val="DDDDDD"/>
+                      </a:solidFill>
+                      <a:prstDash val="solid"/>
+                      <a:round/>
+                      <a:headEnd type="none" w="med" len="med"/>
+                      <a:tailEnd type="none" w="med" len="med"/>
+                    </a:lnR>
+                    <a:lnT w="7620" cap="flat" cmpd="sng" algn="ctr">
+                      <a:solidFill>
+                        <a:srgbClr val="DDDDDD"/>
+                      </a:solidFill>
+                      <a:prstDash val="solid"/>
+                      <a:round/>
+                      <a:headEnd type="none" w="med" len="med"/>
+                      <a:tailEnd type="none" w="med" len="med"/>
+                    </a:lnT>
+                    <a:lnB w="7620" cap="flat" cmpd="sng" algn="ctr">
+                      <a:solidFill>
+                        <a:srgbClr val="DDDDDD"/>
+                      </a:solidFill>
+                      <a:prstDash val="solid"/>
+                      <a:round/>
+                      <a:headEnd type="none" w="med" len="med"/>
+                      <a:tailEnd type="none" w="med" len="med"/>
+                    </a:lnB>
+                    <a:solidFill>
+                      <a:srgbClr val="EEEEEE"/>
+                    </a:solidFill>
+                  </a:tcPr>
+                </a:tc>
+                <a:tc>
+                  <a:txBody>
+                    <a:bodyPr/>
+                    <a:lstStyle/>
+                    <a:p>
+                      <a:pPr algn="ctr" fontAlgn="t"/>
+                      <a:r>
+                        <a:rPr lang="en-US" sz="900" dirty="0">
+                          <a:solidFill>
+                            <a:srgbClr val="FF0000"/>
+                          </a:solidFill>
+                          <a:effectLst/>
+                        </a:rPr>
+                        <a:t>Ethical</a:t>
+                      </a:r>
+                      <a:r>
+                        <a:rPr lang="en-US" sz="900" dirty="0">
+                          <a:effectLst/>
+                        </a:rPr>
+                        <a:t> </a:t>
+                      </a:r>
+                      <a:r>
+                        <a:rPr lang="en-US" sz="900" dirty="0">
+                          <a:solidFill>
+                            <a:srgbClr val="FF0000"/>
+                          </a:solidFill>
+                          <a:effectLst/>
+                        </a:rPr>
+                        <a:t>Hacking</a:t>
+                      </a:r>
+                    </a:p>
+                  </a:txBody>
+                  <a:tcPr marL="31190" marR="31190" marT="31190" marB="31190">
+                    <a:lnL w="7620" cap="flat" cmpd="sng" algn="ctr">
+                      <a:solidFill>
+                        <a:srgbClr val="DDDDDD"/>
+                      </a:solidFill>
+                      <a:prstDash val="solid"/>
+                      <a:round/>
+                      <a:headEnd type="none" w="med" len="med"/>
+                      <a:tailEnd type="none" w="med" len="med"/>
+                    </a:lnL>
+                    <a:lnR w="7620" cap="flat" cmpd="sng" algn="ctr">
+                      <a:solidFill>
+                        <a:srgbClr val="DDDDDD"/>
+                      </a:solidFill>
+                      <a:prstDash val="solid"/>
+                      <a:round/>
+                      <a:headEnd type="none" w="med" len="med"/>
+                      <a:tailEnd type="none" w="med" len="med"/>
+                    </a:lnR>
+                    <a:lnT w="7620" cap="flat" cmpd="sng" algn="ctr">
+                      <a:solidFill>
+                        <a:srgbClr val="DDDDDD"/>
+                      </a:solidFill>
+                      <a:prstDash val="solid"/>
+                      <a:round/>
+                      <a:headEnd type="none" w="med" len="med"/>
+                      <a:tailEnd type="none" w="med" len="med"/>
+                    </a:lnT>
+                    <a:lnB w="7620" cap="flat" cmpd="sng" algn="ctr">
+                      <a:solidFill>
+                        <a:srgbClr val="DDDDDD"/>
+                      </a:solidFill>
+                      <a:prstDash val="solid"/>
+                      <a:round/>
+                      <a:headEnd type="none" w="med" len="med"/>
+                      <a:tailEnd type="none" w="med" len="med"/>
+                    </a:lnB>
+                    <a:solidFill>
+                      <a:srgbClr val="EEEEEE"/>
+                    </a:solidFill>
+                  </a:tcPr>
+                </a:tc>
+                <a:extLst>
+                  <a:ext uri="{0D108BD9-81ED-4DB2-BD59-A6C34878D82A}">
+                    <a16:rowId xmlns:a16="http://schemas.microsoft.com/office/drawing/2014/main" val="3098374787"/>
+                  </a:ext>
+                </a:extLst>
+              </a:tr>
+              <a:tr h="677068">
+                <a:tc>
+                  <a:txBody>
+                    <a:bodyPr/>
+                    <a:lstStyle/>
+                    <a:p>
+                      <a:pPr fontAlgn="t"/>
+                      <a:r>
+                        <a:rPr lang="en-US" sz="900">
+                          <a:effectLst/>
+                        </a:rPr>
+                        <a:t>A narrow term focuses on penetration testing only to secure the security system.</a:t>
+                      </a:r>
+                    </a:p>
+                  </a:txBody>
+                  <a:tcPr marL="31190" marR="31190" marT="31190" marB="31190">
+                    <a:lnL w="7620" cap="flat" cmpd="sng" algn="ctr">
+                      <a:solidFill>
+                        <a:srgbClr val="DDDDDD"/>
+                      </a:solidFill>
+                      <a:prstDash val="solid"/>
+                      <a:round/>
+                      <a:headEnd type="none" w="med" len="med"/>
+                      <a:tailEnd type="none" w="med" len="med"/>
+                    </a:lnL>
+                    <a:lnR w="7620" cap="flat" cmpd="sng" algn="ctr">
+                      <a:solidFill>
+                        <a:srgbClr val="DDDDDD"/>
+                      </a:solidFill>
+                      <a:prstDash val="solid"/>
+                      <a:round/>
+                      <a:headEnd type="none" w="med" len="med"/>
+                      <a:tailEnd type="none" w="med" len="med"/>
+                    </a:lnR>
+                    <a:lnT w="7620" cap="flat" cmpd="sng" algn="ctr">
+                      <a:solidFill>
+                        <a:srgbClr val="DDDDDD"/>
+                      </a:solidFill>
+                      <a:prstDash val="solid"/>
+                      <a:round/>
+                      <a:headEnd type="none" w="med" len="med"/>
+                      <a:tailEnd type="none" w="med" len="med"/>
+                    </a:lnT>
+                    <a:lnB w="7620" cap="flat" cmpd="sng" algn="ctr">
+                      <a:solidFill>
+                        <a:srgbClr val="DDDDDD"/>
+                      </a:solidFill>
+                      <a:prstDash val="solid"/>
+                      <a:round/>
+                      <a:headEnd type="none" w="med" len="med"/>
+                      <a:tailEnd type="none" w="med" len="med"/>
+                    </a:lnB>
+                  </a:tcPr>
+                </a:tc>
+                <a:tc>
+                  <a:txBody>
+                    <a:bodyPr/>
+                    <a:lstStyle/>
+                    <a:p>
+                      <a:pPr fontAlgn="ctr"/>
+                      <a:r>
+                        <a:rPr lang="en-US" sz="900">
+                          <a:effectLst/>
+                        </a:rPr>
+                        <a:t>A comprehensive term and penetration testing is one of its features.</a:t>
+                      </a:r>
+                    </a:p>
+                  </a:txBody>
+                  <a:tcPr marL="31190" marR="31190" marT="31190" marB="31190" anchor="ctr">
+                    <a:lnL w="7620" cap="flat" cmpd="sng" algn="ctr">
+                      <a:solidFill>
+                        <a:srgbClr val="DDDDDD"/>
+                      </a:solidFill>
+                      <a:prstDash val="solid"/>
+                      <a:round/>
+                      <a:headEnd type="none" w="med" len="med"/>
+                      <a:tailEnd type="none" w="med" len="med"/>
+                    </a:lnL>
+                    <a:lnR w="7620" cap="flat" cmpd="sng" algn="ctr">
+                      <a:solidFill>
+                        <a:srgbClr val="DDDDDD"/>
+                      </a:solidFill>
+                      <a:prstDash val="solid"/>
+                      <a:round/>
+                      <a:headEnd type="none" w="med" len="med"/>
+                      <a:tailEnd type="none" w="med" len="med"/>
+                    </a:lnR>
+                    <a:lnT w="7620" cap="flat" cmpd="sng" algn="ctr">
+                      <a:solidFill>
+                        <a:srgbClr val="DDDDDD"/>
+                      </a:solidFill>
+                      <a:prstDash val="solid"/>
+                      <a:round/>
+                      <a:headEnd type="none" w="med" len="med"/>
+                      <a:tailEnd type="none" w="med" len="med"/>
+                    </a:lnT>
+                    <a:lnB w="7620" cap="flat" cmpd="sng" algn="ctr">
+                      <a:solidFill>
+                        <a:srgbClr val="DDDDDD"/>
+                      </a:solidFill>
+                      <a:prstDash val="solid"/>
+                      <a:round/>
+                      <a:headEnd type="none" w="med" len="med"/>
+                      <a:tailEnd type="none" w="med" len="med"/>
+                    </a:lnB>
+                  </a:tcPr>
+                </a:tc>
+                <a:extLst>
+                  <a:ext uri="{0D108BD9-81ED-4DB2-BD59-A6C34878D82A}">
+                    <a16:rowId xmlns:a16="http://schemas.microsoft.com/office/drawing/2014/main" val="1180188778"/>
+                  </a:ext>
+                </a:extLst>
+              </a:tr>
+              <a:tr h="1286430">
+                <a:tc>
+                  <a:txBody>
+                    <a:bodyPr/>
+                    <a:lstStyle/>
+                    <a:p>
+                      <a:pPr fontAlgn="t"/>
+                      <a:r>
+                        <a:rPr lang="en-US" sz="900">
+                          <a:effectLst/>
+                        </a:rPr>
+                        <a:t>A tester essentially does need to have a comprehensive knowledge of everything rather required to have the knowledge of only the specific area for which he conducts pen testing.</a:t>
+                      </a:r>
+                    </a:p>
+                  </a:txBody>
+                  <a:tcPr marL="31190" marR="31190" marT="31190" marB="31190">
+                    <a:lnL w="7620" cap="flat" cmpd="sng" algn="ctr">
+                      <a:solidFill>
+                        <a:srgbClr val="DDDDDD"/>
+                      </a:solidFill>
+                      <a:prstDash val="solid"/>
+                      <a:round/>
+                      <a:headEnd type="none" w="med" len="med"/>
+                      <a:tailEnd type="none" w="med" len="med"/>
+                    </a:lnL>
+                    <a:lnR w="7620" cap="flat" cmpd="sng" algn="ctr">
+                      <a:solidFill>
+                        <a:srgbClr val="DDDDDD"/>
+                      </a:solidFill>
+                      <a:prstDash val="solid"/>
+                      <a:round/>
+                      <a:headEnd type="none" w="med" len="med"/>
+                      <a:tailEnd type="none" w="med" len="med"/>
+                    </a:lnR>
+                    <a:lnT w="7620" cap="flat" cmpd="sng" algn="ctr">
+                      <a:solidFill>
+                        <a:srgbClr val="DDDDDD"/>
+                      </a:solidFill>
+                      <a:prstDash val="solid"/>
+                      <a:round/>
+                      <a:headEnd type="none" w="med" len="med"/>
+                      <a:tailEnd type="none" w="med" len="med"/>
+                    </a:lnT>
+                    <a:lnB w="7620" cap="flat" cmpd="sng" algn="ctr">
+                      <a:solidFill>
+                        <a:srgbClr val="DDDDDD"/>
+                      </a:solidFill>
+                      <a:prstDash val="solid"/>
+                      <a:round/>
+                      <a:headEnd type="none" w="med" len="med"/>
+                      <a:tailEnd type="none" w="med" len="med"/>
+                    </a:lnB>
+                  </a:tcPr>
+                </a:tc>
+                <a:tc>
+                  <a:txBody>
+                    <a:bodyPr/>
+                    <a:lstStyle/>
+                    <a:p>
+                      <a:pPr fontAlgn="ctr"/>
+                      <a:r>
+                        <a:rPr lang="en-US" sz="900">
+                          <a:effectLst/>
+                        </a:rPr>
+                        <a:t>An ethical hacker essentially needs to have a comprehensive knowledge of software programming as well as hardware.</a:t>
+                      </a:r>
+                    </a:p>
+                  </a:txBody>
+                  <a:tcPr marL="31190" marR="31190" marT="31190" marB="31190" anchor="ctr">
+                    <a:lnL w="7620" cap="flat" cmpd="sng" algn="ctr">
+                      <a:solidFill>
+                        <a:srgbClr val="DDDDDD"/>
+                      </a:solidFill>
+                      <a:prstDash val="solid"/>
+                      <a:round/>
+                      <a:headEnd type="none" w="med" len="med"/>
+                      <a:tailEnd type="none" w="med" len="med"/>
+                    </a:lnL>
+                    <a:lnR w="7620" cap="flat" cmpd="sng" algn="ctr">
+                      <a:solidFill>
+                        <a:srgbClr val="DDDDDD"/>
+                      </a:solidFill>
+                      <a:prstDash val="solid"/>
+                      <a:round/>
+                      <a:headEnd type="none" w="med" len="med"/>
+                      <a:tailEnd type="none" w="med" len="med"/>
+                    </a:lnR>
+                    <a:lnT w="7620" cap="flat" cmpd="sng" algn="ctr">
+                      <a:solidFill>
+                        <a:srgbClr val="DDDDDD"/>
+                      </a:solidFill>
+                      <a:prstDash val="solid"/>
+                      <a:round/>
+                      <a:headEnd type="none" w="med" len="med"/>
+                      <a:tailEnd type="none" w="med" len="med"/>
+                    </a:lnT>
+                    <a:lnB w="7620" cap="flat" cmpd="sng" algn="ctr">
+                      <a:solidFill>
+                        <a:srgbClr val="DDDDDD"/>
+                      </a:solidFill>
+                      <a:prstDash val="solid"/>
+                      <a:round/>
+                      <a:headEnd type="none" w="med" len="med"/>
+                      <a:tailEnd type="none" w="med" len="med"/>
+                    </a:lnB>
+                  </a:tcPr>
+                </a:tc>
+                <a:extLst>
+                  <a:ext uri="{0D108BD9-81ED-4DB2-BD59-A6C34878D82A}">
+                    <a16:rowId xmlns:a16="http://schemas.microsoft.com/office/drawing/2014/main" val="992430729"/>
+                  </a:ext>
+                </a:extLst>
+              </a:tr>
+              <a:tr h="677068">
+                <a:tc>
+                  <a:txBody>
+                    <a:bodyPr/>
+                    <a:lstStyle/>
+                    <a:p>
+                      <a:pPr fontAlgn="t"/>
+                      <a:r>
+                        <a:rPr lang="en-US" sz="900">
+                          <a:effectLst/>
+                        </a:rPr>
+                        <a:t>A tester not necessarily required to be a good report writer.</a:t>
+                      </a:r>
+                    </a:p>
+                  </a:txBody>
+                  <a:tcPr marL="31190" marR="31190" marT="31190" marB="31190">
+                    <a:lnL w="7620" cap="flat" cmpd="sng" algn="ctr">
+                      <a:solidFill>
+                        <a:srgbClr val="DDDDDD"/>
+                      </a:solidFill>
+                      <a:prstDash val="solid"/>
+                      <a:round/>
+                      <a:headEnd type="none" w="med" len="med"/>
+                      <a:tailEnd type="none" w="med" len="med"/>
+                    </a:lnL>
+                    <a:lnR w="7620" cap="flat" cmpd="sng" algn="ctr">
+                      <a:solidFill>
+                        <a:srgbClr val="DDDDDD"/>
+                      </a:solidFill>
+                      <a:prstDash val="solid"/>
+                      <a:round/>
+                      <a:headEnd type="none" w="med" len="med"/>
+                      <a:tailEnd type="none" w="med" len="med"/>
+                    </a:lnR>
+                    <a:lnT w="7620" cap="flat" cmpd="sng" algn="ctr">
+                      <a:solidFill>
+                        <a:srgbClr val="DDDDDD"/>
+                      </a:solidFill>
+                      <a:prstDash val="solid"/>
+                      <a:round/>
+                      <a:headEnd type="none" w="med" len="med"/>
+                      <a:tailEnd type="none" w="med" len="med"/>
+                    </a:lnT>
+                    <a:lnB w="7620" cap="flat" cmpd="sng" algn="ctr">
+                      <a:solidFill>
+                        <a:srgbClr val="DDDDDD"/>
+                      </a:solidFill>
+                      <a:prstDash val="solid"/>
+                      <a:round/>
+                      <a:headEnd type="none" w="med" len="med"/>
+                      <a:tailEnd type="none" w="med" len="med"/>
+                    </a:lnB>
+                  </a:tcPr>
+                </a:tc>
+                <a:tc>
+                  <a:txBody>
+                    <a:bodyPr/>
+                    <a:lstStyle/>
+                    <a:p>
+                      <a:pPr fontAlgn="t"/>
+                      <a:r>
+                        <a:rPr lang="en-US" sz="900">
+                          <a:effectLst/>
+                        </a:rPr>
+                        <a:t>An ethical hacker essentially needs to be an expert on report writing.</a:t>
+                      </a:r>
+                    </a:p>
+                  </a:txBody>
+                  <a:tcPr marL="31190" marR="31190" marT="31190" marB="31190">
+                    <a:lnL w="7620" cap="flat" cmpd="sng" algn="ctr">
+                      <a:solidFill>
+                        <a:srgbClr val="DDDDDD"/>
+                      </a:solidFill>
+                      <a:prstDash val="solid"/>
+                      <a:round/>
+                      <a:headEnd type="none" w="med" len="med"/>
+                      <a:tailEnd type="none" w="med" len="med"/>
+                    </a:lnL>
+                    <a:lnR w="7620" cap="flat" cmpd="sng" algn="ctr">
+                      <a:solidFill>
+                        <a:srgbClr val="DDDDDD"/>
+                      </a:solidFill>
+                      <a:prstDash val="solid"/>
+                      <a:round/>
+                      <a:headEnd type="none" w="med" len="med"/>
+                      <a:tailEnd type="none" w="med" len="med"/>
+                    </a:lnR>
+                    <a:lnT w="7620" cap="flat" cmpd="sng" algn="ctr">
+                      <a:solidFill>
+                        <a:srgbClr val="DDDDDD"/>
+                      </a:solidFill>
+                      <a:prstDash val="solid"/>
+                      <a:round/>
+                      <a:headEnd type="none" w="med" len="med"/>
+                      <a:tailEnd type="none" w="med" len="med"/>
+                    </a:lnT>
+                    <a:lnB w="7620" cap="flat" cmpd="sng" algn="ctr">
+                      <a:solidFill>
+                        <a:srgbClr val="DDDDDD"/>
+                      </a:solidFill>
+                      <a:prstDash val="solid"/>
+                      <a:round/>
+                      <a:headEnd type="none" w="med" len="med"/>
+                      <a:tailEnd type="none" w="med" len="med"/>
+                    </a:lnB>
+                  </a:tcPr>
+                </a:tc>
+                <a:extLst>
+                  <a:ext uri="{0D108BD9-81ED-4DB2-BD59-A6C34878D82A}">
+                    <a16:rowId xmlns:a16="http://schemas.microsoft.com/office/drawing/2014/main" val="1828082541"/>
+                  </a:ext>
+                </a:extLst>
+              </a:tr>
+              <a:tr h="981748">
+                <a:tc>
+                  <a:txBody>
+                    <a:bodyPr/>
+                    <a:lstStyle/>
+                    <a:p>
+                      <a:pPr fontAlgn="ctr"/>
+                      <a:r>
+                        <a:rPr lang="en-US" sz="900">
+                          <a:effectLst/>
+                        </a:rPr>
+                        <a:t>Any tester with some inputs of penetration testing can perform pen test.</a:t>
+                      </a:r>
+                    </a:p>
+                  </a:txBody>
+                  <a:tcPr marL="31190" marR="31190" marT="31190" marB="31190" anchor="ctr">
+                    <a:lnL w="7620" cap="flat" cmpd="sng" algn="ctr">
+                      <a:solidFill>
+                        <a:srgbClr val="DDDDDD"/>
+                      </a:solidFill>
+                      <a:prstDash val="solid"/>
+                      <a:round/>
+                      <a:headEnd type="none" w="med" len="med"/>
+                      <a:tailEnd type="none" w="med" len="med"/>
+                    </a:lnL>
+                    <a:lnR w="7620" cap="flat" cmpd="sng" algn="ctr">
+                      <a:solidFill>
+                        <a:srgbClr val="DDDDDD"/>
+                      </a:solidFill>
+                      <a:prstDash val="solid"/>
+                      <a:round/>
+                      <a:headEnd type="none" w="med" len="med"/>
+                      <a:tailEnd type="none" w="med" len="med"/>
+                    </a:lnR>
+                    <a:lnT w="7620" cap="flat" cmpd="sng" algn="ctr">
+                      <a:solidFill>
+                        <a:srgbClr val="DDDDDD"/>
+                      </a:solidFill>
+                      <a:prstDash val="solid"/>
+                      <a:round/>
+                      <a:headEnd type="none" w="med" len="med"/>
+                      <a:tailEnd type="none" w="med" len="med"/>
+                    </a:lnT>
+                    <a:lnB w="7620" cap="flat" cmpd="sng" algn="ctr">
+                      <a:solidFill>
+                        <a:srgbClr val="DDDDDD"/>
+                      </a:solidFill>
+                      <a:prstDash val="solid"/>
+                      <a:round/>
+                      <a:headEnd type="none" w="med" len="med"/>
+                      <a:tailEnd type="none" w="med" len="med"/>
+                    </a:lnB>
+                  </a:tcPr>
+                </a:tc>
+                <a:tc>
+                  <a:txBody>
+                    <a:bodyPr/>
+                    <a:lstStyle/>
+                    <a:p>
+                      <a:pPr fontAlgn="t"/>
+                      <a:r>
+                        <a:rPr lang="en-US" sz="900">
+                          <a:effectLst/>
+                        </a:rPr>
+                        <a:t>It requires to be an expert professional in the subject, who has the obligatory certification of ethical hacking to be effective.</a:t>
+                      </a:r>
+                    </a:p>
+                  </a:txBody>
+                  <a:tcPr marL="31190" marR="31190" marT="31190" marB="31190">
+                    <a:lnL w="7620" cap="flat" cmpd="sng" algn="ctr">
+                      <a:solidFill>
+                        <a:srgbClr val="DDDDDD"/>
+                      </a:solidFill>
+                      <a:prstDash val="solid"/>
+                      <a:round/>
+                      <a:headEnd type="none" w="med" len="med"/>
+                      <a:tailEnd type="none" w="med" len="med"/>
+                    </a:lnL>
+                    <a:lnR w="7620" cap="flat" cmpd="sng" algn="ctr">
+                      <a:solidFill>
+                        <a:srgbClr val="DDDDDD"/>
+                      </a:solidFill>
+                      <a:prstDash val="solid"/>
+                      <a:round/>
+                      <a:headEnd type="none" w="med" len="med"/>
+                      <a:tailEnd type="none" w="med" len="med"/>
+                    </a:lnR>
+                    <a:lnT w="7620" cap="flat" cmpd="sng" algn="ctr">
+                      <a:solidFill>
+                        <a:srgbClr val="DDDDDD"/>
+                      </a:solidFill>
+                      <a:prstDash val="solid"/>
+                      <a:round/>
+                      <a:headEnd type="none" w="med" len="med"/>
+                      <a:tailEnd type="none" w="med" len="med"/>
+                    </a:lnT>
+                    <a:lnB w="7620" cap="flat" cmpd="sng" algn="ctr">
+                      <a:solidFill>
+                        <a:srgbClr val="DDDDDD"/>
+                      </a:solidFill>
+                      <a:prstDash val="solid"/>
+                      <a:round/>
+                      <a:headEnd type="none" w="med" len="med"/>
+                      <a:tailEnd type="none" w="med" len="med"/>
+                    </a:lnB>
+                  </a:tcPr>
+                </a:tc>
+                <a:extLst>
+                  <a:ext uri="{0D108BD9-81ED-4DB2-BD59-A6C34878D82A}">
+                    <a16:rowId xmlns:a16="http://schemas.microsoft.com/office/drawing/2014/main" val="617471596"/>
+                  </a:ext>
+                </a:extLst>
+              </a:tr>
+              <a:tr h="524727">
+                <a:tc>
+                  <a:txBody>
+                    <a:bodyPr/>
+                    <a:lstStyle/>
+                    <a:p>
+                      <a:pPr fontAlgn="t"/>
+                      <a:r>
+                        <a:rPr lang="en-US" sz="900">
+                          <a:effectLst/>
+                        </a:rPr>
+                        <a:t>Paper work in less compared to Ethical hacking.</a:t>
+                      </a:r>
+                    </a:p>
+                  </a:txBody>
+                  <a:tcPr marL="31190" marR="31190" marT="31190" marB="31190">
+                    <a:lnL w="7620" cap="flat" cmpd="sng" algn="ctr">
+                      <a:solidFill>
+                        <a:srgbClr val="DDDDDD"/>
+                      </a:solidFill>
+                      <a:prstDash val="solid"/>
+                      <a:round/>
+                      <a:headEnd type="none" w="med" len="med"/>
+                      <a:tailEnd type="none" w="med" len="med"/>
+                    </a:lnL>
+                    <a:lnR w="7620" cap="flat" cmpd="sng" algn="ctr">
+                      <a:solidFill>
+                        <a:srgbClr val="DDDDDD"/>
+                      </a:solidFill>
+                      <a:prstDash val="solid"/>
+                      <a:round/>
+                      <a:headEnd type="none" w="med" len="med"/>
+                      <a:tailEnd type="none" w="med" len="med"/>
+                    </a:lnR>
+                    <a:lnT w="7620" cap="flat" cmpd="sng" algn="ctr">
+                      <a:solidFill>
+                        <a:srgbClr val="DDDDDD"/>
+                      </a:solidFill>
+                      <a:prstDash val="solid"/>
+                      <a:round/>
+                      <a:headEnd type="none" w="med" len="med"/>
+                      <a:tailEnd type="none" w="med" len="med"/>
+                    </a:lnT>
+                    <a:lnB w="7620" cap="flat" cmpd="sng" algn="ctr">
+                      <a:solidFill>
+                        <a:srgbClr val="DDDDDD"/>
+                      </a:solidFill>
+                      <a:prstDash val="solid"/>
+                      <a:round/>
+                      <a:headEnd type="none" w="med" len="med"/>
+                      <a:tailEnd type="none" w="med" len="med"/>
+                    </a:lnB>
+                  </a:tcPr>
+                </a:tc>
+                <a:tc>
+                  <a:txBody>
+                    <a:bodyPr/>
+                    <a:lstStyle/>
+                    <a:p>
+                      <a:pPr fontAlgn="t"/>
+                      <a:r>
+                        <a:rPr lang="en-US" sz="900">
+                          <a:effectLst/>
+                        </a:rPr>
+                        <a:t>A detailed paper works are required, including legal agreement etc.</a:t>
+                      </a:r>
+                    </a:p>
+                  </a:txBody>
+                  <a:tcPr marL="31190" marR="31190" marT="31190" marB="31190">
+                    <a:lnL w="7620" cap="flat" cmpd="sng" algn="ctr">
+                      <a:solidFill>
+                        <a:srgbClr val="DDDDDD"/>
+                      </a:solidFill>
+                      <a:prstDash val="solid"/>
+                      <a:round/>
+                      <a:headEnd type="none" w="med" len="med"/>
+                      <a:tailEnd type="none" w="med" len="med"/>
+                    </a:lnL>
+                    <a:lnR w="7620" cap="flat" cmpd="sng" algn="ctr">
+                      <a:solidFill>
+                        <a:srgbClr val="DDDDDD"/>
+                      </a:solidFill>
+                      <a:prstDash val="solid"/>
+                      <a:round/>
+                      <a:headEnd type="none" w="med" len="med"/>
+                      <a:tailEnd type="none" w="med" len="med"/>
+                    </a:lnR>
+                    <a:lnT w="7620" cap="flat" cmpd="sng" algn="ctr">
+                      <a:solidFill>
+                        <a:srgbClr val="DDDDDD"/>
+                      </a:solidFill>
+                      <a:prstDash val="solid"/>
+                      <a:round/>
+                      <a:headEnd type="none" w="med" len="med"/>
+                      <a:tailEnd type="none" w="med" len="med"/>
+                    </a:lnT>
+                    <a:lnB w="7620" cap="flat" cmpd="sng" algn="ctr">
+                      <a:solidFill>
+                        <a:srgbClr val="DDDDDD"/>
+                      </a:solidFill>
+                      <a:prstDash val="solid"/>
+                      <a:round/>
+                      <a:headEnd type="none" w="med" len="med"/>
+                      <a:tailEnd type="none" w="med" len="med"/>
+                    </a:lnB>
+                  </a:tcPr>
+                </a:tc>
+                <a:extLst>
+                  <a:ext uri="{0D108BD9-81ED-4DB2-BD59-A6C34878D82A}">
+                    <a16:rowId xmlns:a16="http://schemas.microsoft.com/office/drawing/2014/main" val="3962686841"/>
+                  </a:ext>
+                </a:extLst>
+              </a:tr>
+              <a:tr h="677068">
+                <a:tc>
+                  <a:txBody>
+                    <a:bodyPr/>
+                    <a:lstStyle/>
+                    <a:p>
+                      <a:pPr fontAlgn="t"/>
+                      <a:r>
+                        <a:rPr lang="en-US" sz="900">
+                          <a:effectLst/>
+                        </a:rPr>
+                        <a:t>To perform this type of testing, less time required.</a:t>
+                      </a:r>
+                    </a:p>
+                  </a:txBody>
+                  <a:tcPr marL="31190" marR="31190" marT="31190" marB="31190">
+                    <a:lnL w="7620" cap="flat" cmpd="sng" algn="ctr">
+                      <a:solidFill>
+                        <a:srgbClr val="DDDDDD"/>
+                      </a:solidFill>
+                      <a:prstDash val="solid"/>
+                      <a:round/>
+                      <a:headEnd type="none" w="med" len="med"/>
+                      <a:tailEnd type="none" w="med" len="med"/>
+                    </a:lnL>
+                    <a:lnR w="7620" cap="flat" cmpd="sng" algn="ctr">
+                      <a:solidFill>
+                        <a:srgbClr val="DDDDDD"/>
+                      </a:solidFill>
+                      <a:prstDash val="solid"/>
+                      <a:round/>
+                      <a:headEnd type="none" w="med" len="med"/>
+                      <a:tailEnd type="none" w="med" len="med"/>
+                    </a:lnR>
+                    <a:lnT w="7620" cap="flat" cmpd="sng" algn="ctr">
+                      <a:solidFill>
+                        <a:srgbClr val="DDDDDD"/>
+                      </a:solidFill>
+                      <a:prstDash val="solid"/>
+                      <a:round/>
+                      <a:headEnd type="none" w="med" len="med"/>
+                      <a:tailEnd type="none" w="med" len="med"/>
+                    </a:lnT>
+                    <a:lnB w="7620" cap="flat" cmpd="sng" algn="ctr">
+                      <a:solidFill>
+                        <a:srgbClr val="DDDDDD"/>
+                      </a:solidFill>
+                      <a:prstDash val="solid"/>
+                      <a:round/>
+                      <a:headEnd type="none" w="med" len="med"/>
+                      <a:tailEnd type="none" w="med" len="med"/>
+                    </a:lnB>
+                  </a:tcPr>
+                </a:tc>
+                <a:tc>
+                  <a:txBody>
+                    <a:bodyPr/>
+                    <a:lstStyle/>
+                    <a:p>
+                      <a:pPr fontAlgn="t"/>
+                      <a:r>
+                        <a:rPr lang="en-US" sz="900">
+                          <a:effectLst/>
+                        </a:rPr>
+                        <a:t>Ethical hacking involves lot of time and effort compared to Penetration testing.</a:t>
+                      </a:r>
+                    </a:p>
+                  </a:txBody>
+                  <a:tcPr marL="31190" marR="31190" marT="31190" marB="31190">
+                    <a:lnL w="7620" cap="flat" cmpd="sng" algn="ctr">
+                      <a:solidFill>
+                        <a:srgbClr val="DDDDDD"/>
+                      </a:solidFill>
+                      <a:prstDash val="solid"/>
+                      <a:round/>
+                      <a:headEnd type="none" w="med" len="med"/>
+                      <a:tailEnd type="none" w="med" len="med"/>
+                    </a:lnL>
+                    <a:lnR w="7620" cap="flat" cmpd="sng" algn="ctr">
+                      <a:solidFill>
+                        <a:srgbClr val="DDDDDD"/>
+                      </a:solidFill>
+                      <a:prstDash val="solid"/>
+                      <a:round/>
+                      <a:headEnd type="none" w="med" len="med"/>
+                      <a:tailEnd type="none" w="med" len="med"/>
+                    </a:lnR>
+                    <a:lnT w="7620" cap="flat" cmpd="sng" algn="ctr">
+                      <a:solidFill>
+                        <a:srgbClr val="DDDDDD"/>
+                      </a:solidFill>
+                      <a:prstDash val="solid"/>
+                      <a:round/>
+                      <a:headEnd type="none" w="med" len="med"/>
+                      <a:tailEnd type="none" w="med" len="med"/>
+                    </a:lnT>
+                    <a:lnB w="7620" cap="flat" cmpd="sng" algn="ctr">
+                      <a:solidFill>
+                        <a:srgbClr val="DDDDDD"/>
+                      </a:solidFill>
+                      <a:prstDash val="solid"/>
+                      <a:round/>
+                      <a:headEnd type="none" w="med" len="med"/>
+                      <a:tailEnd type="none" w="med" len="med"/>
+                    </a:lnB>
+                  </a:tcPr>
+                </a:tc>
+                <a:extLst>
+                  <a:ext uri="{0D108BD9-81ED-4DB2-BD59-A6C34878D82A}">
+                    <a16:rowId xmlns:a16="http://schemas.microsoft.com/office/drawing/2014/main" val="571438531"/>
+                  </a:ext>
+                </a:extLst>
+              </a:tr>
+              <a:tr h="1286430">
+                <a:tc>
+                  <a:txBody>
+                    <a:bodyPr/>
+                    <a:lstStyle/>
+                    <a:p>
+                      <a:pPr fontAlgn="t"/>
+                      <a:r>
+                        <a:rPr lang="en-US" sz="900">
+                          <a:effectLst/>
+                        </a:rPr>
+                        <a:t>Normally, accessibility of whole computer systems and its infrastructure doesn’t require. Accessibility is required only for the part for which the tester performing pen testing.</a:t>
+                      </a:r>
+                    </a:p>
+                  </a:txBody>
+                  <a:tcPr marL="31190" marR="31190" marT="31190" marB="31190">
+                    <a:lnL w="7620" cap="flat" cmpd="sng" algn="ctr">
+                      <a:solidFill>
+                        <a:srgbClr val="DDDDDD"/>
+                      </a:solidFill>
+                      <a:prstDash val="solid"/>
+                      <a:round/>
+                      <a:headEnd type="none" w="med" len="med"/>
+                      <a:tailEnd type="none" w="med" len="med"/>
+                    </a:lnL>
+                    <a:lnR w="7620" cap="flat" cmpd="sng" algn="ctr">
+                      <a:solidFill>
+                        <a:srgbClr val="DDDDDD"/>
+                      </a:solidFill>
+                      <a:prstDash val="solid"/>
+                      <a:round/>
+                      <a:headEnd type="none" w="med" len="med"/>
+                      <a:tailEnd type="none" w="med" len="med"/>
+                    </a:lnR>
+                    <a:lnT w="7620" cap="flat" cmpd="sng" algn="ctr">
+                      <a:solidFill>
+                        <a:srgbClr val="DDDDDD"/>
+                      </a:solidFill>
+                      <a:prstDash val="solid"/>
+                      <a:round/>
+                      <a:headEnd type="none" w="med" len="med"/>
+                      <a:tailEnd type="none" w="med" len="med"/>
+                    </a:lnT>
+                    <a:lnB w="7620" cap="flat" cmpd="sng" algn="ctr">
+                      <a:solidFill>
+                        <a:srgbClr val="DDDDDD"/>
+                      </a:solidFill>
+                      <a:prstDash val="solid"/>
+                      <a:round/>
+                      <a:headEnd type="none" w="med" len="med"/>
+                      <a:tailEnd type="none" w="med" len="med"/>
+                    </a:lnB>
+                  </a:tcPr>
+                </a:tc>
+                <a:tc>
+                  <a:txBody>
+                    <a:bodyPr/>
+                    <a:lstStyle/>
+                    <a:p>
+                      <a:pPr fontAlgn="ctr"/>
+                      <a:r>
+                        <a:rPr lang="en-US" sz="900" dirty="0">
+                          <a:effectLst/>
+                        </a:rPr>
+                        <a:t>As per the situation, it normally requires a whole range of accessibility all computer systems and its infrastructure.</a:t>
+                      </a:r>
+                    </a:p>
+                  </a:txBody>
+                  <a:tcPr marL="31190" marR="31190" marT="31190" marB="31190" anchor="ctr">
+                    <a:lnL w="7620" cap="flat" cmpd="sng" algn="ctr">
+                      <a:solidFill>
+                        <a:srgbClr val="DDDDDD"/>
+                      </a:solidFill>
+                      <a:prstDash val="solid"/>
+                      <a:round/>
+                      <a:headEnd type="none" w="med" len="med"/>
+                      <a:tailEnd type="none" w="med" len="med"/>
+                    </a:lnL>
+                    <a:lnR w="7620" cap="flat" cmpd="sng" algn="ctr">
+                      <a:solidFill>
+                        <a:srgbClr val="DDDDDD"/>
+                      </a:solidFill>
+                      <a:prstDash val="solid"/>
+                      <a:round/>
+                      <a:headEnd type="none" w="med" len="med"/>
+                      <a:tailEnd type="none" w="med" len="med"/>
+                    </a:lnR>
+                    <a:lnT w="7620" cap="flat" cmpd="sng" algn="ctr">
+                      <a:solidFill>
+                        <a:srgbClr val="DDDDDD"/>
+                      </a:solidFill>
+                      <a:prstDash val="solid"/>
+                      <a:round/>
+                      <a:headEnd type="none" w="med" len="med"/>
+                      <a:tailEnd type="none" w="med" len="med"/>
+                    </a:lnT>
+                    <a:lnB w="7620" cap="flat" cmpd="sng" algn="ctr">
+                      <a:solidFill>
+                        <a:srgbClr val="DDDDDD"/>
+                      </a:solidFill>
+                      <a:prstDash val="solid"/>
+                      <a:round/>
+                      <a:headEnd type="none" w="med" len="med"/>
+                      <a:tailEnd type="none" w="med" len="med"/>
+                    </a:lnB>
+                  </a:tcPr>
+                </a:tc>
+                <a:extLst>
+                  <a:ext uri="{0D108BD9-81ED-4DB2-BD59-A6C34878D82A}">
+                    <a16:rowId xmlns:a16="http://schemas.microsoft.com/office/drawing/2014/main" val="1745445178"/>
+                  </a:ext>
+                </a:extLst>
+              </a:tr>
+            </a:tbl>
+          </a:graphicData>
+        </a:graphic>
+      </p:graphicFrame>
     </p:spTree>
     <p:extLst>
       <p:ext uri="{BB962C8B-B14F-4D97-AF65-F5344CB8AC3E}">
         <p14:creationId xmlns:p14="http://schemas.microsoft.com/office/powerpoint/2010/main" val="3779176452"/>
+      </p:ext>
+    </p:extLst>
+  </p:cSld>
+  <p:clrMapOvr>
+    <a:masterClrMapping/>
+  </p:clrMapOvr>
+</p:sld>
+</file>
+
+<file path=ppt/slides/slide73.xml><?xml version="1.0" encoding="utf-8"?>
+<p:sld xmlns:a="http://schemas.openxmlformats.org/drawingml/2006/main" xmlns:r="http://schemas.openxmlformats.org/officeDocument/2006/relationships" xmlns:p="http://schemas.openxmlformats.org/presentationml/2006/main">
+  <p:cSld>
+    <p:spTree>
+      <p:nvGrpSpPr>
+        <p:cNvPr id="1" name=""/>
+        <p:cNvGrpSpPr/>
+        <p:nvPr/>
+      </p:nvGrpSpPr>
+      <p:grpSpPr>
+        <a:xfrm>
+          <a:off x="0" y="0"/>
+          <a:ext cx="0" cy="0"/>
+          <a:chOff x="0" y="0"/>
+          <a:chExt cx="0" cy="0"/>
+        </a:xfrm>
+      </p:grpSpPr>
+      <p:sp>
+        <p:nvSpPr>
+          <p:cNvPr id="2" name="Title 1"/>
+          <p:cNvSpPr>
+            <a:spLocks noGrp="1"/>
+          </p:cNvSpPr>
+          <p:nvPr>
+            <p:ph type="title"/>
+          </p:nvPr>
+        </p:nvSpPr>
+        <p:spPr/>
+        <p:txBody>
+          <a:bodyPr>
+            <a:normAutofit fontScale="90000"/>
+          </a:bodyPr>
+          <a:lstStyle/>
+          <a:p>
+            <a:r>
+              <a:rPr lang="en-US" dirty="0"/>
+              <a:t>Penetration Testing - Limitations</a:t>
+            </a:r>
+            <a:br>
+              <a:rPr lang="en-US" dirty="0"/>
+            </a:br>
+            <a:r>
+              <a:rPr lang="en-US" dirty="0"/>
+              <a:t/>
+            </a:r>
+            <a:br>
+              <a:rPr lang="en-US" dirty="0"/>
+            </a:br>
+            <a:endParaRPr lang="en-US" dirty="0"/>
+          </a:p>
+        </p:txBody>
+      </p:sp>
+      <p:sp>
+        <p:nvSpPr>
+          <p:cNvPr id="3" name="Content Placeholder 2"/>
+          <p:cNvSpPr>
+            <a:spLocks noGrp="1"/>
+          </p:cNvSpPr>
+          <p:nvPr>
+            <p:ph idx="1"/>
+          </p:nvPr>
+        </p:nvSpPr>
+        <p:spPr>
+          <a:xfrm>
+            <a:off x="677334" y="1332411"/>
+            <a:ext cx="8596668" cy="5120640"/>
+          </a:xfrm>
+        </p:spPr>
+        <p:txBody>
+          <a:bodyPr>
+            <a:normAutofit fontScale="70000" lnSpcReduction="20000"/>
+          </a:bodyPr>
+          <a:lstStyle/>
+          <a:p>
+            <a:r>
+              <a:rPr lang="en-US" dirty="0"/>
+              <a:t> major limitations of Penetration Testing −</a:t>
+            </a:r>
+          </a:p>
+          <a:p>
+            <a:r>
+              <a:rPr lang="en-US" b="1" dirty="0"/>
+              <a:t>Limitation of Time</a:t>
+            </a:r>
+            <a:r>
+              <a:rPr lang="en-US" dirty="0"/>
+              <a:t> − As all of us know, penetration testing is not at all time bound exercise; nevertheless, experts of penetration testing have allotted a fixed amount of time for each test. On the other hand, attackers have no time constrains, they plan it in a week, month, or even years.</a:t>
+            </a:r>
+          </a:p>
+          <a:p>
+            <a:r>
+              <a:rPr lang="en-US" b="1" dirty="0"/>
+              <a:t>Limitation of Scope</a:t>
+            </a:r>
+            <a:r>
+              <a:rPr lang="en-US" dirty="0"/>
+              <a:t> − Many of the organizations do not test everything, because of their own limitations, including resource constraints, security constraints, budget constraints, etc. Likewise, a tester has limited scope and he has to leave many parts of the systems that might be much more vulnerable and can be a perfect niche for the attacker.</a:t>
+            </a:r>
+          </a:p>
+          <a:p>
+            <a:r>
+              <a:rPr lang="en-US" b="1" dirty="0"/>
+              <a:t>Limitation on Access</a:t>
+            </a:r>
+            <a:r>
+              <a:rPr lang="en-US" dirty="0"/>
+              <a:t> − More often testers have restricted access to the target environment. For example, if a company has carried out the penetration test against its DMZ systems from all across its internet networks, but what if the attackers attack through the normal internet gateway.</a:t>
+            </a:r>
+          </a:p>
+          <a:p>
+            <a:r>
+              <a:rPr lang="en-US" b="1" dirty="0"/>
+              <a:t>Limitation of Methods</a:t>
+            </a:r>
+            <a:r>
+              <a:rPr lang="en-US" dirty="0"/>
+              <a:t> − There are chances that the target system can crash during a penetration test, so some of the particular attack methods would likely be turned off the table for a professional penetration tester. For example, producing a denial of service flood to divert a system or network administrator from another attack method, usually an ideal tactic for a really bad guy, but it is likely to fall outside of the rules of engagement for most of the professional penetration testers.</a:t>
+            </a:r>
+          </a:p>
+          <a:p>
+            <a:r>
+              <a:rPr lang="en-US" b="1" dirty="0"/>
+              <a:t>Limitation of Skill-sets of a Penetration Tester</a:t>
+            </a:r>
+            <a:r>
+              <a:rPr lang="en-US" dirty="0"/>
+              <a:t> − Usually, professional penetration testers are limited as they have limited skills irrespective of their expertise and past experience. Most of them are focused on a particular technology and having rare knowledge of other fields.</a:t>
+            </a:r>
+          </a:p>
+          <a:p>
+            <a:r>
+              <a:rPr lang="en-US" b="1" dirty="0"/>
+              <a:t>Limitation of Known Exploits</a:t>
+            </a:r>
+            <a:r>
+              <a:rPr lang="en-US" dirty="0"/>
+              <a:t> − Many of the testers are aware with only those exploits, which are public. In fact, their imaginative power is not as developed as attackers. Attackers normally think much beyond a tester’s thinking and discover the flaw to attack.</a:t>
+            </a:r>
+          </a:p>
+          <a:p>
+            <a:r>
+              <a:rPr lang="en-US" b="1" dirty="0"/>
+              <a:t>Limitation to Experiment</a:t>
+            </a:r>
+            <a:r>
+              <a:rPr lang="en-US" dirty="0"/>
+              <a:t> − Most of the testers are time bound and follow the instructions already given to them by their organization or seniors. They do not try something new. They do not think beyond the given instructions. On the other hand, attackers are free to think, to experiment, and to create some new path to attack.</a:t>
+            </a:r>
+          </a:p>
+          <a:p>
+            <a:endParaRPr lang="en-US" dirty="0"/>
+          </a:p>
+        </p:txBody>
+      </p:sp>
+    </p:spTree>
+    <p:extLst>
+      <p:ext uri="{BB962C8B-B14F-4D97-AF65-F5344CB8AC3E}">
+        <p14:creationId xmlns:p14="http://schemas.microsoft.com/office/powerpoint/2010/main" val="3300249845"/>
+      </p:ext>
+    </p:extLst>
+  </p:cSld>
+  <p:clrMapOvr>
+    <a:masterClrMapping/>
+  </p:clrMapOvr>
+</p:sld>
+</file>
+
+<file path=ppt/slides/slide74.xml><?xml version="1.0" encoding="utf-8"?>
+<p:sld xmlns:a="http://schemas.openxmlformats.org/drawingml/2006/main" xmlns:r="http://schemas.openxmlformats.org/officeDocument/2006/relationships" xmlns:p="http://schemas.openxmlformats.org/presentationml/2006/main">
+  <p:cSld>
+    <p:spTree>
+      <p:nvGrpSpPr>
+        <p:cNvPr id="1" name=""/>
+        <p:cNvGrpSpPr/>
+        <p:nvPr/>
+      </p:nvGrpSpPr>
+      <p:grpSpPr>
+        <a:xfrm>
+          <a:off x="0" y="0"/>
+          <a:ext cx="0" cy="0"/>
+          <a:chOff x="0" y="0"/>
+          <a:chExt cx="0" cy="0"/>
+        </a:xfrm>
+      </p:grpSpPr>
+      <p:sp>
+        <p:nvSpPr>
+          <p:cNvPr id="2" name="Title 1"/>
+          <p:cNvSpPr>
+            <a:spLocks noGrp="1"/>
+          </p:cNvSpPr>
+          <p:nvPr>
+            <p:ph type="title"/>
+          </p:nvPr>
+        </p:nvSpPr>
+        <p:spPr/>
+        <p:txBody>
+          <a:bodyPr/>
+          <a:lstStyle/>
+          <a:p>
+            <a:r>
+              <a:rPr lang="en-US" dirty="0"/>
+              <a:t>Remediation</a:t>
+            </a:r>
+            <a:br>
+              <a:rPr lang="en-US" dirty="0"/>
+            </a:br>
+            <a:endParaRPr lang="en-US" dirty="0"/>
+          </a:p>
+        </p:txBody>
+      </p:sp>
+      <p:sp>
+        <p:nvSpPr>
+          <p:cNvPr id="3" name="Content Placeholder 2"/>
+          <p:cNvSpPr>
+            <a:spLocks noGrp="1"/>
+          </p:cNvSpPr>
+          <p:nvPr>
+            <p:ph idx="1"/>
+          </p:nvPr>
+        </p:nvSpPr>
+        <p:spPr>
+          <a:xfrm>
+            <a:off x="677334" y="1271451"/>
+            <a:ext cx="8596668" cy="5294812"/>
+          </a:xfrm>
+        </p:spPr>
+        <p:txBody>
+          <a:bodyPr>
+            <a:normAutofit fontScale="85000" lnSpcReduction="10000"/>
+          </a:bodyPr>
+          <a:lstStyle/>
+          <a:p>
+            <a:r>
+              <a:rPr lang="en-US" dirty="0"/>
+              <a:t>Remediation is an act of offering an improvement to replace a mistake and set it right. Often the presence of vulnerability in one area may indicate weakness in process or development practices that could have replicated or enabled similar vulnerability in other locations. Therefore, while remediating, it is important for the tester to carefully investigate the tested entity or applications with ineffective security controls in mind.</a:t>
+            </a:r>
+          </a:p>
+          <a:p>
+            <a:r>
+              <a:rPr lang="en-US" dirty="0"/>
+              <a:t>Because of these reasons, the respective company should take steps to remediate any exploitable vulnerability within a reasonable period of time after the original penetration test. In fact, as soon as the company has completed these steps, the pen tester should perform a retest to validate the newly implemented controls which are capable to mitigate the original risk.</a:t>
+            </a:r>
+          </a:p>
+          <a:p>
+            <a:r>
+              <a:rPr lang="en-US" dirty="0"/>
+              <a:t>The remediation efforts extending for a longer period after the initial pen test possibly require performing a new testing engagement to ensure accurate results of the most current environment. This determination should be made after a risk analysis of how much change has occurred since the original testing was completed.</a:t>
+            </a:r>
+          </a:p>
+          <a:p>
+            <a:r>
+              <a:rPr lang="en-US" dirty="0"/>
+              <a:t>Moreover, in specific conditions, the flagged security problem may illustrate a basic flaw in respective environment or application. Therefore, the scope of a retest should consider whether any changes caused by remediation identified from the test are classified as significant. All changes should be retested; however, whether an entire system retest is necessary or not will be determined by the risk assessment of the changes.</a:t>
+            </a:r>
+          </a:p>
+          <a:p>
+            <a:r>
+              <a:rPr lang="en-US" dirty="0"/>
+              <a:t/>
+            </a:r>
+            <a:br>
+              <a:rPr lang="en-US" dirty="0"/>
+            </a:br>
+            <a:endParaRPr lang="en-US" dirty="0"/>
+          </a:p>
+        </p:txBody>
+      </p:sp>
+    </p:spTree>
+    <p:extLst>
+      <p:ext uri="{BB962C8B-B14F-4D97-AF65-F5344CB8AC3E}">
+        <p14:creationId xmlns:p14="http://schemas.microsoft.com/office/powerpoint/2010/main" val="1956749798"/>
+      </p:ext>
+    </p:extLst>
+  </p:cSld>
+  <p:clrMapOvr>
+    <a:masterClrMapping/>
+  </p:clrMapOvr>
+</p:sld>
+</file>
+
+<file path=ppt/slides/slide75.xml><?xml version="1.0" encoding="utf-8"?>
+<p:sld xmlns:a="http://schemas.openxmlformats.org/drawingml/2006/main" xmlns:r="http://schemas.openxmlformats.org/officeDocument/2006/relationships" xmlns:p="http://schemas.openxmlformats.org/presentationml/2006/main">
+  <p:cSld>
+    <p:spTree>
+      <p:nvGrpSpPr>
+        <p:cNvPr id="1" name=""/>
+        <p:cNvGrpSpPr/>
+        <p:nvPr/>
+      </p:nvGrpSpPr>
+      <p:grpSpPr>
+        <a:xfrm>
+          <a:off x="0" y="0"/>
+          <a:ext cx="0" cy="0"/>
+          <a:chOff x="0" y="0"/>
+          <a:chExt cx="0" cy="0"/>
+        </a:xfrm>
+      </p:grpSpPr>
+      <p:sp>
+        <p:nvSpPr>
+          <p:cNvPr id="2" name="Title 1"/>
+          <p:cNvSpPr>
+            <a:spLocks noGrp="1"/>
+          </p:cNvSpPr>
+          <p:nvPr>
+            <p:ph type="title"/>
+          </p:nvPr>
+        </p:nvSpPr>
+        <p:spPr/>
+        <p:txBody>
+          <a:bodyPr/>
+          <a:lstStyle/>
+          <a:p>
+            <a:r>
+              <a:rPr lang="en-US" dirty="0"/>
+              <a:t>Legal Issues</a:t>
+            </a:r>
+            <a:br>
+              <a:rPr lang="en-US" dirty="0"/>
+            </a:br>
+            <a:endParaRPr lang="en-US" dirty="0"/>
+          </a:p>
+        </p:txBody>
+      </p:sp>
+      <p:sp>
+        <p:nvSpPr>
+          <p:cNvPr id="3" name="Content Placeholder 2"/>
+          <p:cNvSpPr>
+            <a:spLocks noGrp="1"/>
+          </p:cNvSpPr>
+          <p:nvPr>
+            <p:ph idx="1"/>
+          </p:nvPr>
+        </p:nvSpPr>
+        <p:spPr>
+          <a:xfrm>
+            <a:off x="677334" y="1323703"/>
+            <a:ext cx="8596668" cy="5312228"/>
+          </a:xfrm>
+        </p:spPr>
+        <p:txBody>
+          <a:bodyPr>
+            <a:normAutofit fontScale="85000" lnSpcReduction="20000"/>
+          </a:bodyPr>
+          <a:lstStyle/>
+          <a:p>
+            <a:r>
+              <a:rPr lang="en-US"/>
+              <a:t>The tester is unknown to his client – so, on what ground, he should be given access of sensitive data</a:t>
+            </a:r>
+          </a:p>
+          <a:p>
+            <a:pPr marL="0" indent="0">
+              <a:buNone/>
+            </a:pPr>
+            <a:r>
+              <a:rPr lang="en-US" dirty="0"/>
+              <a:t>Who will take the guarantee of security of the lost data?</a:t>
+            </a:r>
+          </a:p>
+          <a:p>
+            <a:r>
+              <a:rPr lang="en-US" dirty="0"/>
+              <a:t>The client may blame for the loss of data or confidentiality to tester</a:t>
+            </a:r>
+          </a:p>
+          <a:p>
+            <a:r>
+              <a:rPr lang="en-US" dirty="0"/>
+              <a:t>Penetration testing may affect system performance, and can raise confidentiality and integrity issues; therefore, this is very important, even in an internal penetration testing, which is performed by an internal staff to get permission in writing. There should be a written agreement between a tester and the company/organization/individual to clarify all the points regarding the data security, disclosure, etc. before commencing testing.</a:t>
+            </a:r>
+          </a:p>
+          <a:p>
+            <a:r>
+              <a:rPr lang="en-US" dirty="0"/>
+              <a:t>A </a:t>
+            </a:r>
+            <a:r>
+              <a:rPr lang="en-US" b="1" dirty="0"/>
+              <a:t>statement of intent</a:t>
+            </a:r>
+            <a:r>
+              <a:rPr lang="en-US" dirty="0"/>
+              <a:t> should be drawn up and duly signed by both the parties prior to any testing work. It should be clearly outlined that the scope of the job and that, you may and may not be doing while performing vulnerability tests.</a:t>
+            </a:r>
+          </a:p>
+          <a:p>
+            <a:r>
+              <a:rPr lang="en-US" dirty="0"/>
+              <a:t>For the tester, it is important to know who owns the business or systems which are being requested to work on, and the infrastructure between testing systems and their targets that may be potentially affected by pen testing. The idea is to make sure;</a:t>
+            </a:r>
+          </a:p>
+          <a:p>
+            <a:r>
+              <a:rPr lang="en-US" b="1" dirty="0"/>
+              <a:t>the tester</a:t>
+            </a:r>
+            <a:r>
+              <a:rPr lang="en-US" dirty="0"/>
+              <a:t> has the permission in writing, with clearly defined parameters.</a:t>
+            </a:r>
+          </a:p>
+          <a:p>
+            <a:r>
+              <a:rPr lang="en-US" b="1" dirty="0"/>
+              <a:t>the company</a:t>
+            </a:r>
+            <a:r>
+              <a:rPr lang="en-US" dirty="0"/>
+              <a:t> has the details of its pen tester and an assurance that he would not leak any confidential data.</a:t>
+            </a:r>
+          </a:p>
+          <a:p>
+            <a:r>
+              <a:rPr lang="en-US" dirty="0"/>
+              <a:t>A legal agreement is beneficial for both the parties. Remember, regulations change from country to country, so keep yourself abreast with the laws of your respective country. Sign an agreement only after considering the respective laws.</a:t>
+            </a:r>
+          </a:p>
+          <a:p>
+            <a:endParaRPr lang="en-US" dirty="0"/>
+          </a:p>
+        </p:txBody>
+      </p:sp>
+    </p:spTree>
+    <p:extLst>
+      <p:ext uri="{BB962C8B-B14F-4D97-AF65-F5344CB8AC3E}">
+        <p14:creationId xmlns:p14="http://schemas.microsoft.com/office/powerpoint/2010/main" val="2248360394"/>
+      </p:ext>
+    </p:extLst>
+  </p:cSld>
+  <p:clrMapOvr>
+    <a:masterClrMapping/>
+  </p:clrMapOvr>
+</p:sld>
+</file>
+
+<file path=ppt/slides/slide76.xml><?xml version="1.0" encoding="utf-8"?>
+<p:sld xmlns:a="http://schemas.openxmlformats.org/drawingml/2006/main" xmlns:r="http://schemas.openxmlformats.org/officeDocument/2006/relationships" xmlns:p="http://schemas.openxmlformats.org/presentationml/2006/main">
+  <p:cSld>
+    <p:spTree>
+      <p:nvGrpSpPr>
+        <p:cNvPr id="1" name=""/>
+        <p:cNvGrpSpPr/>
+        <p:nvPr/>
+      </p:nvGrpSpPr>
+      <p:grpSpPr>
+        <a:xfrm>
+          <a:off x="0" y="0"/>
+          <a:ext cx="0" cy="0"/>
+          <a:chOff x="0" y="0"/>
+          <a:chExt cx="0" cy="0"/>
+        </a:xfrm>
+      </p:grpSpPr>
+      <p:sp>
+        <p:nvSpPr>
+          <p:cNvPr id="2" name="Title 1"/>
+          <p:cNvSpPr>
+            <a:spLocks noGrp="1"/>
+          </p:cNvSpPr>
+          <p:nvPr>
+            <p:ph type="title"/>
+          </p:nvPr>
+        </p:nvSpPr>
+        <p:spPr/>
+        <p:txBody>
+          <a:bodyPr/>
+          <a:lstStyle/>
+          <a:p>
+            <a:endParaRPr lang="en-US"/>
+          </a:p>
+        </p:txBody>
+      </p:sp>
+      <p:sp>
+        <p:nvSpPr>
+          <p:cNvPr id="3" name="Content Placeholder 2"/>
+          <p:cNvSpPr>
+            <a:spLocks noGrp="1"/>
+          </p:cNvSpPr>
+          <p:nvPr>
+            <p:ph idx="1"/>
+          </p:nvPr>
+        </p:nvSpPr>
+        <p:spPr/>
+        <p:txBody>
+          <a:bodyPr/>
+          <a:lstStyle/>
+          <a:p>
+            <a:endParaRPr lang="en-US"/>
+          </a:p>
+        </p:txBody>
+      </p:sp>
+    </p:spTree>
+    <p:extLst>
+      <p:ext uri="{BB962C8B-B14F-4D97-AF65-F5344CB8AC3E}">
+        <p14:creationId xmlns:p14="http://schemas.microsoft.com/office/powerpoint/2010/main" val="1037355527"/>
+      </p:ext>
+    </p:extLst>
+  </p:cSld>
+  <p:clrMapOvr>
+    <a:masterClrMapping/>
+  </p:clrMapOvr>
+</p:sld>
+</file>
+
+<file path=ppt/slides/slide77.xml><?xml version="1.0" encoding="utf-8"?>
+<p:sld xmlns:a="http://schemas.openxmlformats.org/drawingml/2006/main" xmlns:r="http://schemas.openxmlformats.org/officeDocument/2006/relationships" xmlns:p="http://schemas.openxmlformats.org/presentationml/2006/main">
+  <p:cSld>
+    <p:spTree>
+      <p:nvGrpSpPr>
+        <p:cNvPr id="1" name=""/>
+        <p:cNvGrpSpPr/>
+        <p:nvPr/>
+      </p:nvGrpSpPr>
+      <p:grpSpPr>
+        <a:xfrm>
+          <a:off x="0" y="0"/>
+          <a:ext cx="0" cy="0"/>
+          <a:chOff x="0" y="0"/>
+          <a:chExt cx="0" cy="0"/>
+        </a:xfrm>
+      </p:grpSpPr>
+      <p:sp>
+        <p:nvSpPr>
+          <p:cNvPr id="2" name="Title 1"/>
+          <p:cNvSpPr>
+            <a:spLocks noGrp="1"/>
+          </p:cNvSpPr>
+          <p:nvPr>
+            <p:ph type="title"/>
+          </p:nvPr>
+        </p:nvSpPr>
+        <p:spPr/>
+        <p:txBody>
+          <a:bodyPr/>
+          <a:lstStyle/>
+          <a:p>
+            <a:endParaRPr lang="en-US"/>
+          </a:p>
+        </p:txBody>
+      </p:sp>
+      <p:sp>
+        <p:nvSpPr>
+          <p:cNvPr id="3" name="Content Placeholder 2"/>
+          <p:cNvSpPr>
+            <a:spLocks noGrp="1"/>
+          </p:cNvSpPr>
+          <p:nvPr>
+            <p:ph idx="1"/>
+          </p:nvPr>
+        </p:nvSpPr>
+        <p:spPr/>
+        <p:txBody>
+          <a:bodyPr/>
+          <a:lstStyle/>
+          <a:p>
+            <a:endParaRPr lang="en-US"/>
+          </a:p>
+        </p:txBody>
+      </p:sp>
+    </p:spTree>
+    <p:extLst>
+      <p:ext uri="{BB962C8B-B14F-4D97-AF65-F5344CB8AC3E}">
+        <p14:creationId xmlns:p14="http://schemas.microsoft.com/office/powerpoint/2010/main" val="3968621684"/>
       </p:ext>
     </p:extLst>
   </p:cSld>
